--- a/GUItoTurtle.pptx
+++ b/GUItoTurtle.pptx
@@ -13,16 +13,16 @@
     <p:sldId id="261" r:id="rId4"/>
     <p:sldId id="258" r:id="rId5"/>
     <p:sldId id="259" r:id="rId6"/>
-    <p:sldId id="260" r:id="rId7"/>
-    <p:sldId id="262" r:id="rId8"/>
-    <p:sldId id="263" r:id="rId9"/>
-    <p:sldId id="264" r:id="rId10"/>
-    <p:sldId id="265" r:id="rId11"/>
-    <p:sldId id="266" r:id="rId12"/>
-    <p:sldId id="267" r:id="rId13"/>
-    <p:sldId id="268" r:id="rId14"/>
-    <p:sldId id="269" r:id="rId15"/>
-    <p:sldId id="270" r:id="rId16"/>
+    <p:sldId id="262" r:id="rId7"/>
+    <p:sldId id="264" r:id="rId8"/>
+    <p:sldId id="265" r:id="rId9"/>
+    <p:sldId id="266" r:id="rId10"/>
+    <p:sldId id="267" r:id="rId11"/>
+    <p:sldId id="268" r:id="rId12"/>
+    <p:sldId id="269" r:id="rId13"/>
+    <p:sldId id="271" r:id="rId14"/>
+    <p:sldId id="270" r:id="rId15"/>
+    <p:sldId id="272" r:id="rId16"/>
   </p:sldIdLst>
   <p:sldSz cx="12192000" cy="6858000"/>
   <p:notesSz cx="6858000" cy="9144000"/>
@@ -121,6 +121,11 @@
       </a:defRPr>
     </a:lvl9pPr>
   </p:defaultTextStyle>
+  <p:extLst>
+    <p:ext uri="{EFAFB233-063F-42B5-8137-9DF3F51BA10A}">
+      <p15:sldGuideLst xmlns:p15="http://schemas.microsoft.com/office/powerpoint/2012/main"/>
+    </p:ext>
+  </p:extLst>
 </p:presentation>
 </file>
 
@@ -206,7 +211,7 @@
           <a:p>
             <a:fld id="{304C834A-5B5C-4FBC-8A71-00A62723C271}" type="datetimeFigureOut">
               <a:rPr lang="ru-RU" smtClean="0"/>
-              <a:t>07.11.2022</a:t>
+              <a:t>10.11.2022</a:t>
             </a:fld>
             <a:endParaRPr lang="ru-RU"/>
           </a:p>
@@ -538,7 +543,7 @@
           <a:p>
             <a:fld id="{28E104DA-5A81-4018-AE61-B3EDEAD8824D}" type="slidenum">
               <a:rPr lang="ru-RU" smtClean="0"/>
-              <a:t>11</a:t>
+              <a:t>9</a:t>
             </a:fld>
             <a:endParaRPr lang="ru-RU"/>
           </a:p>
@@ -622,7 +627,7 @@
           <a:p>
             <a:fld id="{28E104DA-5A81-4018-AE61-B3EDEAD8824D}" type="slidenum">
               <a:rPr lang="ru-RU" smtClean="0"/>
-              <a:t>13</a:t>
+              <a:t>11</a:t>
             </a:fld>
             <a:endParaRPr lang="ru-RU"/>
           </a:p>
@@ -1363,7 +1368,7 @@
           <a:p>
             <a:fld id="{3593E87F-2BA8-471F-A347-6F3BDFC716F3}" type="datetimeFigureOut">
               <a:rPr lang="ru-RU" smtClean="0"/>
-              <a:t>07.11.2022</a:t>
+              <a:t>10.11.2022</a:t>
             </a:fld>
             <a:endParaRPr lang="ru-RU"/>
           </a:p>
@@ -1614,7 +1619,7 @@
           <a:p>
             <a:fld id="{3593E87F-2BA8-471F-A347-6F3BDFC716F3}" type="datetimeFigureOut">
               <a:rPr lang="ru-RU" smtClean="0"/>
-              <a:t>07.11.2022</a:t>
+              <a:t>10.11.2022</a:t>
             </a:fld>
             <a:endParaRPr lang="ru-RU"/>
           </a:p>
@@ -1928,7 +1933,7 @@
           <a:p>
             <a:fld id="{3593E87F-2BA8-471F-A347-6F3BDFC716F3}" type="datetimeFigureOut">
               <a:rPr lang="ru-RU" smtClean="0"/>
-              <a:t>07.11.2022</a:t>
+              <a:t>10.11.2022</a:t>
             </a:fld>
             <a:endParaRPr lang="ru-RU"/>
           </a:p>
@@ -2269,7 +2274,7 @@
           <a:p>
             <a:fld id="{3593E87F-2BA8-471F-A347-6F3BDFC716F3}" type="datetimeFigureOut">
               <a:rPr lang="ru-RU" smtClean="0"/>
-              <a:t>07.11.2022</a:t>
+              <a:t>10.11.2022</a:t>
             </a:fld>
             <a:endParaRPr lang="ru-RU"/>
           </a:p>
@@ -2583,7 +2588,7 @@
           <a:p>
             <a:fld id="{3593E87F-2BA8-471F-A347-6F3BDFC716F3}" type="datetimeFigureOut">
               <a:rPr lang="ru-RU" smtClean="0"/>
-              <a:t>07.11.2022</a:t>
+              <a:t>10.11.2022</a:t>
             </a:fld>
             <a:endParaRPr lang="ru-RU"/>
           </a:p>
@@ -2976,7 +2981,7 @@
           <a:p>
             <a:fld id="{3593E87F-2BA8-471F-A347-6F3BDFC716F3}" type="datetimeFigureOut">
               <a:rPr lang="ru-RU" smtClean="0"/>
-              <a:t>07.11.2022</a:t>
+              <a:t>10.11.2022</a:t>
             </a:fld>
             <a:endParaRPr lang="ru-RU"/>
           </a:p>
@@ -3146,7 +3151,7 @@
           <a:p>
             <a:fld id="{3593E87F-2BA8-471F-A347-6F3BDFC716F3}" type="datetimeFigureOut">
               <a:rPr lang="ru-RU" smtClean="0"/>
-              <a:t>07.11.2022</a:t>
+              <a:t>10.11.2022</a:t>
             </a:fld>
             <a:endParaRPr lang="ru-RU"/>
           </a:p>
@@ -3326,7 +3331,7 @@
           <a:p>
             <a:fld id="{3593E87F-2BA8-471F-A347-6F3BDFC716F3}" type="datetimeFigureOut">
               <a:rPr lang="ru-RU" smtClean="0"/>
-              <a:t>07.11.2022</a:t>
+              <a:t>10.11.2022</a:t>
             </a:fld>
             <a:endParaRPr lang="ru-RU"/>
           </a:p>
@@ -3502,7 +3507,7 @@
           <a:p>
             <a:fld id="{3593E87F-2BA8-471F-A347-6F3BDFC716F3}" type="datetimeFigureOut">
               <a:rPr lang="ru-RU" smtClean="0"/>
-              <a:t>07.11.2022</a:t>
+              <a:t>10.11.2022</a:t>
             </a:fld>
             <a:endParaRPr lang="ru-RU"/>
           </a:p>
@@ -3749,7 +3754,7 @@
           <a:p>
             <a:fld id="{3593E87F-2BA8-471F-A347-6F3BDFC716F3}" type="datetimeFigureOut">
               <a:rPr lang="ru-RU" smtClean="0"/>
-              <a:t>07.11.2022</a:t>
+              <a:t>10.11.2022</a:t>
             </a:fld>
             <a:endParaRPr lang="ru-RU"/>
           </a:p>
@@ -3981,7 +3986,7 @@
           <a:p>
             <a:fld id="{3593E87F-2BA8-471F-A347-6F3BDFC716F3}" type="datetimeFigureOut">
               <a:rPr lang="ru-RU" smtClean="0"/>
-              <a:t>07.11.2022</a:t>
+              <a:t>10.11.2022</a:t>
             </a:fld>
             <a:endParaRPr lang="ru-RU"/>
           </a:p>
@@ -4355,7 +4360,7 @@
           <a:p>
             <a:fld id="{3593E87F-2BA8-471F-A347-6F3BDFC716F3}" type="datetimeFigureOut">
               <a:rPr lang="ru-RU" smtClean="0"/>
-              <a:t>07.11.2022</a:t>
+              <a:t>10.11.2022</a:t>
             </a:fld>
             <a:endParaRPr lang="ru-RU"/>
           </a:p>
@@ -4478,7 +4483,7 @@
           <a:p>
             <a:fld id="{3593E87F-2BA8-471F-A347-6F3BDFC716F3}" type="datetimeFigureOut">
               <a:rPr lang="ru-RU" smtClean="0"/>
-              <a:t>07.11.2022</a:t>
+              <a:t>10.11.2022</a:t>
             </a:fld>
             <a:endParaRPr lang="ru-RU"/>
           </a:p>
@@ -4573,7 +4578,7 @@
           <a:p>
             <a:fld id="{3593E87F-2BA8-471F-A347-6F3BDFC716F3}" type="datetimeFigureOut">
               <a:rPr lang="ru-RU" smtClean="0"/>
-              <a:t>07.11.2022</a:t>
+              <a:t>10.11.2022</a:t>
             </a:fld>
             <a:endParaRPr lang="ru-RU"/>
           </a:p>
@@ -4828,7 +4833,7 @@
           <a:p>
             <a:fld id="{3593E87F-2BA8-471F-A347-6F3BDFC716F3}" type="datetimeFigureOut">
               <a:rPr lang="ru-RU" smtClean="0"/>
-              <a:t>07.11.2022</a:t>
+              <a:t>10.11.2022</a:t>
             </a:fld>
             <a:endParaRPr lang="ru-RU"/>
           </a:p>
@@ -5091,7 +5096,7 @@
           <a:p>
             <a:fld id="{3593E87F-2BA8-471F-A347-6F3BDFC716F3}" type="datetimeFigureOut">
               <a:rPr lang="ru-RU" smtClean="0"/>
-              <a:t>07.11.2022</a:t>
+              <a:t>10.11.2022</a:t>
             </a:fld>
             <a:endParaRPr lang="ru-RU"/>
           </a:p>
@@ -5834,7 +5839,7 @@
           <a:p>
             <a:fld id="{3593E87F-2BA8-471F-A347-6F3BDFC716F3}" type="datetimeFigureOut">
               <a:rPr lang="ru-RU" smtClean="0"/>
-              <a:t>07.11.2022</a:t>
+              <a:t>10.11.2022</a:t>
             </a:fld>
             <a:endParaRPr lang="ru-RU"/>
           </a:p>
@@ -6480,8 +6485,8 @@
         </p:nvSpPr>
         <p:spPr>
           <a:xfrm>
-            <a:off x="781403" y="4941912"/>
-            <a:ext cx="4471096" cy="1754326"/>
+            <a:off x="781403" y="4549676"/>
+            <a:ext cx="4633000" cy="2308324"/>
           </a:xfrm>
           <a:prstGeom prst="rect">
             <a:avLst/>
@@ -6493,6 +6498,46 @@
             <a:spAutoFit/>
           </a:bodyPr>
           <a:lstStyle/>
+          <a:p>
+            <a:r>
+              <a:rPr lang="ru-RU" dirty="0"/>
+              <a:t>Руководитель</a:t>
+            </a:r>
+            <a:r>
+              <a:rPr lang="en-US" dirty="0"/>
+              <a:t>: </a:t>
+            </a:r>
+            <a:r>
+              <a:rPr lang="ru-RU" dirty="0"/>
+              <a:t>Симонов Сергей Иванович</a:t>
+            </a:r>
+          </a:p>
+          <a:p>
+            <a:r>
+              <a:rPr lang="ru-RU" dirty="0"/>
+              <a:t>Площадка</a:t>
+            </a:r>
+            <a:r>
+              <a:rPr lang="en-US" dirty="0"/>
+              <a:t>: </a:t>
+            </a:r>
+            <a:r>
+              <a:rPr lang="ru-RU" dirty="0"/>
+              <a:t>МАОУДО Центр </a:t>
+            </a:r>
+            <a:r>
+              <a:rPr lang="en-US" dirty="0"/>
+              <a:t>“</a:t>
+            </a:r>
+            <a:r>
+              <a:rPr lang="ru-RU" dirty="0"/>
+              <a:t>Диалог</a:t>
+            </a:r>
+            <a:r>
+              <a:rPr lang="en-US" dirty="0"/>
+              <a:t>”</a:t>
+            </a:r>
+          </a:p>
           <a:p>
             <a:r>
               <a:rPr lang="ru-RU" dirty="0"/>
@@ -6555,6 +6600,56 @@
             <a:r>
               <a:rPr lang="en-US" dirty="0"/>
               <a:t>: 5536 9138 9660 2170</a:t>
+            </a:r>
+          </a:p>
+        </p:txBody>
+      </p:sp>
+      <p:sp>
+        <p:nvSpPr>
+          <p:cNvPr id="6" name="TextBox 5">
+            <a:extLst>
+              <a:ext uri="{FF2B5EF4-FFF2-40B4-BE49-F238E27FC236}">
+                <a16:creationId xmlns:a16="http://schemas.microsoft.com/office/drawing/2014/main" id="{D874013C-E99F-4CC7-854F-6D0DDF821AB1}"/>
+              </a:ext>
+            </a:extLst>
+          </p:cNvPr>
+          <p:cNvSpPr txBox="1"/>
+          <p:nvPr/>
+        </p:nvSpPr>
+        <p:spPr>
+          <a:xfrm>
+            <a:off x="673119" y="1417706"/>
+            <a:ext cx="4121641" cy="646331"/>
+          </a:xfrm>
+          <a:prstGeom prst="rect">
+            <a:avLst/>
+          </a:prstGeom>
+          <a:noFill/>
+        </p:spPr>
+        <p:txBody>
+          <a:bodyPr wrap="none" rtlCol="0">
+            <a:spAutoFit/>
+          </a:bodyPr>
+          <a:lstStyle/>
+          <a:p>
+            <a:r>
+              <a:rPr lang="ru-RU" dirty="0"/>
+              <a:t>Программа написана на </a:t>
+            </a:r>
+            <a:r>
+              <a:rPr lang="en-US" dirty="0"/>
+              <a:t>python</a:t>
+            </a:r>
+            <a:endParaRPr lang="ru-RU" dirty="0"/>
+          </a:p>
+          <a:p>
+            <a:r>
+              <a:rPr lang="ru-RU" dirty="0"/>
+              <a:t>с использованием библиотеки </a:t>
+            </a:r>
+            <a:r>
+              <a:rPr lang="en-US" dirty="0"/>
+              <a:t>PyQt5</a:t>
             </a:r>
           </a:p>
         </p:txBody>
@@ -7161,10 +7256,10 @@
       </p:pic>
       <p:sp>
         <p:nvSpPr>
-          <p:cNvPr id="18" name="TextBox 17">
-            <a:extLst>
-              <a:ext uri="{FF2B5EF4-FFF2-40B4-BE49-F238E27FC236}">
-                <a16:creationId xmlns:a16="http://schemas.microsoft.com/office/drawing/2014/main" id="{5A8CF9C3-051D-427F-B5E7-2AC90408DC8B}"/>
+          <p:cNvPr id="19" name="TextBox 18">
+            <a:extLst>
+              <a:ext uri="{FF2B5EF4-FFF2-40B4-BE49-F238E27FC236}">
+                <a16:creationId xmlns:a16="http://schemas.microsoft.com/office/drawing/2014/main" id="{AD78F157-ABE4-4CA1-B341-3BCDBFABBBDF}"/>
               </a:ext>
             </a:extLst>
           </p:cNvPr>
@@ -7173,7 +7268,7 @@
         </p:nvSpPr>
         <p:spPr>
           <a:xfrm>
-            <a:off x="5436079" y="4229332"/>
+            <a:off x="3375525" y="2129296"/>
             <a:ext cx="524503" cy="923330"/>
           </a:xfrm>
           <a:prstGeom prst="rect">
@@ -7199,10 +7294,132 @@
           </a:p>
         </p:txBody>
       </p:sp>
+      <p:sp>
+        <p:nvSpPr>
+          <p:cNvPr id="20" name="TextBox 19">
+            <a:extLst>
+              <a:ext uri="{FF2B5EF4-FFF2-40B4-BE49-F238E27FC236}">
+                <a16:creationId xmlns:a16="http://schemas.microsoft.com/office/drawing/2014/main" id="{22655B30-77D3-47B6-AB6B-C866BE124DBB}"/>
+              </a:ext>
+            </a:extLst>
+          </p:cNvPr>
+          <p:cNvSpPr txBox="1"/>
+          <p:nvPr/>
+        </p:nvSpPr>
+        <p:spPr>
+          <a:xfrm>
+            <a:off x="4492567" y="1926512"/>
+            <a:ext cx="619080" cy="923330"/>
+          </a:xfrm>
+          <a:prstGeom prst="rect">
+            <a:avLst/>
+          </a:prstGeom>
+          <a:noFill/>
+        </p:spPr>
+        <p:txBody>
+          <a:bodyPr wrap="none" rtlCol="0">
+            <a:spAutoFit/>
+          </a:bodyPr>
+          <a:lstStyle/>
+          <a:p>
+            <a:r>
+              <a:rPr lang="ru-RU" sz="5400" b="1" dirty="0">
+                <a:solidFill>
+                  <a:srgbClr val="FF0000"/>
+                </a:solidFill>
+                <a:latin typeface="Georgia" panose="02040502050405020303" pitchFamily="18" charset="0"/>
+              </a:rPr>
+              <a:t>2</a:t>
+            </a:r>
+          </a:p>
+        </p:txBody>
+      </p:sp>
+      <p:pic>
+        <p:nvPicPr>
+          <p:cNvPr id="21" name="Рисунок 20">
+            <a:extLst>
+              <a:ext uri="{FF2B5EF4-FFF2-40B4-BE49-F238E27FC236}">
+                <a16:creationId xmlns:a16="http://schemas.microsoft.com/office/drawing/2014/main" id="{27038275-52D8-4F32-99BE-C73637ABC29B}"/>
+              </a:ext>
+            </a:extLst>
+          </p:cNvPr>
+          <p:cNvPicPr>
+            <a:picLocks noChangeAspect="1"/>
+          </p:cNvPicPr>
+          <p:nvPr/>
+        </p:nvPicPr>
+        <p:blipFill>
+          <a:blip r:embed="rId9"/>
+          <a:stretch>
+            <a:fillRect/>
+          </a:stretch>
+        </p:blipFill>
+        <p:spPr>
+          <a:xfrm>
+            <a:off x="2927025" y="1469807"/>
+            <a:ext cx="4719138" cy="4896772"/>
+          </a:xfrm>
+          <a:prstGeom prst="rect">
+            <a:avLst/>
+          </a:prstGeom>
+        </p:spPr>
+      </p:pic>
+      <p:sp>
+        <p:nvSpPr>
+          <p:cNvPr id="25" name="Прямоугольник: скругленные углы 24">
+            <a:extLst>
+              <a:ext uri="{FF2B5EF4-FFF2-40B4-BE49-F238E27FC236}">
+                <a16:creationId xmlns:a16="http://schemas.microsoft.com/office/drawing/2014/main" id="{083FBBCF-4504-4237-A666-8D83726AF5F8}"/>
+              </a:ext>
+            </a:extLst>
+          </p:cNvPr>
+          <p:cNvSpPr/>
+          <p:nvPr/>
+        </p:nvSpPr>
+        <p:spPr>
+          <a:xfrm>
+            <a:off x="3112481" y="1906182"/>
+            <a:ext cx="821095" cy="286139"/>
+          </a:xfrm>
+          <a:prstGeom prst="roundRect">
+            <a:avLst/>
+          </a:prstGeom>
+          <a:noFill/>
+          <a:ln w="38100">
+            <a:solidFill>
+              <a:srgbClr val="FF0000"/>
+            </a:solidFill>
+          </a:ln>
+        </p:spPr>
+        <p:style>
+          <a:lnRef idx="2">
+            <a:schemeClr val="accent1">
+              <a:shade val="50000"/>
+            </a:schemeClr>
+          </a:lnRef>
+          <a:fillRef idx="1">
+            <a:schemeClr val="accent1"/>
+          </a:fillRef>
+          <a:effectRef idx="0">
+            <a:schemeClr val="accent1"/>
+          </a:effectRef>
+          <a:fontRef idx="minor">
+            <a:schemeClr val="lt1"/>
+          </a:fontRef>
+        </p:style>
+        <p:txBody>
+          <a:bodyPr rtlCol="0" anchor="ctr"/>
+          <a:lstStyle/>
+          <a:p>
+            <a:pPr algn="ctr"/>
+            <a:endParaRPr lang="ru-RU"/>
+          </a:p>
+        </p:txBody>
+      </p:sp>
     </p:spTree>
     <p:extLst>
       <p:ext uri="{BB962C8B-B14F-4D97-AF65-F5344CB8AC3E}">
-        <p14:creationId xmlns:p14="http://schemas.microsoft.com/office/powerpoint/2010/main" val="1797524192"/>
+        <p14:creationId xmlns:p14="http://schemas.microsoft.com/office/powerpoint/2010/main" val="3008501851"/>
       </p:ext>
     </p:extLst>
   </p:cSld>
@@ -7341,10 +7558,40 @@
           </a:prstGeom>
         </p:spPr>
       </p:pic>
+      <p:pic>
+        <p:nvPicPr>
+          <p:cNvPr id="2" name="Рисунок 1">
+            <a:extLst>
+              <a:ext uri="{FF2B5EF4-FFF2-40B4-BE49-F238E27FC236}">
+                <a16:creationId xmlns:a16="http://schemas.microsoft.com/office/drawing/2014/main" id="{BC0734C2-6081-49DD-90C5-A5D5214BBEE9}"/>
+              </a:ext>
+            </a:extLst>
+          </p:cNvPr>
+          <p:cNvPicPr>
+            <a:picLocks noChangeAspect="1"/>
+          </p:cNvPicPr>
+          <p:nvPr/>
+        </p:nvPicPr>
+        <p:blipFill>
+          <a:blip r:embed="rId5"/>
+          <a:stretch>
+            <a:fillRect/>
+          </a:stretch>
+        </p:blipFill>
+        <p:spPr>
+          <a:xfrm>
+            <a:off x="2537645" y="1331622"/>
+            <a:ext cx="5891008" cy="5103390"/>
+          </a:xfrm>
+          <a:prstGeom prst="rect">
+            <a:avLst/>
+          </a:prstGeom>
+        </p:spPr>
+      </p:pic>
     </p:spTree>
     <p:extLst>
       <p:ext uri="{BB962C8B-B14F-4D97-AF65-F5344CB8AC3E}">
-        <p14:creationId xmlns:p14="http://schemas.microsoft.com/office/powerpoint/2010/main" val="3336101287"/>
+        <p14:creationId xmlns:p14="http://schemas.microsoft.com/office/powerpoint/2010/main" val="918766503"/>
       </p:ext>
     </p:extLst>
   </p:cSld>
@@ -8051,90 +8298,92 @@
           </a:prstGeom>
         </p:spPr>
       </p:pic>
-      <p:sp>
-        <p:nvSpPr>
-          <p:cNvPr id="23" name="TextBox 22">
-            <a:extLst>
-              <a:ext uri="{FF2B5EF4-FFF2-40B4-BE49-F238E27FC236}">
-                <a16:creationId xmlns:a16="http://schemas.microsoft.com/office/drawing/2014/main" id="{EBA22D63-EBFE-41A7-891D-89DF7BF8BF57}"/>
-              </a:ext>
-            </a:extLst>
-          </p:cNvPr>
-          <p:cNvSpPr txBox="1"/>
-          <p:nvPr/>
-        </p:nvSpPr>
-        <p:spPr>
-          <a:xfrm>
-            <a:off x="3256891" y="1945232"/>
-            <a:ext cx="524503" cy="923330"/>
-          </a:xfrm>
-          <a:prstGeom prst="rect">
+      <p:pic>
+        <p:nvPicPr>
+          <p:cNvPr id="18" name="Рисунок 17">
+            <a:extLst>
+              <a:ext uri="{FF2B5EF4-FFF2-40B4-BE49-F238E27FC236}">
+                <a16:creationId xmlns:a16="http://schemas.microsoft.com/office/drawing/2014/main" id="{09DEC217-5C8C-41C6-ACAF-0A6DBA6C02D6}"/>
+              </a:ext>
+            </a:extLst>
+          </p:cNvPr>
+          <p:cNvPicPr>
+            <a:picLocks noChangeAspect="1"/>
+          </p:cNvPicPr>
+          <p:nvPr/>
+        </p:nvPicPr>
+        <p:blipFill>
+          <a:blip r:embed="rId10"/>
+          <a:stretch>
+            <a:fillRect/>
+          </a:stretch>
+        </p:blipFill>
+        <p:spPr>
+          <a:xfrm>
+            <a:off x="2949659" y="1473202"/>
+            <a:ext cx="4695561" cy="4889982"/>
+          </a:xfrm>
+          <a:prstGeom prst="rect">
+            <a:avLst/>
+          </a:prstGeom>
+        </p:spPr>
+      </p:pic>
+      <p:sp>
+        <p:nvSpPr>
+          <p:cNvPr id="23" name="Прямоугольник: скругленные углы 22">
+            <a:extLst>
+              <a:ext uri="{FF2B5EF4-FFF2-40B4-BE49-F238E27FC236}">
+                <a16:creationId xmlns:a16="http://schemas.microsoft.com/office/drawing/2014/main" id="{DB8F97B3-A802-41D1-98E3-62A2606B2E3E}"/>
+              </a:ext>
+            </a:extLst>
+          </p:cNvPr>
+          <p:cNvSpPr/>
+          <p:nvPr/>
+        </p:nvSpPr>
+        <p:spPr>
+          <a:xfrm>
+            <a:off x="2910212" y="1617306"/>
+            <a:ext cx="336841" cy="180392"/>
+          </a:xfrm>
+          <a:prstGeom prst="roundRect">
             <a:avLst/>
           </a:prstGeom>
           <a:noFill/>
-        </p:spPr>
-        <p:txBody>
-          <a:bodyPr wrap="none" rtlCol="0">
-            <a:spAutoFit/>
-          </a:bodyPr>
-          <a:lstStyle/>
-          <a:p>
-            <a:r>
-              <a:rPr lang="ru-RU" sz="5400" b="1" dirty="0">
-                <a:solidFill>
-                  <a:srgbClr val="FF0000"/>
-                </a:solidFill>
-                <a:latin typeface="Georgia" panose="02040502050405020303" pitchFamily="18" charset="0"/>
-              </a:rPr>
-              <a:t>1</a:t>
-            </a:r>
-          </a:p>
-        </p:txBody>
-      </p:sp>
-      <p:sp>
-        <p:nvSpPr>
-          <p:cNvPr id="24" name="TextBox 23">
-            <a:extLst>
-              <a:ext uri="{FF2B5EF4-FFF2-40B4-BE49-F238E27FC236}">
-                <a16:creationId xmlns:a16="http://schemas.microsoft.com/office/drawing/2014/main" id="{06EF9BE0-6DB8-4E3F-8F26-59AE01440D29}"/>
-              </a:ext>
-            </a:extLst>
-          </p:cNvPr>
-          <p:cNvSpPr txBox="1"/>
-          <p:nvPr/>
-        </p:nvSpPr>
-        <p:spPr>
-          <a:xfrm>
-            <a:off x="4498652" y="1947401"/>
-            <a:ext cx="619080" cy="923330"/>
-          </a:xfrm>
-          <a:prstGeom prst="rect">
-            <a:avLst/>
-          </a:prstGeom>
-          <a:noFill/>
-        </p:spPr>
-        <p:txBody>
-          <a:bodyPr wrap="none" rtlCol="0">
-            <a:spAutoFit/>
-          </a:bodyPr>
-          <a:lstStyle/>
-          <a:p>
-            <a:r>
-              <a:rPr lang="ru-RU" sz="5400" b="1" dirty="0">
-                <a:solidFill>
-                  <a:srgbClr val="FF0000"/>
-                </a:solidFill>
-                <a:latin typeface="Georgia" panose="02040502050405020303" pitchFamily="18" charset="0"/>
-              </a:rPr>
-              <a:t>2</a:t>
-            </a:r>
+          <a:ln w="38100">
+            <a:solidFill>
+              <a:srgbClr val="FF0000"/>
+            </a:solidFill>
+          </a:ln>
+        </p:spPr>
+        <p:style>
+          <a:lnRef idx="2">
+            <a:schemeClr val="accent1">
+              <a:shade val="50000"/>
+            </a:schemeClr>
+          </a:lnRef>
+          <a:fillRef idx="1">
+            <a:schemeClr val="accent1"/>
+          </a:fillRef>
+          <a:effectRef idx="0">
+            <a:schemeClr val="accent1"/>
+          </a:effectRef>
+          <a:fontRef idx="minor">
+            <a:schemeClr val="lt1"/>
+          </a:fontRef>
+        </p:style>
+        <p:txBody>
+          <a:bodyPr rtlCol="0" anchor="ctr"/>
+          <a:lstStyle/>
+          <a:p>
+            <a:pPr algn="ctr"/>
+            <a:endParaRPr lang="ru-RU"/>
           </a:p>
         </p:txBody>
       </p:sp>
     </p:spTree>
     <p:extLst>
       <p:ext uri="{BB962C8B-B14F-4D97-AF65-F5344CB8AC3E}">
-        <p14:creationId xmlns:p14="http://schemas.microsoft.com/office/powerpoint/2010/main" val="3008501851"/>
+        <p14:creationId xmlns:p14="http://schemas.microsoft.com/office/powerpoint/2010/main" val="4176633260"/>
       </p:ext>
     </p:extLst>
   </p:cSld>
@@ -8150,9 +8399,10 @@
     <p:bg>
       <p:bgPr>
         <a:solidFill>
-          <a:schemeClr val="accent2">
-            <a:lumMod val="20000"/>
-            <a:lumOff val="80000"/>
+          <a:schemeClr val="accent1">
+            <a:lumMod val="40000"/>
+            <a:lumOff val="60000"/>
+            <a:alpha val="68000"/>
           </a:schemeClr>
         </a:solidFill>
         <a:effectLst/>
@@ -8172,47 +8422,12 @@
           <a:chExt cx="0" cy="0"/>
         </a:xfrm>
       </p:grpSpPr>
-      <p:sp>
-        <p:nvSpPr>
-          <p:cNvPr id="3" name="TextBox 2">
-            <a:extLst>
-              <a:ext uri="{FF2B5EF4-FFF2-40B4-BE49-F238E27FC236}">
-                <a16:creationId xmlns:a16="http://schemas.microsoft.com/office/drawing/2014/main" id="{5B842C9F-D229-4B1D-92C5-B5EE03C4553B}"/>
-              </a:ext>
-            </a:extLst>
-          </p:cNvPr>
-          <p:cNvSpPr txBox="1"/>
-          <p:nvPr/>
-        </p:nvSpPr>
-        <p:spPr>
-          <a:xfrm>
-            <a:off x="3415518" y="491412"/>
-            <a:ext cx="4121641" cy="707886"/>
-          </a:xfrm>
-          <a:prstGeom prst="rect">
-            <a:avLst/>
-          </a:prstGeom>
-          <a:noFill/>
-        </p:spPr>
-        <p:txBody>
-          <a:bodyPr wrap="none" rtlCol="0">
-            <a:spAutoFit/>
-          </a:bodyPr>
-          <a:lstStyle/>
-          <a:p>
-            <a:r>
-              <a:rPr lang="ru-RU" sz="4000" dirty="0"/>
-              <a:t>Окно черепашки</a:t>
-            </a:r>
-          </a:p>
-        </p:txBody>
-      </p:sp>
       <p:pic>
         <p:nvPicPr>
-          <p:cNvPr id="4" name="Рисунок 3">
-            <a:extLst>
-              <a:ext uri="{FF2B5EF4-FFF2-40B4-BE49-F238E27FC236}">
-                <a16:creationId xmlns:a16="http://schemas.microsoft.com/office/drawing/2014/main" id="{7E1C9F1F-4FBD-43DB-B360-65523C14760B}"/>
+          <p:cNvPr id="6" name="Рисунок 5">
+            <a:extLst>
+              <a:ext uri="{FF2B5EF4-FFF2-40B4-BE49-F238E27FC236}">
+                <a16:creationId xmlns:a16="http://schemas.microsoft.com/office/drawing/2014/main" id="{905E5A11-06CE-4814-A357-CDEDE1D35F93}"/>
               </a:ext>
             </a:extLst>
           </p:cNvPr>
@@ -8222,7 +8437,7 @@
           <p:nvPr/>
         </p:nvPicPr>
         <p:blipFill>
-          <a:blip r:embed="rId3">
+          <a:blip r:embed="rId2">
             <a:extLst>
               <a:ext uri="{28A0092B-C50C-407E-A947-70E740481C1C}">
                 <a14:useLocalDpi xmlns:a14="http://schemas.microsoft.com/office/drawing/2010/main" val="0"/>
@@ -8245,10 +8460,40 @@
       </p:pic>
       <p:pic>
         <p:nvPicPr>
-          <p:cNvPr id="18" name="Рисунок 17">
-            <a:extLst>
-              <a:ext uri="{FF2B5EF4-FFF2-40B4-BE49-F238E27FC236}">
-                <a16:creationId xmlns:a16="http://schemas.microsoft.com/office/drawing/2014/main" id="{729303C0-8207-458A-B44E-F95912825417}"/>
+          <p:cNvPr id="2" name="Рисунок 1">
+            <a:extLst>
+              <a:ext uri="{FF2B5EF4-FFF2-40B4-BE49-F238E27FC236}">
+                <a16:creationId xmlns:a16="http://schemas.microsoft.com/office/drawing/2014/main" id="{E4508A9F-2E5F-4E3A-89D0-8AEC568CCFF0}"/>
+              </a:ext>
+            </a:extLst>
+          </p:cNvPr>
+          <p:cNvPicPr>
+            <a:picLocks noChangeAspect="1"/>
+          </p:cNvPicPr>
+          <p:nvPr/>
+        </p:nvPicPr>
+        <p:blipFill>
+          <a:blip r:embed="rId3"/>
+          <a:stretch>
+            <a:fillRect/>
+          </a:stretch>
+        </p:blipFill>
+        <p:spPr>
+          <a:xfrm>
+            <a:off x="4339175" y="54110"/>
+            <a:ext cx="5463958" cy="3287597"/>
+          </a:xfrm>
+          <a:prstGeom prst="rect">
+            <a:avLst/>
+          </a:prstGeom>
+        </p:spPr>
+      </p:pic>
+      <p:pic>
+        <p:nvPicPr>
+          <p:cNvPr id="3" name="Рисунок 2">
+            <a:extLst>
+              <a:ext uri="{FF2B5EF4-FFF2-40B4-BE49-F238E27FC236}">
+                <a16:creationId xmlns:a16="http://schemas.microsoft.com/office/drawing/2014/main" id="{B7FCD32F-38FA-4A15-AF92-2B2FC8F2E855}"/>
               </a:ext>
             </a:extLst>
           </p:cNvPr>
@@ -8265,48 +8510,88 @@
         </p:blipFill>
         <p:spPr>
           <a:xfrm>
-            <a:off x="2532324" y="1331622"/>
-            <a:ext cx="5896329" cy="5103390"/>
+            <a:off x="4339175" y="3515354"/>
+            <a:ext cx="5463958" cy="3288536"/>
           </a:xfrm>
           <a:prstGeom prst="rect">
             <a:avLst/>
           </a:prstGeom>
         </p:spPr>
       </p:pic>
-      <p:pic>
-        <p:nvPicPr>
-          <p:cNvPr id="2" name="Рисунок 1">
-            <a:extLst>
-              <a:ext uri="{FF2B5EF4-FFF2-40B4-BE49-F238E27FC236}">
-                <a16:creationId xmlns:a16="http://schemas.microsoft.com/office/drawing/2014/main" id="{BC0734C2-6081-49DD-90C5-A5D5214BBEE9}"/>
-              </a:ext>
-            </a:extLst>
-          </p:cNvPr>
-          <p:cNvPicPr>
-            <a:picLocks noChangeAspect="1"/>
-          </p:cNvPicPr>
-          <p:nvPr/>
-        </p:nvPicPr>
-        <p:blipFill>
-          <a:blip r:embed="rId5"/>
-          <a:stretch>
-            <a:fillRect/>
-          </a:stretch>
-        </p:blipFill>
-        <p:spPr>
-          <a:xfrm>
-            <a:off x="2537645" y="1331622"/>
-            <a:ext cx="5891008" cy="5103390"/>
-          </a:xfrm>
-          <a:prstGeom prst="rect">
-            <a:avLst/>
-          </a:prstGeom>
-        </p:spPr>
-      </p:pic>
+      <p:sp>
+        <p:nvSpPr>
+          <p:cNvPr id="4" name="TextBox 3">
+            <a:extLst>
+              <a:ext uri="{FF2B5EF4-FFF2-40B4-BE49-F238E27FC236}">
+                <a16:creationId xmlns:a16="http://schemas.microsoft.com/office/drawing/2014/main" id="{9B9D951A-7FF8-490C-B4A0-CA735C7730B2}"/>
+              </a:ext>
+            </a:extLst>
+          </p:cNvPr>
+          <p:cNvSpPr txBox="1"/>
+          <p:nvPr/>
+        </p:nvSpPr>
+        <p:spPr>
+          <a:xfrm>
+            <a:off x="64943" y="1343965"/>
+            <a:ext cx="3727302" cy="707886"/>
+          </a:xfrm>
+          <a:prstGeom prst="rect">
+            <a:avLst/>
+          </a:prstGeom>
+          <a:noFill/>
+        </p:spPr>
+        <p:txBody>
+          <a:bodyPr wrap="none" rtlCol="0">
+            <a:spAutoFit/>
+          </a:bodyPr>
+          <a:lstStyle/>
+          <a:p>
+            <a:r>
+              <a:rPr lang="ru-RU" sz="4000" dirty="0"/>
+              <a:t>Окно открытие</a:t>
+            </a:r>
+          </a:p>
+        </p:txBody>
+      </p:sp>
+      <p:sp>
+        <p:nvSpPr>
+          <p:cNvPr id="5" name="TextBox 4">
+            <a:extLst>
+              <a:ext uri="{FF2B5EF4-FFF2-40B4-BE49-F238E27FC236}">
+                <a16:creationId xmlns:a16="http://schemas.microsoft.com/office/drawing/2014/main" id="{7F2D0C82-D60E-4A62-BC3D-49461F01B3A2}"/>
+              </a:ext>
+            </a:extLst>
+          </p:cNvPr>
+          <p:cNvSpPr txBox="1"/>
+          <p:nvPr/>
+        </p:nvSpPr>
+        <p:spPr>
+          <a:xfrm>
+            <a:off x="0" y="4805679"/>
+            <a:ext cx="4280339" cy="707886"/>
+          </a:xfrm>
+          <a:prstGeom prst="rect">
+            <a:avLst/>
+          </a:prstGeom>
+          <a:noFill/>
+        </p:spPr>
+        <p:txBody>
+          <a:bodyPr wrap="none" rtlCol="0">
+            <a:spAutoFit/>
+          </a:bodyPr>
+          <a:lstStyle/>
+          <a:p>
+            <a:r>
+              <a:rPr lang="ru-RU" sz="4000" dirty="0"/>
+              <a:t>Окно сохранение</a:t>
+            </a:r>
+          </a:p>
+        </p:txBody>
+      </p:sp>
     </p:spTree>
     <p:extLst>
       <p:ext uri="{BB962C8B-B14F-4D97-AF65-F5344CB8AC3E}">
-        <p14:creationId xmlns:p14="http://schemas.microsoft.com/office/powerpoint/2010/main" val="918766503"/>
+        <p14:creationId xmlns:p14="http://schemas.microsoft.com/office/powerpoint/2010/main" val="734778537"/>
       </p:ext>
     </p:extLst>
   </p:cSld>
@@ -8333,47 +8618,12 @@
           <a:chExt cx="0" cy="0"/>
         </a:xfrm>
       </p:grpSpPr>
-      <p:sp>
-        <p:nvSpPr>
-          <p:cNvPr id="3" name="TextBox 2">
-            <a:extLst>
-              <a:ext uri="{FF2B5EF4-FFF2-40B4-BE49-F238E27FC236}">
-                <a16:creationId xmlns:a16="http://schemas.microsoft.com/office/drawing/2014/main" id="{5B842C9F-D229-4B1D-92C5-B5EE03C4553B}"/>
-              </a:ext>
-            </a:extLst>
-          </p:cNvPr>
-          <p:cNvSpPr txBox="1"/>
-          <p:nvPr/>
-        </p:nvSpPr>
-        <p:spPr>
-          <a:xfrm>
-            <a:off x="3415518" y="491412"/>
-            <a:ext cx="3712876" cy="707886"/>
-          </a:xfrm>
-          <a:prstGeom prst="rect">
-            <a:avLst/>
-          </a:prstGeom>
-          <a:noFill/>
-        </p:spPr>
-        <p:txBody>
-          <a:bodyPr wrap="none" rtlCol="0">
-            <a:spAutoFit/>
-          </a:bodyPr>
-          <a:lstStyle/>
-          <a:p>
-            <a:r>
-              <a:rPr lang="ru-RU" sz="4000" dirty="0"/>
-              <a:t>Основное окно</a:t>
-            </a:r>
-          </a:p>
-        </p:txBody>
-      </p:sp>
       <p:pic>
         <p:nvPicPr>
-          <p:cNvPr id="4" name="Рисунок 3">
-            <a:extLst>
-              <a:ext uri="{FF2B5EF4-FFF2-40B4-BE49-F238E27FC236}">
-                <a16:creationId xmlns:a16="http://schemas.microsoft.com/office/drawing/2014/main" id="{7E1C9F1F-4FBD-43DB-B360-65523C14760B}"/>
+          <p:cNvPr id="7" name="Рисунок 6">
+            <a:extLst>
+              <a:ext uri="{FF2B5EF4-FFF2-40B4-BE49-F238E27FC236}">
+                <a16:creationId xmlns:a16="http://schemas.microsoft.com/office/drawing/2014/main" id="{90466F2A-8A2A-4A71-A885-346E16EDD474}"/>
               </a:ext>
             </a:extLst>
           </p:cNvPr>
@@ -8384,6 +8634,13 @@
         </p:nvPicPr>
         <p:blipFill>
           <a:blip r:embed="rId2">
+            <a:duotone>
+              <a:schemeClr val="bg2">
+                <a:shade val="45000"/>
+                <a:satMod val="135000"/>
+              </a:schemeClr>
+              <a:prstClr val="white"/>
+            </a:duotone>
             <a:extLst>
               <a:ext uri="{28A0092B-C50C-407E-A947-70E740481C1C}">
                 <a14:useLocalDpi xmlns:a14="http://schemas.microsoft.com/office/drawing/2010/main" val="0"/>
@@ -8396,8 +8653,8 @@
         </p:blipFill>
         <p:spPr>
           <a:xfrm>
-            <a:off x="9633888" y="87086"/>
-            <a:ext cx="2434495" cy="2434495"/>
+            <a:off x="3500566" y="224728"/>
+            <a:ext cx="6408543" cy="6408543"/>
           </a:xfrm>
           <a:prstGeom prst="rect">
             <a:avLst/>
@@ -8406,10 +8663,10 @@
       </p:pic>
       <p:sp>
         <p:nvSpPr>
-          <p:cNvPr id="6" name="TextBox 5">
-            <a:extLst>
-              <a:ext uri="{FF2B5EF4-FFF2-40B4-BE49-F238E27FC236}">
-                <a16:creationId xmlns:a16="http://schemas.microsoft.com/office/drawing/2014/main" id="{05E21954-6AF4-4465-B9E7-E8B989AB7C25}"/>
+          <p:cNvPr id="4" name="TextBox 3">
+            <a:extLst>
+              <a:ext uri="{FF2B5EF4-FFF2-40B4-BE49-F238E27FC236}">
+                <a16:creationId xmlns:a16="http://schemas.microsoft.com/office/drawing/2014/main" id="{2E49F767-51CC-4E52-BBB1-4A1E5768485A}"/>
               </a:ext>
             </a:extLst>
           </p:cNvPr>
@@ -8418,8 +8675,8 @@
         </p:nvSpPr>
         <p:spPr>
           <a:xfrm>
-            <a:off x="4747453" y="5180332"/>
-            <a:ext cx="524503" cy="923330"/>
+            <a:off x="2874605" y="236483"/>
+            <a:ext cx="6442789" cy="523220"/>
           </a:xfrm>
           <a:prstGeom prst="rect">
             <a:avLst/>
@@ -8433,23 +8690,55 @@
           <a:lstStyle/>
           <a:p>
             <a:r>
-              <a:rPr lang="ru-RU" sz="5400" b="1" dirty="0">
+              <a:rPr lang="ru-RU" sz="2800" dirty="0"/>
+              <a:t>Обучающая программа</a:t>
+            </a:r>
+            <a:r>
+              <a:rPr lang="en-US" sz="2800" dirty="0"/>
+              <a:t>:</a:t>
+            </a:r>
+            <a:r>
+              <a:rPr lang="ru-RU" sz="2800" dirty="0"/>
+              <a:t> </a:t>
+            </a:r>
+            <a:r>
+              <a:rPr lang="en-US" sz="2800" dirty="0">
                 <a:solidFill>
-                  <a:srgbClr val="FF0000"/>
+                  <a:schemeClr val="accent2"/>
                 </a:solidFill>
-                <a:latin typeface="Georgia" panose="02040502050405020303" pitchFamily="18" charset="0"/>
               </a:rPr>
-              <a:t>1</a:t>
-            </a:r>
-          </a:p>
-        </p:txBody>
-      </p:sp>
-      <p:sp>
-        <p:nvSpPr>
-          <p:cNvPr id="7" name="TextBox 6">
-            <a:extLst>
-              <a:ext uri="{FF2B5EF4-FFF2-40B4-BE49-F238E27FC236}">
-                <a16:creationId xmlns:a16="http://schemas.microsoft.com/office/drawing/2014/main" id="{DA2FE1F6-15FC-4341-AC88-BD2305FB7203}"/>
+              <a:t>“</a:t>
+            </a:r>
+            <a:r>
+              <a:rPr lang="ru-RU" sz="2800" dirty="0">
+                <a:solidFill>
+                  <a:schemeClr val="accent2"/>
+                </a:solidFill>
+              </a:rPr>
+              <a:t>Черепашка</a:t>
+            </a:r>
+            <a:r>
+              <a:rPr lang="en-US" sz="2800" dirty="0">
+                <a:solidFill>
+                  <a:schemeClr val="accent2"/>
+                </a:solidFill>
+              </a:rPr>
+              <a:t>”</a:t>
+            </a:r>
+            <a:endParaRPr lang="ru-RU" sz="2800" dirty="0">
+              <a:solidFill>
+                <a:schemeClr val="accent2"/>
+              </a:solidFill>
+            </a:endParaRPr>
+          </a:p>
+        </p:txBody>
+      </p:sp>
+      <p:sp>
+        <p:nvSpPr>
+          <p:cNvPr id="5" name="TextBox 4">
+            <a:extLst>
+              <a:ext uri="{FF2B5EF4-FFF2-40B4-BE49-F238E27FC236}">
+                <a16:creationId xmlns:a16="http://schemas.microsoft.com/office/drawing/2014/main" id="{D262735C-59D1-4CFD-AC06-D7ADEBAF5D2C}"/>
               </a:ext>
             </a:extLst>
           </p:cNvPr>
@@ -8458,8 +8747,8 @@
         </p:nvSpPr>
         <p:spPr>
           <a:xfrm>
-            <a:off x="4128373" y="4137944"/>
-            <a:ext cx="619080" cy="923330"/>
+            <a:off x="667589" y="719994"/>
+            <a:ext cx="4434227" cy="2308324"/>
           </a:xfrm>
           <a:prstGeom prst="rect">
             <a:avLst/>
@@ -8473,53 +8762,90 @@
           <a:lstStyle/>
           <a:p>
             <a:r>
-              <a:rPr lang="ru-RU" sz="5400" b="1" dirty="0">
-                <a:solidFill>
-                  <a:srgbClr val="FF0000"/>
-                </a:solidFill>
-                <a:latin typeface="Georgia" panose="02040502050405020303" pitchFamily="18" charset="0"/>
-              </a:rPr>
-              <a:t>2</a:t>
-            </a:r>
-          </a:p>
-        </p:txBody>
-      </p:sp>
-      <p:pic>
-        <p:nvPicPr>
-          <p:cNvPr id="2" name="Рисунок 1">
-            <a:extLst>
-              <a:ext uri="{FF2B5EF4-FFF2-40B4-BE49-F238E27FC236}">
-                <a16:creationId xmlns:a16="http://schemas.microsoft.com/office/drawing/2014/main" id="{C21AB352-275F-4817-BBDB-E854240E7ABB}"/>
-              </a:ext>
-            </a:extLst>
-          </p:cNvPr>
-          <p:cNvPicPr>
-            <a:picLocks noChangeAspect="1"/>
-          </p:cNvPicPr>
-          <p:nvPr/>
-        </p:nvPicPr>
-        <p:blipFill>
-          <a:blip r:embed="rId3"/>
-          <a:stretch>
-            <a:fillRect/>
-          </a:stretch>
-        </p:blipFill>
-        <p:spPr>
-          <a:xfrm>
-            <a:off x="2932464" y="1505840"/>
-            <a:ext cx="4678983" cy="4860748"/>
-          </a:xfrm>
-          <a:prstGeom prst="rect">
-            <a:avLst/>
-          </a:prstGeom>
-        </p:spPr>
-      </p:pic>
-      <p:sp>
-        <p:nvSpPr>
-          <p:cNvPr id="8" name="TextBox 7">
-            <a:extLst>
-              <a:ext uri="{FF2B5EF4-FFF2-40B4-BE49-F238E27FC236}">
-                <a16:creationId xmlns:a16="http://schemas.microsoft.com/office/drawing/2014/main" id="{DF464202-8A1B-4E0B-A74D-DD8CB7CF382B}"/>
+              <a:rPr lang="ru-RU" dirty="0"/>
+              <a:t>Плюсы</a:t>
+            </a:r>
+            <a:r>
+              <a:rPr lang="en-US" dirty="0"/>
+              <a:t>:</a:t>
+            </a:r>
+            <a:endParaRPr lang="ru-RU" dirty="0"/>
+          </a:p>
+          <a:p>
+            <a:pPr marL="285750" indent="-285750">
+              <a:buFont typeface="Arial" panose="020B0604020202020204" pitchFamily="34" charset="0"/>
+              <a:buChar char="•"/>
+            </a:pPr>
+            <a:r>
+              <a:rPr lang="ru-RU" dirty="0"/>
+              <a:t>Простой интерфейс</a:t>
+            </a:r>
+          </a:p>
+          <a:p>
+            <a:pPr marL="285750" indent="-285750">
+              <a:buFont typeface="Arial" panose="020B0604020202020204" pitchFamily="34" charset="0"/>
+              <a:buChar char="•"/>
+            </a:pPr>
+            <a:r>
+              <a:rPr lang="ru-RU" dirty="0"/>
+              <a:t>Не требовательна к компьютеру</a:t>
+            </a:r>
+          </a:p>
+          <a:p>
+            <a:pPr marL="285750" indent="-285750">
+              <a:buFont typeface="Arial" panose="020B0604020202020204" pitchFamily="34" charset="0"/>
+              <a:buChar char="•"/>
+            </a:pPr>
+            <a:r>
+              <a:rPr lang="ru-RU" dirty="0"/>
+              <a:t>Ничего не пропагандирует</a:t>
+            </a:r>
+            <a:br>
+              <a:rPr lang="ru-RU" dirty="0"/>
+            </a:br>
+            <a:r>
+              <a:rPr lang="ru-RU" dirty="0"/>
+              <a:t>(кроме программирования, конечно)</a:t>
+            </a:r>
+          </a:p>
+          <a:p>
+            <a:pPr marL="285750" indent="-285750">
+              <a:buFont typeface="Arial" panose="020B0604020202020204" pitchFamily="34" charset="0"/>
+              <a:buChar char="•"/>
+            </a:pPr>
+            <a:r>
+              <a:rPr lang="ru-RU" dirty="0"/>
+              <a:t>Проста в освоении</a:t>
+            </a:r>
+          </a:p>
+          <a:p>
+            <a:pPr marL="285750" indent="-285750">
+              <a:buFont typeface="Arial" panose="020B0604020202020204" pitchFamily="34" charset="0"/>
+              <a:buChar char="•"/>
+            </a:pPr>
+            <a:r>
+              <a:rPr lang="ru-RU" dirty="0"/>
+              <a:t>Нет рекламы</a:t>
+            </a:r>
+          </a:p>
+          <a:p>
+            <a:pPr marL="285750" indent="-285750">
+              <a:buFont typeface="Arial" panose="020B0604020202020204" pitchFamily="34" charset="0"/>
+              <a:buChar char="•"/>
+            </a:pPr>
+            <a:r>
+              <a:rPr lang="ru-RU" dirty="0"/>
+              <a:t>Не собирает личную информацию</a:t>
+            </a:r>
+          </a:p>
+        </p:txBody>
+      </p:sp>
+      <p:sp>
+        <p:nvSpPr>
+          <p:cNvPr id="2" name="TextBox 1">
+            <a:extLst>
+              <a:ext uri="{FF2B5EF4-FFF2-40B4-BE49-F238E27FC236}">
+                <a16:creationId xmlns:a16="http://schemas.microsoft.com/office/drawing/2014/main" id="{440B8EDD-9166-454B-B7B1-781313CFDC6A}"/>
               </a:ext>
             </a:extLst>
           </p:cNvPr>
@@ -8528,8 +8854,47 @@
         </p:nvSpPr>
         <p:spPr>
           <a:xfrm>
-            <a:off x="4747453" y="4890495"/>
-            <a:ext cx="524503" cy="923330"/>
+            <a:off x="5714856" y="3428999"/>
+            <a:ext cx="4310172" cy="923330"/>
+          </a:xfrm>
+          <a:prstGeom prst="rect">
+            <a:avLst/>
+          </a:prstGeom>
+          <a:noFill/>
+        </p:spPr>
+        <p:txBody>
+          <a:bodyPr wrap="square" rtlCol="0">
+            <a:spAutoFit/>
+          </a:bodyPr>
+          <a:lstStyle/>
+          <a:p>
+            <a:pPr algn="ctr"/>
+            <a:r>
+              <a:rPr lang="ru-RU" dirty="0"/>
+              <a:t>Программа рассчитана на детское дополнительное образование</a:t>
+            </a:r>
+          </a:p>
+          <a:p>
+            <a:endParaRPr lang="ru-RU" dirty="0"/>
+          </a:p>
+        </p:txBody>
+      </p:sp>
+      <p:sp>
+        <p:nvSpPr>
+          <p:cNvPr id="6" name="TextBox 5">
+            <a:extLst>
+              <a:ext uri="{FF2B5EF4-FFF2-40B4-BE49-F238E27FC236}">
+                <a16:creationId xmlns:a16="http://schemas.microsoft.com/office/drawing/2014/main" id="{6B7D29BF-05BD-4398-BB7D-AB210EE52005}"/>
+              </a:ext>
+            </a:extLst>
+          </p:cNvPr>
+          <p:cNvSpPr txBox="1"/>
+          <p:nvPr/>
+        </p:nvSpPr>
+        <p:spPr>
+          <a:xfrm>
+            <a:off x="667589" y="4950625"/>
+            <a:ext cx="4249881" cy="1477328"/>
           </a:xfrm>
           <a:prstGeom prst="rect">
             <a:avLst/>
@@ -8543,510 +8908,65 @@
           <a:lstStyle/>
           <a:p>
             <a:r>
-              <a:rPr lang="ru-RU" sz="5400" b="1" dirty="0">
-                <a:solidFill>
-                  <a:srgbClr val="FF0000"/>
-                </a:solidFill>
-                <a:latin typeface="Georgia" panose="02040502050405020303" pitchFamily="18" charset="0"/>
+              <a:rPr lang="ru-RU" dirty="0"/>
+              <a:t>Контактные данные</a:t>
+            </a:r>
+            <a:r>
+              <a:rPr lang="en-US" dirty="0"/>
+              <a:t>:</a:t>
+            </a:r>
+            <a:endParaRPr lang="ru-RU" dirty="0"/>
+          </a:p>
+          <a:p>
+            <a:r>
+              <a:rPr lang="ru-RU" dirty="0"/>
+              <a:t>Данил Золотарёв</a:t>
+            </a:r>
+            <a:endParaRPr lang="en-US" dirty="0"/>
+          </a:p>
+          <a:p>
+            <a:r>
+              <a:rPr lang="ru-RU" dirty="0"/>
+              <a:t>Телефон</a:t>
+            </a:r>
+            <a:r>
+              <a:rPr lang="en-US" dirty="0"/>
+              <a:t>:</a:t>
+            </a:r>
+            <a:r>
+              <a:rPr lang="ru-RU" dirty="0"/>
+              <a:t> 8(968)434-95-65</a:t>
+            </a:r>
+          </a:p>
+          <a:p>
+            <a:r>
+              <a:rPr lang="en-US" dirty="0"/>
+              <a:t>E-mail: </a:t>
+            </a:r>
+            <a:r>
+              <a:rPr lang="en-US" dirty="0">
+                <a:hlinkClick r:id="rId3"/>
               </a:rPr>
-              <a:t>1</a:t>
-            </a:r>
-          </a:p>
-        </p:txBody>
-      </p:sp>
-      <p:sp>
-        <p:nvSpPr>
-          <p:cNvPr id="9" name="TextBox 8">
-            <a:extLst>
-              <a:ext uri="{FF2B5EF4-FFF2-40B4-BE49-F238E27FC236}">
-                <a16:creationId xmlns:a16="http://schemas.microsoft.com/office/drawing/2014/main" id="{7127229C-8C27-438E-90F1-269BA427BF37}"/>
-              </a:ext>
-            </a:extLst>
-          </p:cNvPr>
-          <p:cNvSpPr txBox="1"/>
-          <p:nvPr/>
-        </p:nvSpPr>
-        <p:spPr>
-          <a:xfrm>
-            <a:off x="5341502" y="3752748"/>
-            <a:ext cx="619080" cy="923330"/>
-          </a:xfrm>
-          <a:prstGeom prst="rect">
-            <a:avLst/>
-          </a:prstGeom>
-          <a:noFill/>
-        </p:spPr>
-        <p:txBody>
-          <a:bodyPr wrap="none" rtlCol="0">
-            <a:spAutoFit/>
-          </a:bodyPr>
-          <a:lstStyle/>
-          <a:p>
-            <a:r>
-              <a:rPr lang="ru-RU" sz="5400" b="1" dirty="0">
-                <a:solidFill>
-                  <a:srgbClr val="FF0000"/>
-                </a:solidFill>
-                <a:latin typeface="Georgia" panose="02040502050405020303" pitchFamily="18" charset="0"/>
-              </a:rPr>
-              <a:t>2</a:t>
-            </a:r>
-          </a:p>
-        </p:txBody>
-      </p:sp>
-      <p:pic>
-        <p:nvPicPr>
-          <p:cNvPr id="10" name="Рисунок 9">
-            <a:extLst>
-              <a:ext uri="{FF2B5EF4-FFF2-40B4-BE49-F238E27FC236}">
-                <a16:creationId xmlns:a16="http://schemas.microsoft.com/office/drawing/2014/main" id="{E9C206EF-4DBB-4FF5-BCF3-C1DD78D3D074}"/>
-              </a:ext>
-            </a:extLst>
-          </p:cNvPr>
-          <p:cNvPicPr>
-            <a:picLocks noChangeAspect="1"/>
-          </p:cNvPicPr>
-          <p:nvPr/>
-        </p:nvPicPr>
-        <p:blipFill>
-          <a:blip r:embed="rId4"/>
-          <a:stretch>
-            <a:fillRect/>
-          </a:stretch>
-        </p:blipFill>
-        <p:spPr>
-          <a:xfrm>
-            <a:off x="2932464" y="1505840"/>
-            <a:ext cx="4690504" cy="4860748"/>
-          </a:xfrm>
-          <a:prstGeom prst="rect">
-            <a:avLst/>
-          </a:prstGeom>
-        </p:spPr>
-      </p:pic>
-      <p:pic>
-        <p:nvPicPr>
-          <p:cNvPr id="5" name="Рисунок 4">
-            <a:extLst>
-              <a:ext uri="{FF2B5EF4-FFF2-40B4-BE49-F238E27FC236}">
-                <a16:creationId xmlns:a16="http://schemas.microsoft.com/office/drawing/2014/main" id="{734C4807-68C3-4480-9296-722CE027C4EB}"/>
-              </a:ext>
-            </a:extLst>
-          </p:cNvPr>
-          <p:cNvPicPr>
-            <a:picLocks noChangeAspect="1"/>
-          </p:cNvPicPr>
-          <p:nvPr/>
-        </p:nvPicPr>
-        <p:blipFill>
-          <a:blip r:embed="rId5"/>
-          <a:stretch>
-            <a:fillRect/>
-          </a:stretch>
-        </p:blipFill>
-        <p:spPr>
-          <a:xfrm>
-            <a:off x="2932464" y="1475991"/>
-            <a:ext cx="4685060" cy="4860749"/>
-          </a:xfrm>
-          <a:prstGeom prst="rect">
-            <a:avLst/>
-          </a:prstGeom>
-        </p:spPr>
-      </p:pic>
-      <p:sp>
-        <p:nvSpPr>
-          <p:cNvPr id="11" name="TextBox 10">
-            <a:extLst>
-              <a:ext uri="{FF2B5EF4-FFF2-40B4-BE49-F238E27FC236}">
-                <a16:creationId xmlns:a16="http://schemas.microsoft.com/office/drawing/2014/main" id="{2F02B7A5-19A5-4E9C-BD14-B8CD4081D31D}"/>
-              </a:ext>
-            </a:extLst>
-          </p:cNvPr>
-          <p:cNvSpPr txBox="1"/>
-          <p:nvPr/>
-        </p:nvSpPr>
-        <p:spPr>
-          <a:xfrm>
-            <a:off x="5907559" y="3152737"/>
-            <a:ext cx="524503" cy="923330"/>
-          </a:xfrm>
-          <a:prstGeom prst="rect">
-            <a:avLst/>
-          </a:prstGeom>
-          <a:noFill/>
-        </p:spPr>
-        <p:txBody>
-          <a:bodyPr wrap="none" rtlCol="0">
-            <a:spAutoFit/>
-          </a:bodyPr>
-          <a:lstStyle/>
-          <a:p>
-            <a:r>
-              <a:rPr lang="ru-RU" sz="5400" b="1" dirty="0">
-                <a:solidFill>
-                  <a:srgbClr val="FF0000"/>
-                </a:solidFill>
-                <a:latin typeface="Georgia" panose="02040502050405020303" pitchFamily="18" charset="0"/>
-              </a:rPr>
-              <a:t>1</a:t>
-            </a:r>
-          </a:p>
-        </p:txBody>
-      </p:sp>
-      <p:sp>
-        <p:nvSpPr>
-          <p:cNvPr id="12" name="TextBox 11">
-            <a:extLst>
-              <a:ext uri="{FF2B5EF4-FFF2-40B4-BE49-F238E27FC236}">
-                <a16:creationId xmlns:a16="http://schemas.microsoft.com/office/drawing/2014/main" id="{23DD7B58-2D45-481C-8B70-944D238BA639}"/>
-              </a:ext>
-            </a:extLst>
-          </p:cNvPr>
-          <p:cNvSpPr txBox="1"/>
-          <p:nvPr/>
-        </p:nvSpPr>
-        <p:spPr>
-          <a:xfrm>
-            <a:off x="4890523" y="2736503"/>
-            <a:ext cx="619080" cy="923330"/>
-          </a:xfrm>
-          <a:prstGeom prst="rect">
-            <a:avLst/>
-          </a:prstGeom>
-          <a:noFill/>
-        </p:spPr>
-        <p:txBody>
-          <a:bodyPr wrap="none" rtlCol="0">
-            <a:spAutoFit/>
-          </a:bodyPr>
-          <a:lstStyle/>
-          <a:p>
-            <a:r>
-              <a:rPr lang="ru-RU" sz="5400" b="1" dirty="0">
-                <a:solidFill>
-                  <a:srgbClr val="FF0000"/>
-                </a:solidFill>
-                <a:latin typeface="Georgia" panose="02040502050405020303" pitchFamily="18" charset="0"/>
-              </a:rPr>
-              <a:t>2</a:t>
-            </a:r>
-          </a:p>
-        </p:txBody>
-      </p:sp>
-      <p:pic>
-        <p:nvPicPr>
-          <p:cNvPr id="13" name="Рисунок 12">
-            <a:extLst>
-              <a:ext uri="{FF2B5EF4-FFF2-40B4-BE49-F238E27FC236}">
-                <a16:creationId xmlns:a16="http://schemas.microsoft.com/office/drawing/2014/main" id="{7B6F2F7B-FEA1-40F6-BF99-3A67C13809BD}"/>
-              </a:ext>
-            </a:extLst>
-          </p:cNvPr>
-          <p:cNvPicPr>
-            <a:picLocks noChangeAspect="1"/>
-          </p:cNvPicPr>
-          <p:nvPr/>
-        </p:nvPicPr>
-        <p:blipFill>
-          <a:blip r:embed="rId6"/>
-          <a:stretch>
-            <a:fillRect/>
-          </a:stretch>
-        </p:blipFill>
-        <p:spPr>
-          <a:xfrm>
-            <a:off x="2932464" y="1499645"/>
-            <a:ext cx="4678983" cy="4837096"/>
-          </a:xfrm>
-          <a:prstGeom prst="rect">
-            <a:avLst/>
-          </a:prstGeom>
-        </p:spPr>
-      </p:pic>
-      <p:pic>
-        <p:nvPicPr>
-          <p:cNvPr id="14" name="Рисунок 13">
-            <a:extLst>
-              <a:ext uri="{FF2B5EF4-FFF2-40B4-BE49-F238E27FC236}">
-                <a16:creationId xmlns:a16="http://schemas.microsoft.com/office/drawing/2014/main" id="{A71F48BF-494B-4CD9-BB1D-AA7CE0534FA2}"/>
-              </a:ext>
-            </a:extLst>
-          </p:cNvPr>
-          <p:cNvPicPr>
-            <a:picLocks noChangeAspect="1"/>
-          </p:cNvPicPr>
-          <p:nvPr/>
-        </p:nvPicPr>
-        <p:blipFill>
-          <a:blip r:embed="rId7"/>
-          <a:stretch>
-            <a:fillRect/>
-          </a:stretch>
-        </p:blipFill>
-        <p:spPr>
-          <a:xfrm>
-            <a:off x="2932464" y="1505848"/>
-            <a:ext cx="4684847" cy="4860749"/>
-          </a:xfrm>
-          <a:prstGeom prst="rect">
-            <a:avLst/>
-          </a:prstGeom>
-        </p:spPr>
-      </p:pic>
-      <p:sp>
-        <p:nvSpPr>
-          <p:cNvPr id="15" name="TextBox 14">
-            <a:extLst>
-              <a:ext uri="{FF2B5EF4-FFF2-40B4-BE49-F238E27FC236}">
-                <a16:creationId xmlns:a16="http://schemas.microsoft.com/office/drawing/2014/main" id="{E6F07ADA-550C-409C-B1B3-A335A5704BBC}"/>
-              </a:ext>
-            </a:extLst>
-          </p:cNvPr>
-          <p:cNvSpPr txBox="1"/>
-          <p:nvPr/>
-        </p:nvSpPr>
-        <p:spPr>
-          <a:xfrm>
-            <a:off x="5436079" y="5306722"/>
-            <a:ext cx="524503" cy="923330"/>
-          </a:xfrm>
-          <a:prstGeom prst="rect">
-            <a:avLst/>
-          </a:prstGeom>
-          <a:noFill/>
-        </p:spPr>
-        <p:txBody>
-          <a:bodyPr wrap="none" rtlCol="0">
-            <a:spAutoFit/>
-          </a:bodyPr>
-          <a:lstStyle/>
-          <a:p>
-            <a:r>
-              <a:rPr lang="ru-RU" sz="5400" b="1" dirty="0">
-                <a:solidFill>
-                  <a:srgbClr val="FF0000"/>
-                </a:solidFill>
-                <a:latin typeface="Georgia" panose="02040502050405020303" pitchFamily="18" charset="0"/>
-              </a:rPr>
-              <a:t>1</a:t>
-            </a:r>
-          </a:p>
-        </p:txBody>
-      </p:sp>
-      <p:sp>
-        <p:nvSpPr>
-          <p:cNvPr id="16" name="TextBox 15">
-            <a:extLst>
-              <a:ext uri="{FF2B5EF4-FFF2-40B4-BE49-F238E27FC236}">
-                <a16:creationId xmlns:a16="http://schemas.microsoft.com/office/drawing/2014/main" id="{EFDFF5BB-F210-4F2C-B2E2-8E95599ADAC6}"/>
-              </a:ext>
-            </a:extLst>
-          </p:cNvPr>
-          <p:cNvSpPr txBox="1"/>
-          <p:nvPr/>
-        </p:nvSpPr>
-        <p:spPr>
-          <a:xfrm>
-            <a:off x="7005882" y="4214413"/>
-            <a:ext cx="619080" cy="923330"/>
-          </a:xfrm>
-          <a:prstGeom prst="rect">
-            <a:avLst/>
-          </a:prstGeom>
-          <a:noFill/>
-        </p:spPr>
-        <p:txBody>
-          <a:bodyPr wrap="none" rtlCol="0">
-            <a:spAutoFit/>
-          </a:bodyPr>
-          <a:lstStyle/>
-          <a:p>
-            <a:r>
-              <a:rPr lang="ru-RU" sz="5400" b="1" dirty="0">
-                <a:solidFill>
-                  <a:srgbClr val="FF0000"/>
-                </a:solidFill>
-                <a:latin typeface="Georgia" panose="02040502050405020303" pitchFamily="18" charset="0"/>
-              </a:rPr>
-              <a:t>2</a:t>
-            </a:r>
-          </a:p>
-        </p:txBody>
-      </p:sp>
-      <p:pic>
-        <p:nvPicPr>
-          <p:cNvPr id="17" name="Рисунок 16">
-            <a:extLst>
-              <a:ext uri="{FF2B5EF4-FFF2-40B4-BE49-F238E27FC236}">
-                <a16:creationId xmlns:a16="http://schemas.microsoft.com/office/drawing/2014/main" id="{44317450-AE90-4B9F-B617-A0501FC3C2D0}"/>
-              </a:ext>
-            </a:extLst>
-          </p:cNvPr>
-          <p:cNvPicPr>
-            <a:picLocks noChangeAspect="1"/>
-          </p:cNvPicPr>
-          <p:nvPr/>
-        </p:nvPicPr>
-        <p:blipFill rotWithShape="1">
-          <a:blip r:embed="rId8"/>
-          <a:srcRect r="357"/>
-          <a:stretch/>
-        </p:blipFill>
-        <p:spPr>
-          <a:xfrm>
-            <a:off x="2926386" y="1476597"/>
-            <a:ext cx="4702695" cy="4889982"/>
-          </a:xfrm>
-          <a:prstGeom prst="rect">
-            <a:avLst/>
-          </a:prstGeom>
-        </p:spPr>
-      </p:pic>
-      <p:sp>
-        <p:nvSpPr>
-          <p:cNvPr id="19" name="TextBox 18">
-            <a:extLst>
-              <a:ext uri="{FF2B5EF4-FFF2-40B4-BE49-F238E27FC236}">
-                <a16:creationId xmlns:a16="http://schemas.microsoft.com/office/drawing/2014/main" id="{AD78F157-ABE4-4CA1-B341-3BCDBFABBBDF}"/>
-              </a:ext>
-            </a:extLst>
-          </p:cNvPr>
-          <p:cNvSpPr txBox="1"/>
-          <p:nvPr/>
-        </p:nvSpPr>
-        <p:spPr>
-          <a:xfrm>
-            <a:off x="3375525" y="2129296"/>
-            <a:ext cx="524503" cy="923330"/>
-          </a:xfrm>
-          <a:prstGeom prst="rect">
-            <a:avLst/>
-          </a:prstGeom>
-          <a:noFill/>
-        </p:spPr>
-        <p:txBody>
-          <a:bodyPr wrap="none" rtlCol="0">
-            <a:spAutoFit/>
-          </a:bodyPr>
-          <a:lstStyle/>
-          <a:p>
-            <a:r>
-              <a:rPr lang="ru-RU" sz="5400" b="1" dirty="0">
-                <a:solidFill>
-                  <a:srgbClr val="FF0000"/>
-                </a:solidFill>
-                <a:latin typeface="Georgia" panose="02040502050405020303" pitchFamily="18" charset="0"/>
-              </a:rPr>
-              <a:t>1</a:t>
-            </a:r>
-          </a:p>
-        </p:txBody>
-      </p:sp>
-      <p:sp>
-        <p:nvSpPr>
-          <p:cNvPr id="20" name="TextBox 19">
-            <a:extLst>
-              <a:ext uri="{FF2B5EF4-FFF2-40B4-BE49-F238E27FC236}">
-                <a16:creationId xmlns:a16="http://schemas.microsoft.com/office/drawing/2014/main" id="{22655B30-77D3-47B6-AB6B-C866BE124DBB}"/>
-              </a:ext>
-            </a:extLst>
-          </p:cNvPr>
-          <p:cNvSpPr txBox="1"/>
-          <p:nvPr/>
-        </p:nvSpPr>
-        <p:spPr>
-          <a:xfrm>
-            <a:off x="4492567" y="1926512"/>
-            <a:ext cx="619080" cy="923330"/>
-          </a:xfrm>
-          <a:prstGeom prst="rect">
-            <a:avLst/>
-          </a:prstGeom>
-          <a:noFill/>
-        </p:spPr>
-        <p:txBody>
-          <a:bodyPr wrap="none" rtlCol="0">
-            <a:spAutoFit/>
-          </a:bodyPr>
-          <a:lstStyle/>
-          <a:p>
-            <a:r>
-              <a:rPr lang="ru-RU" sz="5400" b="1" dirty="0">
-                <a:solidFill>
-                  <a:srgbClr val="FF0000"/>
-                </a:solidFill>
-                <a:latin typeface="Georgia" panose="02040502050405020303" pitchFamily="18" charset="0"/>
-              </a:rPr>
-              <a:t>2</a:t>
-            </a:r>
-          </a:p>
-        </p:txBody>
-      </p:sp>
-      <p:pic>
-        <p:nvPicPr>
-          <p:cNvPr id="21" name="Рисунок 20">
-            <a:extLst>
-              <a:ext uri="{FF2B5EF4-FFF2-40B4-BE49-F238E27FC236}">
-                <a16:creationId xmlns:a16="http://schemas.microsoft.com/office/drawing/2014/main" id="{27038275-52D8-4F32-99BE-C73637ABC29B}"/>
-              </a:ext>
-            </a:extLst>
-          </p:cNvPr>
-          <p:cNvPicPr>
-            <a:picLocks noChangeAspect="1"/>
-          </p:cNvPicPr>
-          <p:nvPr/>
-        </p:nvPicPr>
-        <p:blipFill>
-          <a:blip r:embed="rId9"/>
-          <a:stretch>
-            <a:fillRect/>
-          </a:stretch>
-        </p:blipFill>
-        <p:spPr>
-          <a:xfrm>
-            <a:off x="2927025" y="1469807"/>
-            <a:ext cx="4719138" cy="4896772"/>
-          </a:xfrm>
-          <a:prstGeom prst="rect">
-            <a:avLst/>
-          </a:prstGeom>
-        </p:spPr>
-      </p:pic>
-      <p:pic>
-        <p:nvPicPr>
-          <p:cNvPr id="18" name="Рисунок 17">
-            <a:extLst>
-              <a:ext uri="{FF2B5EF4-FFF2-40B4-BE49-F238E27FC236}">
-                <a16:creationId xmlns:a16="http://schemas.microsoft.com/office/drawing/2014/main" id="{09DEC217-5C8C-41C6-ACAF-0A6DBA6C02D6}"/>
-              </a:ext>
-            </a:extLst>
-          </p:cNvPr>
-          <p:cNvPicPr>
-            <a:picLocks noChangeAspect="1"/>
-          </p:cNvPicPr>
-          <p:nvPr/>
-        </p:nvPicPr>
-        <p:blipFill>
-          <a:blip r:embed="rId10"/>
-          <a:stretch>
-            <a:fillRect/>
-          </a:stretch>
-        </p:blipFill>
-        <p:spPr>
-          <a:xfrm>
-            <a:off x="2949659" y="1473202"/>
-            <a:ext cx="4695561" cy="4889982"/>
-          </a:xfrm>
-          <a:prstGeom prst="rect">
-            <a:avLst/>
-          </a:prstGeom>
-        </p:spPr>
-      </p:pic>
+              <a:t>zolotarev_d_e@mail.ru</a:t>
+            </a:r>
+            <a:endParaRPr lang="en-US" dirty="0"/>
+          </a:p>
+          <a:p>
+            <a:r>
+              <a:rPr lang="ru-RU" dirty="0"/>
+              <a:t>Поддержите нас</a:t>
+            </a:r>
+            <a:r>
+              <a:rPr lang="en-US" dirty="0"/>
+              <a:t>: 5536 9138 9660 2170</a:t>
+            </a:r>
+          </a:p>
+        </p:txBody>
+      </p:sp>
     </p:spTree>
     <p:extLst>
       <p:ext uri="{BB962C8B-B14F-4D97-AF65-F5344CB8AC3E}">
-        <p14:creationId xmlns:p14="http://schemas.microsoft.com/office/powerpoint/2010/main" val="4176633260"/>
+        <p14:creationId xmlns:p14="http://schemas.microsoft.com/office/powerpoint/2010/main" val="2572641149"/>
       </p:ext>
     </p:extLst>
   </p:cSld>
@@ -9089,6 +9009,13 @@
         </p:nvPicPr>
         <p:blipFill>
           <a:blip r:embed="rId2">
+            <a:duotone>
+              <a:schemeClr val="bg2">
+                <a:shade val="45000"/>
+                <a:satMod val="135000"/>
+              </a:schemeClr>
+              <a:prstClr val="white"/>
+            </a:duotone>
             <a:extLst>
               <a:ext uri="{28A0092B-C50C-407E-A947-70E740481C1C}">
                 <a14:useLocalDpi xmlns:a14="http://schemas.microsoft.com/office/drawing/2010/main" val="0"/>
@@ -9123,8 +9050,8 @@
         </p:nvSpPr>
         <p:spPr>
           <a:xfrm>
-            <a:off x="781403" y="287695"/>
-            <a:ext cx="4206601" cy="369332"/>
+            <a:off x="2874605" y="224728"/>
+            <a:ext cx="6442789" cy="523220"/>
           </a:xfrm>
           <a:prstGeom prst="rect">
             <a:avLst/>
@@ -9138,19 +9065,19 @@
           <a:lstStyle/>
           <a:p>
             <a:r>
-              <a:rPr lang="ru-RU" dirty="0"/>
+              <a:rPr lang="ru-RU" sz="2800" dirty="0"/>
               <a:t>Обучающая программа</a:t>
             </a:r>
             <a:r>
-              <a:rPr lang="en-US" dirty="0"/>
+              <a:rPr lang="en-US" sz="2800" dirty="0"/>
               <a:t>:</a:t>
             </a:r>
             <a:r>
-              <a:rPr lang="ru-RU" dirty="0"/>
+              <a:rPr lang="ru-RU" sz="2800" dirty="0"/>
               <a:t> </a:t>
             </a:r>
             <a:r>
-              <a:rPr lang="en-US" dirty="0">
+              <a:rPr lang="en-US" sz="2800" dirty="0">
                 <a:solidFill>
                   <a:schemeClr val="accent2"/>
                 </a:solidFill>
@@ -9158,7 +9085,7 @@
               <a:t>“</a:t>
             </a:r>
             <a:r>
-              <a:rPr lang="ru-RU" dirty="0">
+              <a:rPr lang="ru-RU" sz="2800" dirty="0">
                 <a:solidFill>
                   <a:schemeClr val="accent2"/>
                 </a:solidFill>
@@ -9166,14 +9093,14 @@
               <a:t>Черепашка</a:t>
             </a:r>
             <a:r>
-              <a:rPr lang="en-US" dirty="0">
+              <a:rPr lang="en-US" sz="2800" dirty="0">
                 <a:solidFill>
                   <a:schemeClr val="accent2"/>
                 </a:solidFill>
               </a:rPr>
               <a:t>”</a:t>
             </a:r>
-            <a:endParaRPr lang="ru-RU" dirty="0">
+            <a:endParaRPr lang="ru-RU" sz="2800" dirty="0">
               <a:solidFill>
                 <a:schemeClr val="accent2"/>
               </a:solidFill>
@@ -9183,10 +9110,10 @@
       </p:sp>
       <p:sp>
         <p:nvSpPr>
-          <p:cNvPr id="5" name="TextBox 4">
-            <a:extLst>
-              <a:ext uri="{FF2B5EF4-FFF2-40B4-BE49-F238E27FC236}">
-                <a16:creationId xmlns:a16="http://schemas.microsoft.com/office/drawing/2014/main" id="{D262735C-59D1-4CFD-AC06-D7ADEBAF5D2C}"/>
+          <p:cNvPr id="2" name="TextBox 1">
+            <a:extLst>
+              <a:ext uri="{FF2B5EF4-FFF2-40B4-BE49-F238E27FC236}">
+                <a16:creationId xmlns:a16="http://schemas.microsoft.com/office/drawing/2014/main" id="{440B8EDD-9166-454B-B7B1-781313CFDC6A}"/>
               </a:ext>
             </a:extLst>
           </p:cNvPr>
@@ -9195,8 +9122,8 @@
         </p:nvSpPr>
         <p:spPr>
           <a:xfrm>
-            <a:off x="667589" y="719994"/>
-            <a:ext cx="4434227" cy="2031325"/>
+            <a:off x="667589" y="1425056"/>
+            <a:ext cx="5841664" cy="1754326"/>
           </a:xfrm>
           <a:prstGeom prst="rect">
             <a:avLst/>
@@ -9211,7 +9138,7 @@
           <a:p>
             <a:r>
               <a:rPr lang="ru-RU" dirty="0"/>
-              <a:t>Плюсы</a:t>
+              <a:t>В будущем будет добавлен следующий функционал</a:t>
             </a:r>
             <a:r>
               <a:rPr lang="en-US" dirty="0"/>
@@ -9226,7 +9153,7 @@
             </a:pPr>
             <a:r>
               <a:rPr lang="ru-RU" dirty="0"/>
-              <a:t>Простой интерфейс</a:t>
+              <a:t>Выбора цвета линии</a:t>
             </a:r>
           </a:p>
           <a:p>
@@ -9236,7 +9163,7 @@
             </a:pPr>
             <a:r>
               <a:rPr lang="ru-RU" dirty="0"/>
-              <a:t>Не требовательна к компьютеру</a:t>
+              <a:t>Заливка фигуры цветом</a:t>
             </a:r>
           </a:p>
           <a:p>
@@ -9246,14 +9173,7 @@
             </a:pPr>
             <a:r>
               <a:rPr lang="ru-RU" dirty="0"/>
-              <a:t>Ничего не пропагандирует</a:t>
-            </a:r>
-            <a:br>
-              <a:rPr lang="ru-RU" dirty="0"/>
-            </a:br>
-            <a:r>
-              <a:rPr lang="ru-RU" dirty="0"/>
-              <a:t>(кроме программирования, конечно)</a:t>
+              <a:t>Выбор толщины линии</a:t>
             </a:r>
           </a:p>
           <a:p>
@@ -9263,101 +9183,7 @@
             </a:pPr>
             <a:r>
               <a:rPr lang="ru-RU" dirty="0"/>
-              <a:t>Проста в освоении</a:t>
-            </a:r>
-          </a:p>
-          <a:p>
-            <a:pPr marL="285750" indent="-285750">
-              <a:buFont typeface="Arial" panose="020B0604020202020204" pitchFamily="34" charset="0"/>
-              <a:buChar char="•"/>
-            </a:pPr>
-            <a:r>
-              <a:rPr lang="ru-RU" dirty="0"/>
-              <a:t>Нет рекламы</a:t>
-            </a:r>
-            <a:endParaRPr lang="en-US" dirty="0"/>
-          </a:p>
-        </p:txBody>
-      </p:sp>
-      <p:sp>
-        <p:nvSpPr>
-          <p:cNvPr id="2" name="TextBox 1">
-            <a:extLst>
-              <a:ext uri="{FF2B5EF4-FFF2-40B4-BE49-F238E27FC236}">
-                <a16:creationId xmlns:a16="http://schemas.microsoft.com/office/drawing/2014/main" id="{440B8EDD-9166-454B-B7B1-781313CFDC6A}"/>
-              </a:ext>
-            </a:extLst>
-          </p:cNvPr>
-          <p:cNvSpPr txBox="1"/>
-          <p:nvPr/>
-        </p:nvSpPr>
-        <p:spPr>
-          <a:xfrm>
-            <a:off x="667589" y="2920817"/>
-            <a:ext cx="4589718" cy="1477328"/>
-          </a:xfrm>
-          <a:prstGeom prst="rect">
-            <a:avLst/>
-          </a:prstGeom>
-          <a:noFill/>
-        </p:spPr>
-        <p:txBody>
-          <a:bodyPr wrap="none" rtlCol="0">
-            <a:spAutoFit/>
-          </a:bodyPr>
-          <a:lstStyle/>
-          <a:p>
-            <a:r>
-              <a:rPr lang="ru-RU" dirty="0"/>
-              <a:t>На кого рассчитана</a:t>
-            </a:r>
-            <a:r>
-              <a:rPr lang="en-US" dirty="0"/>
-              <a:t>:</a:t>
-            </a:r>
-          </a:p>
-          <a:p>
-            <a:pPr marL="285750" indent="-285750">
-              <a:buFont typeface="Arial" panose="020B0604020202020204" pitchFamily="34" charset="0"/>
-              <a:buChar char="•"/>
-            </a:pPr>
-            <a:r>
-              <a:rPr lang="ru-RU" dirty="0"/>
-              <a:t>Детское дополнительное образование</a:t>
-            </a:r>
-            <a:br>
-              <a:rPr lang="en-US" dirty="0"/>
-            </a:br>
-            <a:r>
-              <a:rPr lang="en-US" dirty="0"/>
-              <a:t>(</a:t>
-            </a:r>
-            <a:r>
-              <a:rPr lang="ru-RU" dirty="0"/>
-              <a:t>младшие классы</a:t>
-            </a:r>
-            <a:r>
-              <a:rPr lang="en-US" dirty="0"/>
-              <a:t>)</a:t>
-            </a:r>
-            <a:endParaRPr lang="ru-RU" dirty="0"/>
-          </a:p>
-          <a:p>
-            <a:pPr marL="285750" indent="-285750">
-              <a:buFont typeface="Arial" panose="020B0604020202020204" pitchFamily="34" charset="0"/>
-              <a:buChar char="•"/>
-            </a:pPr>
-            <a:r>
-              <a:rPr lang="ru-RU" dirty="0"/>
-              <a:t>Знакомство с </a:t>
-            </a:r>
-            <a:r>
-              <a:rPr lang="en-US" dirty="0"/>
-              <a:t>L-</a:t>
-            </a:r>
-            <a:r>
-              <a:rPr lang="ru-RU" dirty="0"/>
-              <a:t>системами</a:t>
+              <a:t>Выбор типа линии (пунктирная, точки и т.д.)</a:t>
             </a:r>
           </a:p>
           <a:p>
@@ -9449,10 +9275,57 @@
           </a:p>
         </p:txBody>
       </p:sp>
+      <p:sp>
+        <p:nvSpPr>
+          <p:cNvPr id="8" name="TextBox 7">
+            <a:extLst>
+              <a:ext uri="{FF2B5EF4-FFF2-40B4-BE49-F238E27FC236}">
+                <a16:creationId xmlns:a16="http://schemas.microsoft.com/office/drawing/2014/main" id="{874E730D-F8AB-41DF-B03C-430978A77C18}"/>
+              </a:ext>
+            </a:extLst>
+          </p:cNvPr>
+          <p:cNvSpPr txBox="1"/>
+          <p:nvPr/>
+        </p:nvSpPr>
+        <p:spPr>
+          <a:xfrm>
+            <a:off x="5293333" y="3602534"/>
+            <a:ext cx="5061849" cy="1200329"/>
+          </a:xfrm>
+          <a:prstGeom prst="rect">
+            <a:avLst/>
+          </a:prstGeom>
+          <a:noFill/>
+        </p:spPr>
+        <p:txBody>
+          <a:bodyPr wrap="square" rtlCol="0">
+            <a:spAutoFit/>
+          </a:bodyPr>
+          <a:lstStyle/>
+          <a:p>
+            <a:pPr algn="ctr"/>
+            <a:r>
+              <a:rPr lang="ru-RU" dirty="0"/>
+              <a:t>При финансовой поддержке будет добавлена возможность создания циклов, для полноценного моделирования </a:t>
+            </a:r>
+            <a:r>
+              <a:rPr lang="en-US" dirty="0"/>
+              <a:t>L-</a:t>
+            </a:r>
+            <a:r>
+              <a:rPr lang="ru-RU" dirty="0"/>
+              <a:t>систем</a:t>
+            </a:r>
+          </a:p>
+          <a:p>
+            <a:endParaRPr lang="ru-RU" dirty="0"/>
+          </a:p>
+        </p:txBody>
+      </p:sp>
     </p:spTree>
     <p:extLst>
       <p:ext uri="{BB962C8B-B14F-4D97-AF65-F5344CB8AC3E}">
-        <p14:creationId xmlns:p14="http://schemas.microsoft.com/office/powerpoint/2010/main" val="2572641149"/>
+        <p14:creationId xmlns:p14="http://schemas.microsoft.com/office/powerpoint/2010/main" val="2012865089"/>
       </p:ext>
     </p:extLst>
   </p:cSld>
@@ -9892,10 +9765,10 @@
       </p:grpSpPr>
       <p:pic>
         <p:nvPicPr>
-          <p:cNvPr id="2" name="Рисунок 1">
-            <a:extLst>
-              <a:ext uri="{FF2B5EF4-FFF2-40B4-BE49-F238E27FC236}">
-                <a16:creationId xmlns:a16="http://schemas.microsoft.com/office/drawing/2014/main" id="{FA411AF0-67F4-4D03-AF0E-C7533396C80F}"/>
+          <p:cNvPr id="15" name="Рисунок 14">
+            <a:extLst>
+              <a:ext uri="{FF2B5EF4-FFF2-40B4-BE49-F238E27FC236}">
+                <a16:creationId xmlns:a16="http://schemas.microsoft.com/office/drawing/2014/main" id="{C2C16F90-B640-4D96-BFB8-8696B1C208D8}"/>
               </a:ext>
             </a:extLst>
           </p:cNvPr>
@@ -9905,33 +9778,102 @@
           <p:nvPr/>
         </p:nvPicPr>
         <p:blipFill>
-          <a:blip r:embed="rId2">
-            <a:extLst>
-              <a:ext uri="{28A0092B-C50C-407E-A947-70E740481C1C}">
-                <a14:useLocalDpi xmlns:a14="http://schemas.microsoft.com/office/drawing/2010/main" val="0"/>
-              </a:ext>
-            </a:extLst>
-          </a:blip>
+          <a:blip r:embed="rId2"/>
           <a:stretch>
             <a:fillRect/>
           </a:stretch>
         </p:blipFill>
         <p:spPr>
           <a:xfrm>
-            <a:off x="9633888" y="87086"/>
-            <a:ext cx="2434495" cy="2434495"/>
+            <a:off x="413710" y="1584317"/>
+            <a:ext cx="4609001" cy="4782271"/>
           </a:xfrm>
           <a:prstGeom prst="rect">
             <a:avLst/>
           </a:prstGeom>
         </p:spPr>
       </p:pic>
+      <p:sp>
+        <p:nvSpPr>
+          <p:cNvPr id="4" name="TextBox 3">
+            <a:extLst>
+              <a:ext uri="{FF2B5EF4-FFF2-40B4-BE49-F238E27FC236}">
+                <a16:creationId xmlns:a16="http://schemas.microsoft.com/office/drawing/2014/main" id="{5BE29569-4504-476D-8A65-EE361679F9BE}"/>
+              </a:ext>
+            </a:extLst>
+          </p:cNvPr>
+          <p:cNvSpPr txBox="1"/>
+          <p:nvPr/>
+        </p:nvSpPr>
+        <p:spPr>
+          <a:xfrm>
+            <a:off x="3415518" y="491412"/>
+            <a:ext cx="3712876" cy="707886"/>
+          </a:xfrm>
+          <a:prstGeom prst="rect">
+            <a:avLst/>
+          </a:prstGeom>
+          <a:noFill/>
+        </p:spPr>
+        <p:txBody>
+          <a:bodyPr wrap="none" rtlCol="0">
+            <a:spAutoFit/>
+          </a:bodyPr>
+          <a:lstStyle/>
+          <a:p>
+            <a:r>
+              <a:rPr lang="ru-RU" sz="4000" dirty="0"/>
+              <a:t>Основное окно</a:t>
+            </a:r>
+          </a:p>
+        </p:txBody>
+      </p:sp>
+      <p:sp>
+        <p:nvSpPr>
+          <p:cNvPr id="8" name="TextBox 7">
+            <a:extLst>
+              <a:ext uri="{FF2B5EF4-FFF2-40B4-BE49-F238E27FC236}">
+                <a16:creationId xmlns:a16="http://schemas.microsoft.com/office/drawing/2014/main" id="{6749C03A-45E6-4A7A-B207-836109389B91}"/>
+              </a:ext>
+            </a:extLst>
+          </p:cNvPr>
+          <p:cNvSpPr txBox="1"/>
+          <p:nvPr/>
+        </p:nvSpPr>
+        <p:spPr>
+          <a:xfrm>
+            <a:off x="6976506" y="4266841"/>
+            <a:ext cx="633507" cy="923330"/>
+          </a:xfrm>
+          <a:prstGeom prst="rect">
+            <a:avLst/>
+          </a:prstGeom>
+          <a:noFill/>
+        </p:spPr>
+        <p:txBody>
+          <a:bodyPr wrap="none" rtlCol="0">
+            <a:spAutoFit/>
+          </a:bodyPr>
+          <a:lstStyle/>
+          <a:p>
+            <a:r>
+              <a:rPr lang="ru-RU" sz="5400" b="1" dirty="0">
+                <a:solidFill>
+                  <a:srgbClr val="FF0000"/>
+                </a:solidFill>
+                <a:latin typeface="Georgia" panose="02040502050405020303" pitchFamily="18" charset="0"/>
+              </a:rPr>
+              <a:t>6</a:t>
+            </a:r>
+          </a:p>
+        </p:txBody>
+      </p:sp>
       <p:pic>
         <p:nvPicPr>
-          <p:cNvPr id="3" name="Рисунок 2">
-            <a:extLst>
-              <a:ext uri="{FF2B5EF4-FFF2-40B4-BE49-F238E27FC236}">
-                <a16:creationId xmlns:a16="http://schemas.microsoft.com/office/drawing/2014/main" id="{60B8F994-6DBC-41FA-BB03-5988CCD6871A}"/>
+          <p:cNvPr id="12" name="Рисунок 11">
+            <a:extLst>
+              <a:ext uri="{FF2B5EF4-FFF2-40B4-BE49-F238E27FC236}">
+                <a16:creationId xmlns:a16="http://schemas.microsoft.com/office/drawing/2014/main" id="{1CE745AC-23BD-4AB8-9A6A-BE63B6443DBE}"/>
               </a:ext>
             </a:extLst>
           </p:cNvPr>
@@ -9948,8 +9890,8 @@
         </p:blipFill>
         <p:spPr>
           <a:xfrm>
-            <a:off x="2967455" y="1505846"/>
-            <a:ext cx="4609001" cy="4782271"/>
+            <a:off x="6503364" y="1584316"/>
+            <a:ext cx="4620357" cy="4782271"/>
           </a:xfrm>
           <a:prstGeom prst="rect">
             <a:avLst/>
@@ -9958,325 +9900,111 @@
       </p:pic>
       <p:sp>
         <p:nvSpPr>
-          <p:cNvPr id="4" name="TextBox 3">
-            <a:extLst>
-              <a:ext uri="{FF2B5EF4-FFF2-40B4-BE49-F238E27FC236}">
-                <a16:creationId xmlns:a16="http://schemas.microsoft.com/office/drawing/2014/main" id="{5BE29569-4504-476D-8A65-EE361679F9BE}"/>
-              </a:ext>
-            </a:extLst>
-          </p:cNvPr>
-          <p:cNvSpPr txBox="1"/>
-          <p:nvPr/>
-        </p:nvSpPr>
-        <p:spPr>
-          <a:xfrm>
-            <a:off x="3415518" y="491412"/>
-            <a:ext cx="3712876" cy="707886"/>
-          </a:xfrm>
-          <a:prstGeom prst="rect">
+          <p:cNvPr id="16" name="Стрелка: вправо 15">
+            <a:extLst>
+              <a:ext uri="{FF2B5EF4-FFF2-40B4-BE49-F238E27FC236}">
+                <a16:creationId xmlns:a16="http://schemas.microsoft.com/office/drawing/2014/main" id="{913A637C-7430-405A-9D4D-6D49C2BE2D25}"/>
+              </a:ext>
+            </a:extLst>
+          </p:cNvPr>
+          <p:cNvSpPr/>
+          <p:nvPr/>
+        </p:nvSpPr>
+        <p:spPr>
+          <a:xfrm>
+            <a:off x="5169159" y="3620278"/>
+            <a:ext cx="1231641" cy="590938"/>
+          </a:xfrm>
+          <a:prstGeom prst="rightArrow">
+            <a:avLst/>
+          </a:prstGeom>
+          <a:solidFill>
+            <a:srgbClr val="FF0000"/>
+          </a:solidFill>
+        </p:spPr>
+        <p:style>
+          <a:lnRef idx="2">
+            <a:schemeClr val="accent5">
+              <a:shade val="50000"/>
+            </a:schemeClr>
+          </a:lnRef>
+          <a:fillRef idx="1">
+            <a:schemeClr val="accent5"/>
+          </a:fillRef>
+          <a:effectRef idx="0">
+            <a:schemeClr val="accent5"/>
+          </a:effectRef>
+          <a:fontRef idx="minor">
+            <a:schemeClr val="lt1"/>
+          </a:fontRef>
+        </p:style>
+        <p:txBody>
+          <a:bodyPr rtlCol="0" anchor="ctr"/>
+          <a:lstStyle/>
+          <a:p>
+            <a:pPr algn="ctr"/>
+            <a:endParaRPr lang="ru-RU"/>
+          </a:p>
+        </p:txBody>
+      </p:sp>
+      <p:sp>
+        <p:nvSpPr>
+          <p:cNvPr id="18" name="Прямоугольник: скругленные углы 17">
+            <a:extLst>
+              <a:ext uri="{FF2B5EF4-FFF2-40B4-BE49-F238E27FC236}">
+                <a16:creationId xmlns:a16="http://schemas.microsoft.com/office/drawing/2014/main" id="{1936424B-8582-449F-B5F1-76C3FB10E10A}"/>
+              </a:ext>
+            </a:extLst>
+          </p:cNvPr>
+          <p:cNvSpPr/>
+          <p:nvPr/>
+        </p:nvSpPr>
+        <p:spPr>
+          <a:xfrm>
+            <a:off x="2270449" y="3526971"/>
+            <a:ext cx="665584" cy="510073"/>
+          </a:xfrm>
+          <a:prstGeom prst="roundRect">
             <a:avLst/>
           </a:prstGeom>
           <a:noFill/>
-        </p:spPr>
-        <p:txBody>
-          <a:bodyPr wrap="none" rtlCol="0">
-            <a:spAutoFit/>
-          </a:bodyPr>
-          <a:lstStyle/>
-          <a:p>
-            <a:r>
-              <a:rPr lang="ru-RU" sz="4000" dirty="0"/>
-              <a:t>Основное окно</a:t>
-            </a:r>
-          </a:p>
-        </p:txBody>
-      </p:sp>
-      <p:sp>
-        <p:nvSpPr>
-          <p:cNvPr id="5" name="TextBox 4">
-            <a:extLst>
-              <a:ext uri="{FF2B5EF4-FFF2-40B4-BE49-F238E27FC236}">
-                <a16:creationId xmlns:a16="http://schemas.microsoft.com/office/drawing/2014/main" id="{1AB907D8-4E12-4C09-B9F4-AFE1184660B8}"/>
-              </a:ext>
-            </a:extLst>
-          </p:cNvPr>
-          <p:cNvSpPr txBox="1"/>
-          <p:nvPr/>
-        </p:nvSpPr>
-        <p:spPr>
-          <a:xfrm>
-            <a:off x="3321697" y="5198994"/>
-            <a:ext cx="524503" cy="923330"/>
-          </a:xfrm>
-          <a:prstGeom prst="rect">
-            <a:avLst/>
-          </a:prstGeom>
-          <a:noFill/>
-        </p:spPr>
-        <p:txBody>
-          <a:bodyPr wrap="none" rtlCol="0">
-            <a:spAutoFit/>
-          </a:bodyPr>
-          <a:lstStyle/>
-          <a:p>
-            <a:r>
-              <a:rPr lang="ru-RU" sz="5400" b="1" dirty="0">
-                <a:solidFill>
-                  <a:srgbClr val="FF0000"/>
-                </a:solidFill>
-                <a:latin typeface="Georgia" panose="02040502050405020303" pitchFamily="18" charset="0"/>
-              </a:rPr>
-              <a:t>1</a:t>
-            </a:r>
-          </a:p>
-        </p:txBody>
-      </p:sp>
-      <p:sp>
-        <p:nvSpPr>
-          <p:cNvPr id="6" name="TextBox 5">
-            <a:extLst>
-              <a:ext uri="{FF2B5EF4-FFF2-40B4-BE49-F238E27FC236}">
-                <a16:creationId xmlns:a16="http://schemas.microsoft.com/office/drawing/2014/main" id="{054D8FF0-ECA6-43B3-B1A1-C42E7B8EF29F}"/>
-              </a:ext>
-            </a:extLst>
-          </p:cNvPr>
-          <p:cNvSpPr txBox="1"/>
-          <p:nvPr/>
-        </p:nvSpPr>
-        <p:spPr>
-          <a:xfrm>
-            <a:off x="3153266" y="1915728"/>
-            <a:ext cx="619080" cy="923330"/>
-          </a:xfrm>
-          <a:prstGeom prst="rect">
-            <a:avLst/>
-          </a:prstGeom>
-          <a:noFill/>
-        </p:spPr>
-        <p:txBody>
-          <a:bodyPr wrap="none" rtlCol="0">
-            <a:spAutoFit/>
-          </a:bodyPr>
-          <a:lstStyle/>
-          <a:p>
-            <a:r>
-              <a:rPr lang="ru-RU" sz="5400" b="1" dirty="0">
-                <a:solidFill>
-                  <a:srgbClr val="FF0000"/>
-                </a:solidFill>
-                <a:latin typeface="Georgia" panose="02040502050405020303" pitchFamily="18" charset="0"/>
-              </a:rPr>
-              <a:t>2</a:t>
-            </a:r>
-          </a:p>
-        </p:txBody>
-      </p:sp>
-      <p:sp>
-        <p:nvSpPr>
-          <p:cNvPr id="7" name="TextBox 6">
-            <a:extLst>
-              <a:ext uri="{FF2B5EF4-FFF2-40B4-BE49-F238E27FC236}">
-                <a16:creationId xmlns:a16="http://schemas.microsoft.com/office/drawing/2014/main" id="{8EFB0EAB-95E0-4318-AC8C-D3824B8AE316}"/>
-              </a:ext>
-            </a:extLst>
-          </p:cNvPr>
-          <p:cNvSpPr txBox="1"/>
-          <p:nvPr/>
-        </p:nvSpPr>
-        <p:spPr>
-          <a:xfrm>
-            <a:off x="4297822" y="1896245"/>
-            <a:ext cx="617477" cy="923330"/>
-          </a:xfrm>
-          <a:prstGeom prst="rect">
-            <a:avLst/>
-          </a:prstGeom>
-          <a:noFill/>
-        </p:spPr>
-        <p:txBody>
-          <a:bodyPr wrap="none" rtlCol="0">
-            <a:spAutoFit/>
-          </a:bodyPr>
-          <a:lstStyle/>
-          <a:p>
-            <a:r>
-              <a:rPr lang="ru-RU" sz="5400" b="1" dirty="0">
-                <a:solidFill>
-                  <a:srgbClr val="FF0000"/>
-                </a:solidFill>
-                <a:latin typeface="Georgia" panose="02040502050405020303" pitchFamily="18" charset="0"/>
-              </a:rPr>
-              <a:t>3</a:t>
-            </a:r>
-          </a:p>
-        </p:txBody>
-      </p:sp>
-      <p:sp>
-        <p:nvSpPr>
-          <p:cNvPr id="8" name="TextBox 7">
-            <a:extLst>
-              <a:ext uri="{FF2B5EF4-FFF2-40B4-BE49-F238E27FC236}">
-                <a16:creationId xmlns:a16="http://schemas.microsoft.com/office/drawing/2014/main" id="{6749C03A-45E6-4A7A-B207-836109389B91}"/>
-              </a:ext>
-            </a:extLst>
-          </p:cNvPr>
-          <p:cNvSpPr txBox="1"/>
-          <p:nvPr/>
-        </p:nvSpPr>
-        <p:spPr>
-          <a:xfrm>
-            <a:off x="6976506" y="4266841"/>
-            <a:ext cx="633507" cy="923330"/>
-          </a:xfrm>
-          <a:prstGeom prst="rect">
-            <a:avLst/>
-          </a:prstGeom>
-          <a:noFill/>
-        </p:spPr>
-        <p:txBody>
-          <a:bodyPr wrap="none" rtlCol="0">
-            <a:spAutoFit/>
-          </a:bodyPr>
-          <a:lstStyle/>
-          <a:p>
-            <a:r>
-              <a:rPr lang="ru-RU" sz="5400" b="1" dirty="0">
-                <a:solidFill>
-                  <a:srgbClr val="FF0000"/>
-                </a:solidFill>
-                <a:latin typeface="Georgia" panose="02040502050405020303" pitchFamily="18" charset="0"/>
-              </a:rPr>
-              <a:t>6</a:t>
-            </a:r>
-          </a:p>
-        </p:txBody>
-      </p:sp>
-      <p:sp>
-        <p:nvSpPr>
-          <p:cNvPr id="9" name="TextBox 8">
-            <a:extLst>
-              <a:ext uri="{FF2B5EF4-FFF2-40B4-BE49-F238E27FC236}">
-                <a16:creationId xmlns:a16="http://schemas.microsoft.com/office/drawing/2014/main" id="{FEA3C52F-5F61-4095-9711-73B8DDF66C36}"/>
-              </a:ext>
-            </a:extLst>
-          </p:cNvPr>
-          <p:cNvSpPr txBox="1"/>
-          <p:nvPr/>
-        </p:nvSpPr>
-        <p:spPr>
-          <a:xfrm>
-            <a:off x="5478523" y="4133303"/>
-            <a:ext cx="599844" cy="923330"/>
-          </a:xfrm>
-          <a:prstGeom prst="rect">
-            <a:avLst/>
-          </a:prstGeom>
-          <a:noFill/>
-        </p:spPr>
-        <p:txBody>
-          <a:bodyPr wrap="none" rtlCol="0">
-            <a:spAutoFit/>
-          </a:bodyPr>
-          <a:lstStyle/>
-          <a:p>
-            <a:r>
-              <a:rPr lang="ru-RU" sz="5400" b="1" dirty="0">
-                <a:solidFill>
-                  <a:srgbClr val="FF0000"/>
-                </a:solidFill>
-                <a:latin typeface="Georgia" panose="02040502050405020303" pitchFamily="18" charset="0"/>
-              </a:rPr>
-              <a:t>5</a:t>
-            </a:r>
-          </a:p>
-        </p:txBody>
-      </p:sp>
-      <p:sp>
-        <p:nvSpPr>
-          <p:cNvPr id="10" name="TextBox 9">
-            <a:extLst>
-              <a:ext uri="{FF2B5EF4-FFF2-40B4-BE49-F238E27FC236}">
-                <a16:creationId xmlns:a16="http://schemas.microsoft.com/office/drawing/2014/main" id="{09D251EA-53D7-4F61-8F20-60B2E81660A9}"/>
-              </a:ext>
-            </a:extLst>
-          </p:cNvPr>
-          <p:cNvSpPr txBox="1"/>
-          <p:nvPr/>
-        </p:nvSpPr>
-        <p:spPr>
-          <a:xfrm>
-            <a:off x="4142791" y="4133303"/>
-            <a:ext cx="635110" cy="923330"/>
-          </a:xfrm>
-          <a:prstGeom prst="rect">
-            <a:avLst/>
-          </a:prstGeom>
-          <a:noFill/>
-        </p:spPr>
-        <p:txBody>
-          <a:bodyPr wrap="none" rtlCol="0">
-            <a:spAutoFit/>
-          </a:bodyPr>
-          <a:lstStyle/>
-          <a:p>
-            <a:r>
-              <a:rPr lang="ru-RU" sz="5400" b="1" dirty="0">
-                <a:solidFill>
-                  <a:srgbClr val="FF0000"/>
-                </a:solidFill>
-                <a:latin typeface="Georgia" panose="02040502050405020303" pitchFamily="18" charset="0"/>
-              </a:rPr>
-              <a:t>4</a:t>
-            </a:r>
-          </a:p>
-        </p:txBody>
-      </p:sp>
-      <p:sp>
-        <p:nvSpPr>
-          <p:cNvPr id="11" name="TextBox 10">
-            <a:extLst>
-              <a:ext uri="{FF2B5EF4-FFF2-40B4-BE49-F238E27FC236}">
-                <a16:creationId xmlns:a16="http://schemas.microsoft.com/office/drawing/2014/main" id="{C5AE208C-5E1A-48F7-A7E0-118F1C6D42F9}"/>
-              </a:ext>
-            </a:extLst>
-          </p:cNvPr>
-          <p:cNvSpPr txBox="1"/>
-          <p:nvPr/>
-        </p:nvSpPr>
-        <p:spPr>
-          <a:xfrm>
-            <a:off x="4359328" y="3346779"/>
-            <a:ext cx="567784" cy="923330"/>
-          </a:xfrm>
-          <a:prstGeom prst="rect">
-            <a:avLst/>
-          </a:prstGeom>
-          <a:noFill/>
-        </p:spPr>
-        <p:txBody>
-          <a:bodyPr wrap="none" rtlCol="0">
-            <a:spAutoFit/>
-          </a:bodyPr>
-          <a:lstStyle/>
-          <a:p>
-            <a:r>
-              <a:rPr lang="ru-RU" sz="5400" b="1" dirty="0">
-                <a:solidFill>
-                  <a:srgbClr val="FF0000"/>
-                </a:solidFill>
-                <a:latin typeface="Georgia" panose="02040502050405020303" pitchFamily="18" charset="0"/>
-              </a:rPr>
-              <a:t>7</a:t>
-            </a:r>
+          <a:ln w="38100">
+            <a:solidFill>
+              <a:srgbClr val="FF0000"/>
+            </a:solidFill>
+          </a:ln>
+        </p:spPr>
+        <p:style>
+          <a:lnRef idx="2">
+            <a:schemeClr val="accent1">
+              <a:shade val="50000"/>
+            </a:schemeClr>
+          </a:lnRef>
+          <a:fillRef idx="1">
+            <a:schemeClr val="accent1"/>
+          </a:fillRef>
+          <a:effectRef idx="0">
+            <a:schemeClr val="accent1"/>
+          </a:effectRef>
+          <a:fontRef idx="minor">
+            <a:schemeClr val="lt1"/>
+          </a:fontRef>
+        </p:style>
+        <p:txBody>
+          <a:bodyPr rtlCol="0" anchor="ctr"/>
+          <a:lstStyle/>
+          <a:p>
+            <a:pPr algn="ctr"/>
+            <a:endParaRPr lang="ru-RU"/>
           </a:p>
         </p:txBody>
       </p:sp>
       <p:pic>
         <p:nvPicPr>
-          <p:cNvPr id="12" name="Рисунок 11">
-            <a:extLst>
-              <a:ext uri="{FF2B5EF4-FFF2-40B4-BE49-F238E27FC236}">
-                <a16:creationId xmlns:a16="http://schemas.microsoft.com/office/drawing/2014/main" id="{1CE745AC-23BD-4AB8-9A6A-BE63B6443DBE}"/>
+          <p:cNvPr id="2" name="Рисунок 1">
+            <a:extLst>
+              <a:ext uri="{FF2B5EF4-FFF2-40B4-BE49-F238E27FC236}">
+                <a16:creationId xmlns:a16="http://schemas.microsoft.com/office/drawing/2014/main" id="{FA411AF0-67F4-4D03-AF0E-C7533396C80F}"/>
               </a:ext>
             </a:extLst>
           </p:cNvPr>
@@ -10286,101 +10014,27 @@
           <p:nvPr/>
         </p:nvPicPr>
         <p:blipFill>
-          <a:blip r:embed="rId4"/>
+          <a:blip r:embed="rId4">
+            <a:extLst>
+              <a:ext uri="{28A0092B-C50C-407E-A947-70E740481C1C}">
+                <a14:useLocalDpi xmlns:a14="http://schemas.microsoft.com/office/drawing/2010/main" val="0"/>
+              </a:ext>
+            </a:extLst>
+          </a:blip>
           <a:stretch>
             <a:fillRect/>
           </a:stretch>
         </p:blipFill>
         <p:spPr>
           <a:xfrm>
-            <a:off x="2967455" y="1505845"/>
-            <a:ext cx="4620357" cy="4782271"/>
+            <a:off x="9633888" y="87086"/>
+            <a:ext cx="2434495" cy="2434495"/>
           </a:xfrm>
           <a:prstGeom prst="rect">
             <a:avLst/>
           </a:prstGeom>
         </p:spPr>
       </p:pic>
-      <p:sp>
-        <p:nvSpPr>
-          <p:cNvPr id="13" name="TextBox 12">
-            <a:extLst>
-              <a:ext uri="{FF2B5EF4-FFF2-40B4-BE49-F238E27FC236}">
-                <a16:creationId xmlns:a16="http://schemas.microsoft.com/office/drawing/2014/main" id="{E80012E5-7434-4C5D-A143-B8184B108FF4}"/>
-              </a:ext>
-            </a:extLst>
-          </p:cNvPr>
-          <p:cNvSpPr txBox="1"/>
-          <p:nvPr/>
-        </p:nvSpPr>
-        <p:spPr>
-          <a:xfrm>
-            <a:off x="4916272" y="2751172"/>
-            <a:ext cx="524503" cy="923330"/>
-          </a:xfrm>
-          <a:prstGeom prst="rect">
-            <a:avLst/>
-          </a:prstGeom>
-          <a:noFill/>
-        </p:spPr>
-        <p:txBody>
-          <a:bodyPr wrap="none" rtlCol="0">
-            <a:spAutoFit/>
-          </a:bodyPr>
-          <a:lstStyle/>
-          <a:p>
-            <a:r>
-              <a:rPr lang="ru-RU" sz="5400" b="1" dirty="0">
-                <a:solidFill>
-                  <a:srgbClr val="FF0000"/>
-                </a:solidFill>
-                <a:latin typeface="Georgia" panose="02040502050405020303" pitchFamily="18" charset="0"/>
-              </a:rPr>
-              <a:t>1</a:t>
-            </a:r>
-          </a:p>
-        </p:txBody>
-      </p:sp>
-      <p:sp>
-        <p:nvSpPr>
-          <p:cNvPr id="14" name="TextBox 13">
-            <a:extLst>
-              <a:ext uri="{FF2B5EF4-FFF2-40B4-BE49-F238E27FC236}">
-                <a16:creationId xmlns:a16="http://schemas.microsoft.com/office/drawing/2014/main" id="{D372348B-60FE-451F-B1B1-59A440785687}"/>
-              </a:ext>
-            </a:extLst>
-          </p:cNvPr>
-          <p:cNvSpPr txBox="1"/>
-          <p:nvPr/>
-        </p:nvSpPr>
-        <p:spPr>
-          <a:xfrm>
-            <a:off x="3811050" y="4749044"/>
-            <a:ext cx="619080" cy="923330"/>
-          </a:xfrm>
-          <a:prstGeom prst="rect">
-            <a:avLst/>
-          </a:prstGeom>
-          <a:noFill/>
-        </p:spPr>
-        <p:txBody>
-          <a:bodyPr wrap="none" rtlCol="0">
-            <a:spAutoFit/>
-          </a:bodyPr>
-          <a:lstStyle/>
-          <a:p>
-            <a:r>
-              <a:rPr lang="ru-RU" sz="5400" b="1" dirty="0">
-                <a:solidFill>
-                  <a:srgbClr val="FF0000"/>
-                </a:solidFill>
-                <a:latin typeface="Georgia" panose="02040502050405020303" pitchFamily="18" charset="0"/>
-              </a:rPr>
-              <a:t>2</a:t>
-            </a:r>
-          </a:p>
-        </p:txBody>
-      </p:sp>
     </p:spTree>
     <p:extLst>
       <p:ext uri="{BB962C8B-B14F-4D97-AF65-F5344CB8AC3E}">
@@ -10411,47 +10065,12 @@
           <a:chExt cx="0" cy="0"/>
         </a:xfrm>
       </p:grpSpPr>
-      <p:sp>
-        <p:nvSpPr>
-          <p:cNvPr id="3" name="TextBox 2">
-            <a:extLst>
-              <a:ext uri="{FF2B5EF4-FFF2-40B4-BE49-F238E27FC236}">
-                <a16:creationId xmlns:a16="http://schemas.microsoft.com/office/drawing/2014/main" id="{5B842C9F-D229-4B1D-92C5-B5EE03C4553B}"/>
-              </a:ext>
-            </a:extLst>
-          </p:cNvPr>
-          <p:cNvSpPr txBox="1"/>
-          <p:nvPr/>
-        </p:nvSpPr>
-        <p:spPr>
-          <a:xfrm>
-            <a:off x="3415518" y="491412"/>
-            <a:ext cx="3712876" cy="707886"/>
-          </a:xfrm>
-          <a:prstGeom prst="rect">
-            <a:avLst/>
-          </a:prstGeom>
-          <a:noFill/>
-        </p:spPr>
-        <p:txBody>
-          <a:bodyPr wrap="none" rtlCol="0">
-            <a:spAutoFit/>
-          </a:bodyPr>
-          <a:lstStyle/>
-          <a:p>
-            <a:r>
-              <a:rPr lang="ru-RU" sz="4000" dirty="0"/>
-              <a:t>Основное окно</a:t>
-            </a:r>
-          </a:p>
-        </p:txBody>
-      </p:sp>
       <p:pic>
         <p:nvPicPr>
-          <p:cNvPr id="4" name="Рисунок 3">
-            <a:extLst>
-              <a:ext uri="{FF2B5EF4-FFF2-40B4-BE49-F238E27FC236}">
-                <a16:creationId xmlns:a16="http://schemas.microsoft.com/office/drawing/2014/main" id="{7E1C9F1F-4FBD-43DB-B360-65523C14760B}"/>
+          <p:cNvPr id="5" name="Рисунок 4">
+            <a:extLst>
+              <a:ext uri="{FF2B5EF4-FFF2-40B4-BE49-F238E27FC236}">
+                <a16:creationId xmlns:a16="http://schemas.microsoft.com/office/drawing/2014/main" id="{940B18C0-705F-4FFE-9EB3-A3A477F4ECD0}"/>
               </a:ext>
             </a:extLst>
           </p:cNvPr>
@@ -10461,33 +10080,102 @@
           <p:nvPr/>
         </p:nvPicPr>
         <p:blipFill>
-          <a:blip r:embed="rId2">
-            <a:extLst>
-              <a:ext uri="{28A0092B-C50C-407E-A947-70E740481C1C}">
-                <a14:useLocalDpi xmlns:a14="http://schemas.microsoft.com/office/drawing/2010/main" val="0"/>
-              </a:ext>
-            </a:extLst>
-          </a:blip>
+          <a:blip r:embed="rId2"/>
           <a:stretch>
             <a:fillRect/>
           </a:stretch>
         </p:blipFill>
         <p:spPr>
           <a:xfrm>
-            <a:off x="9633888" y="87086"/>
-            <a:ext cx="2434495" cy="2434495"/>
+            <a:off x="398873" y="1584316"/>
+            <a:ext cx="4620357" cy="4811424"/>
           </a:xfrm>
           <a:prstGeom prst="rect">
             <a:avLst/>
           </a:prstGeom>
         </p:spPr>
       </p:pic>
+      <p:sp>
+        <p:nvSpPr>
+          <p:cNvPr id="3" name="TextBox 2">
+            <a:extLst>
+              <a:ext uri="{FF2B5EF4-FFF2-40B4-BE49-F238E27FC236}">
+                <a16:creationId xmlns:a16="http://schemas.microsoft.com/office/drawing/2014/main" id="{5B842C9F-D229-4B1D-92C5-B5EE03C4553B}"/>
+              </a:ext>
+            </a:extLst>
+          </p:cNvPr>
+          <p:cNvSpPr txBox="1"/>
+          <p:nvPr/>
+        </p:nvSpPr>
+        <p:spPr>
+          <a:xfrm>
+            <a:off x="3415518" y="491412"/>
+            <a:ext cx="3712876" cy="707886"/>
+          </a:xfrm>
+          <a:prstGeom prst="rect">
+            <a:avLst/>
+          </a:prstGeom>
+          <a:noFill/>
+        </p:spPr>
+        <p:txBody>
+          <a:bodyPr wrap="none" rtlCol="0">
+            <a:spAutoFit/>
+          </a:bodyPr>
+          <a:lstStyle/>
+          <a:p>
+            <a:r>
+              <a:rPr lang="ru-RU" sz="4000" dirty="0"/>
+              <a:t>Основное окно</a:t>
+            </a:r>
+          </a:p>
+        </p:txBody>
+      </p:sp>
+      <p:sp>
+        <p:nvSpPr>
+          <p:cNvPr id="12" name="TextBox 11">
+            <a:extLst>
+              <a:ext uri="{FF2B5EF4-FFF2-40B4-BE49-F238E27FC236}">
+                <a16:creationId xmlns:a16="http://schemas.microsoft.com/office/drawing/2014/main" id="{C0218FB4-02DA-4550-85C2-C84C65185D8B}"/>
+              </a:ext>
+            </a:extLst>
+          </p:cNvPr>
+          <p:cNvSpPr txBox="1"/>
+          <p:nvPr/>
+        </p:nvSpPr>
+        <p:spPr>
+          <a:xfrm>
+            <a:off x="6976506" y="4266841"/>
+            <a:ext cx="633507" cy="923330"/>
+          </a:xfrm>
+          <a:prstGeom prst="rect">
+            <a:avLst/>
+          </a:prstGeom>
+          <a:noFill/>
+        </p:spPr>
+        <p:txBody>
+          <a:bodyPr wrap="none" rtlCol="0">
+            <a:spAutoFit/>
+          </a:bodyPr>
+          <a:lstStyle/>
+          <a:p>
+            <a:r>
+              <a:rPr lang="ru-RU" sz="5400" b="1" dirty="0">
+                <a:solidFill>
+                  <a:srgbClr val="FF0000"/>
+                </a:solidFill>
+                <a:latin typeface="Georgia" panose="02040502050405020303" pitchFamily="18" charset="0"/>
+              </a:rPr>
+              <a:t>6</a:t>
+            </a:r>
+          </a:p>
+        </p:txBody>
+      </p:sp>
       <p:pic>
         <p:nvPicPr>
-          <p:cNvPr id="5" name="Рисунок 4">
-            <a:extLst>
-              <a:ext uri="{FF2B5EF4-FFF2-40B4-BE49-F238E27FC236}">
-                <a16:creationId xmlns:a16="http://schemas.microsoft.com/office/drawing/2014/main" id="{940B18C0-705F-4FFE-9EB3-A3A477F4ECD0}"/>
+          <p:cNvPr id="13" name="Рисунок 12">
+            <a:extLst>
+              <a:ext uri="{FF2B5EF4-FFF2-40B4-BE49-F238E27FC236}">
+                <a16:creationId xmlns:a16="http://schemas.microsoft.com/office/drawing/2014/main" id="{2746CD69-ED96-4479-B253-7EA3B5BD8A13}"/>
               </a:ext>
             </a:extLst>
           </p:cNvPr>
@@ -10504,8 +10192,8 @@
         </p:blipFill>
         <p:spPr>
           <a:xfrm>
-            <a:off x="2938095" y="1437415"/>
-            <a:ext cx="4667722" cy="4860748"/>
+            <a:off x="6503364" y="1584316"/>
+            <a:ext cx="4620357" cy="4782271"/>
           </a:xfrm>
           <a:prstGeom prst="rect">
             <a:avLst/>
@@ -10514,10 +10202,163 @@
       </p:pic>
       <p:sp>
         <p:nvSpPr>
-          <p:cNvPr id="6" name="TextBox 5">
-            <a:extLst>
-              <a:ext uri="{FF2B5EF4-FFF2-40B4-BE49-F238E27FC236}">
-                <a16:creationId xmlns:a16="http://schemas.microsoft.com/office/drawing/2014/main" id="{05E21954-6AF4-4465-B9E7-E8B989AB7C25}"/>
+          <p:cNvPr id="14" name="Стрелка: вправо 13">
+            <a:extLst>
+              <a:ext uri="{FF2B5EF4-FFF2-40B4-BE49-F238E27FC236}">
+                <a16:creationId xmlns:a16="http://schemas.microsoft.com/office/drawing/2014/main" id="{9A93A288-127E-4633-80E7-1E63C2BA4D43}"/>
+              </a:ext>
+            </a:extLst>
+          </p:cNvPr>
+          <p:cNvSpPr/>
+          <p:nvPr/>
+        </p:nvSpPr>
+        <p:spPr>
+          <a:xfrm>
+            <a:off x="5169159" y="3620278"/>
+            <a:ext cx="1231641" cy="590938"/>
+          </a:xfrm>
+          <a:prstGeom prst="rightArrow">
+            <a:avLst/>
+          </a:prstGeom>
+          <a:solidFill>
+            <a:srgbClr val="FF0000"/>
+          </a:solidFill>
+        </p:spPr>
+        <p:style>
+          <a:lnRef idx="2">
+            <a:schemeClr val="accent5">
+              <a:shade val="50000"/>
+            </a:schemeClr>
+          </a:lnRef>
+          <a:fillRef idx="1">
+            <a:schemeClr val="accent5"/>
+          </a:fillRef>
+          <a:effectRef idx="0">
+            <a:schemeClr val="accent5"/>
+          </a:effectRef>
+          <a:fontRef idx="minor">
+            <a:schemeClr val="lt1"/>
+          </a:fontRef>
+        </p:style>
+        <p:txBody>
+          <a:bodyPr rtlCol="0" anchor="ctr"/>
+          <a:lstStyle/>
+          <a:p>
+            <a:pPr algn="ctr"/>
+            <a:endParaRPr lang="ru-RU"/>
+          </a:p>
+        </p:txBody>
+      </p:sp>
+      <p:sp>
+        <p:nvSpPr>
+          <p:cNvPr id="15" name="Прямоугольник: скругленные углы 14">
+            <a:extLst>
+              <a:ext uri="{FF2B5EF4-FFF2-40B4-BE49-F238E27FC236}">
+                <a16:creationId xmlns:a16="http://schemas.microsoft.com/office/drawing/2014/main" id="{BF886EF7-0BD6-496F-8690-D49504B798F7}"/>
+              </a:ext>
+            </a:extLst>
+          </p:cNvPr>
+          <p:cNvSpPr/>
+          <p:nvPr/>
+        </p:nvSpPr>
+        <p:spPr>
+          <a:xfrm>
+            <a:off x="2090057" y="4994988"/>
+            <a:ext cx="690466" cy="709125"/>
+          </a:xfrm>
+          <a:prstGeom prst="roundRect">
+            <a:avLst/>
+          </a:prstGeom>
+          <a:noFill/>
+          <a:ln w="38100">
+            <a:solidFill>
+              <a:srgbClr val="FF0000"/>
+            </a:solidFill>
+          </a:ln>
+        </p:spPr>
+        <p:style>
+          <a:lnRef idx="2">
+            <a:schemeClr val="accent1">
+              <a:shade val="50000"/>
+            </a:schemeClr>
+          </a:lnRef>
+          <a:fillRef idx="1">
+            <a:schemeClr val="accent1"/>
+          </a:fillRef>
+          <a:effectRef idx="0">
+            <a:schemeClr val="accent1"/>
+          </a:effectRef>
+          <a:fontRef idx="minor">
+            <a:schemeClr val="lt1"/>
+          </a:fontRef>
+        </p:style>
+        <p:txBody>
+          <a:bodyPr rtlCol="0" anchor="ctr"/>
+          <a:lstStyle/>
+          <a:p>
+            <a:pPr algn="ctr"/>
+            <a:endParaRPr lang="ru-RU"/>
+          </a:p>
+        </p:txBody>
+      </p:sp>
+      <p:sp>
+        <p:nvSpPr>
+          <p:cNvPr id="16" name="Прямоугольник: скругленные углы 15">
+            <a:extLst>
+              <a:ext uri="{FF2B5EF4-FFF2-40B4-BE49-F238E27FC236}">
+                <a16:creationId xmlns:a16="http://schemas.microsoft.com/office/drawing/2014/main" id="{C3C21A8D-692C-4B87-B883-A1DABE86DB93}"/>
+              </a:ext>
+            </a:extLst>
+          </p:cNvPr>
+          <p:cNvSpPr/>
+          <p:nvPr/>
+        </p:nvSpPr>
+        <p:spPr>
+          <a:xfrm>
+            <a:off x="877081" y="4708849"/>
+            <a:ext cx="821095" cy="286139"/>
+          </a:xfrm>
+          <a:prstGeom prst="roundRect">
+            <a:avLst/>
+          </a:prstGeom>
+          <a:noFill/>
+          <a:ln w="38100">
+            <a:solidFill>
+              <a:srgbClr val="FF0000"/>
+            </a:solidFill>
+          </a:ln>
+        </p:spPr>
+        <p:style>
+          <a:lnRef idx="2">
+            <a:schemeClr val="accent1">
+              <a:shade val="50000"/>
+            </a:schemeClr>
+          </a:lnRef>
+          <a:fillRef idx="1">
+            <a:schemeClr val="accent1"/>
+          </a:fillRef>
+          <a:effectRef idx="0">
+            <a:schemeClr val="accent1"/>
+          </a:effectRef>
+          <a:fontRef idx="minor">
+            <a:schemeClr val="lt1"/>
+          </a:fontRef>
+        </p:style>
+        <p:txBody>
+          <a:bodyPr rtlCol="0" anchor="ctr"/>
+          <a:lstStyle/>
+          <a:p>
+            <a:pPr algn="ctr"/>
+            <a:endParaRPr lang="ru-RU"/>
+          </a:p>
+        </p:txBody>
+      </p:sp>
+      <p:sp>
+        <p:nvSpPr>
+          <p:cNvPr id="17" name="TextBox 16">
+            <a:extLst>
+              <a:ext uri="{FF2B5EF4-FFF2-40B4-BE49-F238E27FC236}">
+                <a16:creationId xmlns:a16="http://schemas.microsoft.com/office/drawing/2014/main" id="{3016DA2E-5D76-4778-8A3F-CE0F514A43FE}"/>
               </a:ext>
             </a:extLst>
           </p:cNvPr>
@@ -10526,8 +10367,8 @@
         </p:nvSpPr>
         <p:spPr>
           <a:xfrm>
-            <a:off x="4747453" y="5180332"/>
-            <a:ext cx="524503" cy="923330"/>
+            <a:off x="2447945" y="5265096"/>
+            <a:ext cx="360996" cy="523220"/>
           </a:xfrm>
           <a:prstGeom prst="rect">
             <a:avLst/>
@@ -10541,7 +10382,7 @@
           <a:lstStyle/>
           <a:p>
             <a:r>
-              <a:rPr lang="ru-RU" sz="5400" b="1" dirty="0">
+              <a:rPr lang="ru-RU" sz="2800" b="1" dirty="0">
                 <a:solidFill>
                   <a:srgbClr val="FF0000"/>
                 </a:solidFill>
@@ -10554,10 +10395,10 @@
       </p:sp>
       <p:sp>
         <p:nvSpPr>
-          <p:cNvPr id="7" name="TextBox 6">
-            <a:extLst>
-              <a:ext uri="{FF2B5EF4-FFF2-40B4-BE49-F238E27FC236}">
-                <a16:creationId xmlns:a16="http://schemas.microsoft.com/office/drawing/2014/main" id="{DA2FE1F6-15FC-4341-AC88-BD2305FB7203}"/>
+          <p:cNvPr id="18" name="TextBox 17">
+            <a:extLst>
+              <a:ext uri="{FF2B5EF4-FFF2-40B4-BE49-F238E27FC236}">
+                <a16:creationId xmlns:a16="http://schemas.microsoft.com/office/drawing/2014/main" id="{B1E0E73A-B79F-45D6-8162-90E0DA68196E}"/>
               </a:ext>
             </a:extLst>
           </p:cNvPr>
@@ -10566,8 +10407,8 @@
         </p:nvSpPr>
         <p:spPr>
           <a:xfrm>
-            <a:off x="4128373" y="4137944"/>
-            <a:ext cx="619080" cy="923330"/>
+            <a:off x="1638271" y="4590308"/>
+            <a:ext cx="409086" cy="523220"/>
           </a:xfrm>
           <a:prstGeom prst="rect">
             <a:avLst/>
@@ -10581,7 +10422,7 @@
           <a:lstStyle/>
           <a:p>
             <a:r>
-              <a:rPr lang="ru-RU" sz="5400" b="1" dirty="0">
+              <a:rPr lang="ru-RU" sz="2800" b="1" dirty="0">
                 <a:solidFill>
                   <a:srgbClr val="FF0000"/>
                 </a:solidFill>
@@ -10592,6 +10433,72 @@
           </a:p>
         </p:txBody>
       </p:sp>
+      <p:pic>
+        <p:nvPicPr>
+          <p:cNvPr id="19" name="Рисунок 18">
+            <a:extLst>
+              <a:ext uri="{FF2B5EF4-FFF2-40B4-BE49-F238E27FC236}">
+                <a16:creationId xmlns:a16="http://schemas.microsoft.com/office/drawing/2014/main" id="{488EFDDA-F3C0-4E62-A9BB-980689E27B7D}"/>
+              </a:ext>
+            </a:extLst>
+          </p:cNvPr>
+          <p:cNvPicPr>
+            <a:picLocks noChangeAspect="1"/>
+          </p:cNvPicPr>
+          <p:nvPr/>
+        </p:nvPicPr>
+        <p:blipFill>
+          <a:blip r:embed="rId4"/>
+          <a:stretch>
+            <a:fillRect/>
+          </a:stretch>
+        </p:blipFill>
+        <p:spPr>
+          <a:xfrm>
+            <a:off x="6503364" y="1588437"/>
+            <a:ext cx="4678983" cy="4860748"/>
+          </a:xfrm>
+          <a:prstGeom prst="rect">
+            <a:avLst/>
+          </a:prstGeom>
+        </p:spPr>
+      </p:pic>
+      <p:pic>
+        <p:nvPicPr>
+          <p:cNvPr id="4" name="Рисунок 3">
+            <a:extLst>
+              <a:ext uri="{FF2B5EF4-FFF2-40B4-BE49-F238E27FC236}">
+                <a16:creationId xmlns:a16="http://schemas.microsoft.com/office/drawing/2014/main" id="{7E1C9F1F-4FBD-43DB-B360-65523C14760B}"/>
+              </a:ext>
+            </a:extLst>
+          </p:cNvPr>
+          <p:cNvPicPr>
+            <a:picLocks noChangeAspect="1"/>
+          </p:cNvPicPr>
+          <p:nvPr/>
+        </p:nvPicPr>
+        <p:blipFill>
+          <a:blip r:embed="rId5">
+            <a:extLst>
+              <a:ext uri="{28A0092B-C50C-407E-A947-70E740481C1C}">
+                <a14:useLocalDpi xmlns:a14="http://schemas.microsoft.com/office/drawing/2010/main" val="0"/>
+              </a:ext>
+            </a:extLst>
+          </a:blip>
+          <a:stretch>
+            <a:fillRect/>
+          </a:stretch>
+        </p:blipFill>
+        <p:spPr>
+          <a:xfrm>
+            <a:off x="9633888" y="87086"/>
+            <a:ext cx="2434495" cy="2434495"/>
+          </a:xfrm>
+          <a:prstGeom prst="rect">
+            <a:avLst/>
+          </a:prstGeom>
+        </p:spPr>
+      </p:pic>
     </p:spTree>
     <p:extLst>
       <p:ext uri="{BB962C8B-B14F-4D97-AF65-F5344CB8AC3E}">
@@ -10622,47 +10529,12 @@
           <a:chExt cx="0" cy="0"/>
         </a:xfrm>
       </p:grpSpPr>
-      <p:sp>
-        <p:nvSpPr>
-          <p:cNvPr id="3" name="TextBox 2">
-            <a:extLst>
-              <a:ext uri="{FF2B5EF4-FFF2-40B4-BE49-F238E27FC236}">
-                <a16:creationId xmlns:a16="http://schemas.microsoft.com/office/drawing/2014/main" id="{5B842C9F-D229-4B1D-92C5-B5EE03C4553B}"/>
-              </a:ext>
-            </a:extLst>
-          </p:cNvPr>
-          <p:cNvSpPr txBox="1"/>
-          <p:nvPr/>
-        </p:nvSpPr>
-        <p:spPr>
-          <a:xfrm>
-            <a:off x="3415518" y="491412"/>
-            <a:ext cx="3712876" cy="707886"/>
-          </a:xfrm>
-          <a:prstGeom prst="rect">
-            <a:avLst/>
-          </a:prstGeom>
-          <a:noFill/>
-        </p:spPr>
-        <p:txBody>
-          <a:bodyPr wrap="none" rtlCol="0">
-            <a:spAutoFit/>
-          </a:bodyPr>
-          <a:lstStyle/>
-          <a:p>
-            <a:r>
-              <a:rPr lang="ru-RU" sz="4000" dirty="0"/>
-              <a:t>Основное окно</a:t>
-            </a:r>
-          </a:p>
-        </p:txBody>
-      </p:sp>
       <p:pic>
         <p:nvPicPr>
-          <p:cNvPr id="4" name="Рисунок 3">
-            <a:extLst>
-              <a:ext uri="{FF2B5EF4-FFF2-40B4-BE49-F238E27FC236}">
-                <a16:creationId xmlns:a16="http://schemas.microsoft.com/office/drawing/2014/main" id="{7E1C9F1F-4FBD-43DB-B360-65523C14760B}"/>
+          <p:cNvPr id="10" name="Рисунок 9">
+            <a:extLst>
+              <a:ext uri="{FF2B5EF4-FFF2-40B4-BE49-F238E27FC236}">
+                <a16:creationId xmlns:a16="http://schemas.microsoft.com/office/drawing/2014/main" id="{3C4BDFE0-4256-4932-BB45-E14CE7B6BA16}"/>
               </a:ext>
             </a:extLst>
           </p:cNvPr>
@@ -10672,21 +10544,15 @@
           <p:nvPr/>
         </p:nvPicPr>
         <p:blipFill>
-          <a:blip r:embed="rId2">
-            <a:extLst>
-              <a:ext uri="{28A0092B-C50C-407E-A947-70E740481C1C}">
-                <a14:useLocalDpi xmlns:a14="http://schemas.microsoft.com/office/drawing/2010/main" val="0"/>
-              </a:ext>
-            </a:extLst>
-          </a:blip>
+          <a:blip r:embed="rId2"/>
           <a:stretch>
             <a:fillRect/>
           </a:stretch>
         </p:blipFill>
         <p:spPr>
           <a:xfrm>
-            <a:off x="9633888" y="87086"/>
-            <a:ext cx="2434495" cy="2434495"/>
+            <a:off x="387612" y="1588437"/>
+            <a:ext cx="4678983" cy="4860748"/>
           </a:xfrm>
           <a:prstGeom prst="rect">
             <a:avLst/>
@@ -10695,10 +10561,10 @@
       </p:pic>
       <p:sp>
         <p:nvSpPr>
-          <p:cNvPr id="6" name="TextBox 5">
-            <a:extLst>
-              <a:ext uri="{FF2B5EF4-FFF2-40B4-BE49-F238E27FC236}">
-                <a16:creationId xmlns:a16="http://schemas.microsoft.com/office/drawing/2014/main" id="{05E21954-6AF4-4465-B9E7-E8B989AB7C25}"/>
+          <p:cNvPr id="3" name="TextBox 2">
+            <a:extLst>
+              <a:ext uri="{FF2B5EF4-FFF2-40B4-BE49-F238E27FC236}">
+                <a16:creationId xmlns:a16="http://schemas.microsoft.com/office/drawing/2014/main" id="{5B842C9F-D229-4B1D-92C5-B5EE03C4553B}"/>
               </a:ext>
             </a:extLst>
           </p:cNvPr>
@@ -10707,8 +10573,43 @@
         </p:nvSpPr>
         <p:spPr>
           <a:xfrm>
-            <a:off x="4747453" y="5180332"/>
-            <a:ext cx="524503" cy="923330"/>
+            <a:off x="3415518" y="491412"/>
+            <a:ext cx="3712876" cy="707886"/>
+          </a:xfrm>
+          <a:prstGeom prst="rect">
+            <a:avLst/>
+          </a:prstGeom>
+          <a:noFill/>
+        </p:spPr>
+        <p:txBody>
+          <a:bodyPr wrap="none" rtlCol="0">
+            <a:spAutoFit/>
+          </a:bodyPr>
+          <a:lstStyle/>
+          <a:p>
+            <a:r>
+              <a:rPr lang="ru-RU" sz="4000" dirty="0"/>
+              <a:t>Основное окно</a:t>
+            </a:r>
+          </a:p>
+        </p:txBody>
+      </p:sp>
+      <p:sp>
+        <p:nvSpPr>
+          <p:cNvPr id="12" name="TextBox 11">
+            <a:extLst>
+              <a:ext uri="{FF2B5EF4-FFF2-40B4-BE49-F238E27FC236}">
+                <a16:creationId xmlns:a16="http://schemas.microsoft.com/office/drawing/2014/main" id="{53CE0D4C-7D2B-42B2-965C-A6F9C076E7A4}"/>
+              </a:ext>
+            </a:extLst>
+          </p:cNvPr>
+          <p:cNvSpPr txBox="1"/>
+          <p:nvPr/>
+        </p:nvSpPr>
+        <p:spPr>
+          <a:xfrm>
+            <a:off x="6976506" y="4266841"/>
+            <a:ext cx="633507" cy="923330"/>
           </a:xfrm>
           <a:prstGeom prst="rect">
             <a:avLst/>
@@ -10728,57 +10629,148 @@
                 </a:solidFill>
                 <a:latin typeface="Georgia" panose="02040502050405020303" pitchFamily="18" charset="0"/>
               </a:rPr>
-              <a:t>1</a:t>
-            </a:r>
-          </a:p>
-        </p:txBody>
-      </p:sp>
-      <p:sp>
-        <p:nvSpPr>
-          <p:cNvPr id="7" name="TextBox 6">
-            <a:extLst>
-              <a:ext uri="{FF2B5EF4-FFF2-40B4-BE49-F238E27FC236}">
-                <a16:creationId xmlns:a16="http://schemas.microsoft.com/office/drawing/2014/main" id="{DA2FE1F6-15FC-4341-AC88-BD2305FB7203}"/>
-              </a:ext>
-            </a:extLst>
-          </p:cNvPr>
-          <p:cNvSpPr txBox="1"/>
-          <p:nvPr/>
-        </p:nvSpPr>
-        <p:spPr>
-          <a:xfrm>
-            <a:off x="4128373" y="4137944"/>
-            <a:ext cx="619080" cy="923330"/>
-          </a:xfrm>
-          <a:prstGeom prst="rect">
+              <a:t>6</a:t>
+            </a:r>
+          </a:p>
+        </p:txBody>
+      </p:sp>
+      <p:sp>
+        <p:nvSpPr>
+          <p:cNvPr id="13" name="Стрелка: вправо 12">
+            <a:extLst>
+              <a:ext uri="{FF2B5EF4-FFF2-40B4-BE49-F238E27FC236}">
+                <a16:creationId xmlns:a16="http://schemas.microsoft.com/office/drawing/2014/main" id="{BF6A0D33-D59E-413F-8D05-8CD9AB8E6AD6}"/>
+              </a:ext>
+            </a:extLst>
+          </p:cNvPr>
+          <p:cNvSpPr/>
+          <p:nvPr/>
+        </p:nvSpPr>
+        <p:spPr>
+          <a:xfrm>
+            <a:off x="5169159" y="3620278"/>
+            <a:ext cx="1231641" cy="590938"/>
+          </a:xfrm>
+          <a:prstGeom prst="rightArrow">
+            <a:avLst/>
+          </a:prstGeom>
+          <a:solidFill>
+            <a:srgbClr val="FF0000"/>
+          </a:solidFill>
+        </p:spPr>
+        <p:style>
+          <a:lnRef idx="2">
+            <a:schemeClr val="accent5">
+              <a:shade val="50000"/>
+            </a:schemeClr>
+          </a:lnRef>
+          <a:fillRef idx="1">
+            <a:schemeClr val="accent5"/>
+          </a:fillRef>
+          <a:effectRef idx="0">
+            <a:schemeClr val="accent5"/>
+          </a:effectRef>
+          <a:fontRef idx="minor">
+            <a:schemeClr val="lt1"/>
+          </a:fontRef>
+        </p:style>
+        <p:txBody>
+          <a:bodyPr rtlCol="0" anchor="ctr"/>
+          <a:lstStyle/>
+          <a:p>
+            <a:pPr algn="ctr"/>
+            <a:endParaRPr lang="ru-RU"/>
+          </a:p>
+        </p:txBody>
+      </p:sp>
+      <p:sp>
+        <p:nvSpPr>
+          <p:cNvPr id="14" name="Прямоугольник: скругленные углы 13">
+            <a:extLst>
+              <a:ext uri="{FF2B5EF4-FFF2-40B4-BE49-F238E27FC236}">
+                <a16:creationId xmlns:a16="http://schemas.microsoft.com/office/drawing/2014/main" id="{A70B1864-ECA7-4022-872F-3BDA8A08110D}"/>
+              </a:ext>
+            </a:extLst>
+          </p:cNvPr>
+          <p:cNvSpPr/>
+          <p:nvPr/>
+        </p:nvSpPr>
+        <p:spPr>
+          <a:xfrm>
+            <a:off x="2618791" y="4099250"/>
+            <a:ext cx="312239" cy="485192"/>
+          </a:xfrm>
+          <a:prstGeom prst="roundRect">
             <a:avLst/>
           </a:prstGeom>
           <a:noFill/>
-        </p:spPr>
-        <p:txBody>
-          <a:bodyPr wrap="none" rtlCol="0">
-            <a:spAutoFit/>
-          </a:bodyPr>
-          <a:lstStyle/>
-          <a:p>
-            <a:r>
-              <a:rPr lang="ru-RU" sz="5400" b="1" dirty="0">
-                <a:solidFill>
-                  <a:srgbClr val="FF0000"/>
-                </a:solidFill>
-                <a:latin typeface="Georgia" panose="02040502050405020303" pitchFamily="18" charset="0"/>
-              </a:rPr>
-              <a:t>2</a:t>
-            </a:r>
+          <a:ln w="38100">
+            <a:solidFill>
+              <a:srgbClr val="FF0000"/>
+            </a:solidFill>
+          </a:ln>
+        </p:spPr>
+        <p:style>
+          <a:lnRef idx="2">
+            <a:schemeClr val="accent1">
+              <a:shade val="50000"/>
+            </a:schemeClr>
+          </a:lnRef>
+          <a:fillRef idx="1">
+            <a:schemeClr val="accent1"/>
+          </a:fillRef>
+          <a:effectRef idx="0">
+            <a:schemeClr val="accent1"/>
+          </a:effectRef>
+          <a:fontRef idx="minor">
+            <a:schemeClr val="lt1"/>
+          </a:fontRef>
+        </p:style>
+        <p:txBody>
+          <a:bodyPr rtlCol="0" anchor="ctr"/>
+          <a:lstStyle/>
+          <a:p>
+            <a:pPr algn="ctr"/>
+            <a:endParaRPr lang="ru-RU"/>
           </a:p>
         </p:txBody>
       </p:sp>
       <p:pic>
         <p:nvPicPr>
-          <p:cNvPr id="2" name="Рисунок 1">
-            <a:extLst>
-              <a:ext uri="{FF2B5EF4-FFF2-40B4-BE49-F238E27FC236}">
-                <a16:creationId xmlns:a16="http://schemas.microsoft.com/office/drawing/2014/main" id="{C21AB352-275F-4817-BBDB-E854240E7ABB}"/>
+          <p:cNvPr id="17" name="Рисунок 16">
+            <a:extLst>
+              <a:ext uri="{FF2B5EF4-FFF2-40B4-BE49-F238E27FC236}">
+                <a16:creationId xmlns:a16="http://schemas.microsoft.com/office/drawing/2014/main" id="{DFA93571-984E-45EE-B46D-BE9A83C13212}"/>
+              </a:ext>
+            </a:extLst>
+          </p:cNvPr>
+          <p:cNvPicPr>
+            <a:picLocks noChangeAspect="1"/>
+          </p:cNvPicPr>
+          <p:nvPr/>
+        </p:nvPicPr>
+        <p:blipFill>
+          <a:blip r:embed="rId2"/>
+          <a:stretch>
+            <a:fillRect/>
+          </a:stretch>
+        </p:blipFill>
+        <p:spPr>
+          <a:xfrm>
+            <a:off x="6503364" y="1588437"/>
+            <a:ext cx="4678983" cy="4860748"/>
+          </a:xfrm>
+          <a:prstGeom prst="rect">
+            <a:avLst/>
+          </a:prstGeom>
+        </p:spPr>
+      </p:pic>
+      <p:pic>
+        <p:nvPicPr>
+          <p:cNvPr id="18" name="Рисунок 17">
+            <a:extLst>
+              <a:ext uri="{FF2B5EF4-FFF2-40B4-BE49-F238E27FC236}">
+                <a16:creationId xmlns:a16="http://schemas.microsoft.com/office/drawing/2014/main" id="{948493E7-58A5-49BF-AE57-D79833F260CB}"/>
               </a:ext>
             </a:extLst>
           </p:cNvPr>
@@ -10795,94 +10787,50 @@
         </p:blipFill>
         <p:spPr>
           <a:xfrm>
-            <a:off x="2932464" y="1505840"/>
-            <a:ext cx="4678983" cy="4860748"/>
+            <a:off x="6503364" y="1588437"/>
+            <a:ext cx="4690504" cy="4860748"/>
           </a:xfrm>
           <a:prstGeom prst="rect">
             <a:avLst/>
           </a:prstGeom>
         </p:spPr>
       </p:pic>
-      <p:sp>
-        <p:nvSpPr>
-          <p:cNvPr id="8" name="TextBox 7">
-            <a:extLst>
-              <a:ext uri="{FF2B5EF4-FFF2-40B4-BE49-F238E27FC236}">
-                <a16:creationId xmlns:a16="http://schemas.microsoft.com/office/drawing/2014/main" id="{DF464202-8A1B-4E0B-A74D-DD8CB7CF382B}"/>
-              </a:ext>
-            </a:extLst>
-          </p:cNvPr>
-          <p:cNvSpPr txBox="1"/>
-          <p:nvPr/>
-        </p:nvSpPr>
-        <p:spPr>
-          <a:xfrm>
-            <a:off x="4747453" y="4890495"/>
-            <a:ext cx="524503" cy="923330"/>
-          </a:xfrm>
-          <a:prstGeom prst="rect">
-            <a:avLst/>
-          </a:prstGeom>
-          <a:noFill/>
-        </p:spPr>
-        <p:txBody>
-          <a:bodyPr wrap="none" rtlCol="0">
-            <a:spAutoFit/>
-          </a:bodyPr>
-          <a:lstStyle/>
-          <a:p>
-            <a:r>
-              <a:rPr lang="ru-RU" sz="5400" b="1" dirty="0">
-                <a:solidFill>
-                  <a:srgbClr val="FF0000"/>
-                </a:solidFill>
-                <a:latin typeface="Georgia" panose="02040502050405020303" pitchFamily="18" charset="0"/>
-              </a:rPr>
-              <a:t>1</a:t>
-            </a:r>
-          </a:p>
-        </p:txBody>
-      </p:sp>
-      <p:sp>
-        <p:nvSpPr>
-          <p:cNvPr id="9" name="TextBox 8">
-            <a:extLst>
-              <a:ext uri="{FF2B5EF4-FFF2-40B4-BE49-F238E27FC236}">
-                <a16:creationId xmlns:a16="http://schemas.microsoft.com/office/drawing/2014/main" id="{7127229C-8C27-438E-90F1-269BA427BF37}"/>
-              </a:ext>
-            </a:extLst>
-          </p:cNvPr>
-          <p:cNvSpPr txBox="1"/>
-          <p:nvPr/>
-        </p:nvSpPr>
-        <p:spPr>
-          <a:xfrm>
-            <a:off x="5341502" y="3752748"/>
-            <a:ext cx="619080" cy="923330"/>
-          </a:xfrm>
-          <a:prstGeom prst="rect">
-            <a:avLst/>
-          </a:prstGeom>
-          <a:noFill/>
-        </p:spPr>
-        <p:txBody>
-          <a:bodyPr wrap="none" rtlCol="0">
-            <a:spAutoFit/>
-          </a:bodyPr>
-          <a:lstStyle/>
-          <a:p>
-            <a:r>
-              <a:rPr lang="ru-RU" sz="5400" b="1" dirty="0">
-                <a:solidFill>
-                  <a:srgbClr val="FF0000"/>
-                </a:solidFill>
-                <a:latin typeface="Georgia" panose="02040502050405020303" pitchFamily="18" charset="0"/>
-              </a:rPr>
-              <a:t>2</a:t>
-            </a:r>
-          </a:p>
-        </p:txBody>
-      </p:sp>
+      <p:pic>
+        <p:nvPicPr>
+          <p:cNvPr id="4" name="Рисунок 3">
+            <a:extLst>
+              <a:ext uri="{FF2B5EF4-FFF2-40B4-BE49-F238E27FC236}">
+                <a16:creationId xmlns:a16="http://schemas.microsoft.com/office/drawing/2014/main" id="{7E1C9F1F-4FBD-43DB-B360-65523C14760B}"/>
+              </a:ext>
+            </a:extLst>
+          </p:cNvPr>
+          <p:cNvPicPr>
+            <a:picLocks noChangeAspect="1"/>
+          </p:cNvPicPr>
+          <p:nvPr/>
+        </p:nvPicPr>
+        <p:blipFill>
+          <a:blip r:embed="rId4">
+            <a:extLst>
+              <a:ext uri="{28A0092B-C50C-407E-A947-70E740481C1C}">
+                <a14:useLocalDpi xmlns:a14="http://schemas.microsoft.com/office/drawing/2010/main" val="0"/>
+              </a:ext>
+            </a:extLst>
+          </a:blip>
+          <a:stretch>
+            <a:fillRect/>
+          </a:stretch>
+        </p:blipFill>
+        <p:spPr>
+          <a:xfrm>
+            <a:off x="9633888" y="87086"/>
+            <a:ext cx="2434495" cy="2434495"/>
+          </a:xfrm>
+          <a:prstGeom prst="rect">
+            <a:avLst/>
+          </a:prstGeom>
+        </p:spPr>
+      </p:pic>
     </p:spTree>
     <p:extLst>
       <p:ext uri="{BB962C8B-B14F-4D97-AF65-F5344CB8AC3E}">
@@ -10913,47 +10861,12 @@
           <a:chExt cx="0" cy="0"/>
         </a:xfrm>
       </p:grpSpPr>
-      <p:sp>
-        <p:nvSpPr>
-          <p:cNvPr id="3" name="TextBox 2">
-            <a:extLst>
-              <a:ext uri="{FF2B5EF4-FFF2-40B4-BE49-F238E27FC236}">
-                <a16:creationId xmlns:a16="http://schemas.microsoft.com/office/drawing/2014/main" id="{5B842C9F-D229-4B1D-92C5-B5EE03C4553B}"/>
-              </a:ext>
-            </a:extLst>
-          </p:cNvPr>
-          <p:cNvSpPr txBox="1"/>
-          <p:nvPr/>
-        </p:nvSpPr>
-        <p:spPr>
-          <a:xfrm>
-            <a:off x="3415518" y="491412"/>
-            <a:ext cx="3712876" cy="707886"/>
-          </a:xfrm>
-          <a:prstGeom prst="rect">
-            <a:avLst/>
-          </a:prstGeom>
-          <a:noFill/>
-        </p:spPr>
-        <p:txBody>
-          <a:bodyPr wrap="none" rtlCol="0">
-            <a:spAutoFit/>
-          </a:bodyPr>
-          <a:lstStyle/>
-          <a:p>
-            <a:r>
-              <a:rPr lang="ru-RU" sz="4000" dirty="0"/>
-              <a:t>Основное окно</a:t>
-            </a:r>
-          </a:p>
-        </p:txBody>
-      </p:sp>
       <p:pic>
         <p:nvPicPr>
-          <p:cNvPr id="4" name="Рисунок 3">
-            <a:extLst>
-              <a:ext uri="{FF2B5EF4-FFF2-40B4-BE49-F238E27FC236}">
-                <a16:creationId xmlns:a16="http://schemas.microsoft.com/office/drawing/2014/main" id="{7E1C9F1F-4FBD-43DB-B360-65523C14760B}"/>
+          <p:cNvPr id="5" name="Рисунок 4">
+            <a:extLst>
+              <a:ext uri="{FF2B5EF4-FFF2-40B4-BE49-F238E27FC236}">
+                <a16:creationId xmlns:a16="http://schemas.microsoft.com/office/drawing/2014/main" id="{734C4807-68C3-4480-9296-722CE027C4EB}"/>
               </a:ext>
             </a:extLst>
           </p:cNvPr>
@@ -10963,21 +10876,15 @@
           <p:nvPr/>
         </p:nvPicPr>
         <p:blipFill>
-          <a:blip r:embed="rId2">
-            <a:extLst>
-              <a:ext uri="{28A0092B-C50C-407E-A947-70E740481C1C}">
-                <a14:useLocalDpi xmlns:a14="http://schemas.microsoft.com/office/drawing/2010/main" val="0"/>
-              </a:ext>
-            </a:extLst>
-          </a:blip>
+          <a:blip r:embed="rId2"/>
           <a:stretch>
             <a:fillRect/>
           </a:stretch>
         </p:blipFill>
         <p:spPr>
           <a:xfrm>
-            <a:off x="9633888" y="87086"/>
-            <a:ext cx="2434495" cy="2434495"/>
+            <a:off x="393670" y="1588436"/>
+            <a:ext cx="4685060" cy="4860749"/>
           </a:xfrm>
           <a:prstGeom prst="rect">
             <a:avLst/>
@@ -10986,10 +10893,10 @@
       </p:pic>
       <p:sp>
         <p:nvSpPr>
-          <p:cNvPr id="6" name="TextBox 5">
-            <a:extLst>
-              <a:ext uri="{FF2B5EF4-FFF2-40B4-BE49-F238E27FC236}">
-                <a16:creationId xmlns:a16="http://schemas.microsoft.com/office/drawing/2014/main" id="{05E21954-6AF4-4465-B9E7-E8B989AB7C25}"/>
+          <p:cNvPr id="3" name="TextBox 2">
+            <a:extLst>
+              <a:ext uri="{FF2B5EF4-FFF2-40B4-BE49-F238E27FC236}">
+                <a16:creationId xmlns:a16="http://schemas.microsoft.com/office/drawing/2014/main" id="{5B842C9F-D229-4B1D-92C5-B5EE03C4553B}"/>
               </a:ext>
             </a:extLst>
           </p:cNvPr>
@@ -10998,8 +10905,8 @@
         </p:nvSpPr>
         <p:spPr>
           <a:xfrm>
-            <a:off x="4747453" y="5180332"/>
-            <a:ext cx="524503" cy="923330"/>
+            <a:off x="3415518" y="491412"/>
+            <a:ext cx="3712876" cy="707886"/>
           </a:xfrm>
           <a:prstGeom prst="rect">
             <a:avLst/>
@@ -11013,63 +10920,67 @@
           <a:lstStyle/>
           <a:p>
             <a:r>
-              <a:rPr lang="ru-RU" sz="5400" b="1" dirty="0">
-                <a:solidFill>
-                  <a:srgbClr val="FF0000"/>
-                </a:solidFill>
-                <a:latin typeface="Georgia" panose="02040502050405020303" pitchFamily="18" charset="0"/>
-              </a:rPr>
-              <a:t>1</a:t>
-            </a:r>
-          </a:p>
-        </p:txBody>
-      </p:sp>
-      <p:sp>
-        <p:nvSpPr>
-          <p:cNvPr id="7" name="TextBox 6">
-            <a:extLst>
-              <a:ext uri="{FF2B5EF4-FFF2-40B4-BE49-F238E27FC236}">
-                <a16:creationId xmlns:a16="http://schemas.microsoft.com/office/drawing/2014/main" id="{DA2FE1F6-15FC-4341-AC88-BD2305FB7203}"/>
-              </a:ext>
-            </a:extLst>
-          </p:cNvPr>
-          <p:cNvSpPr txBox="1"/>
-          <p:nvPr/>
-        </p:nvSpPr>
-        <p:spPr>
-          <a:xfrm>
-            <a:off x="4128373" y="4137944"/>
-            <a:ext cx="619080" cy="923330"/>
-          </a:xfrm>
-          <a:prstGeom prst="rect">
-            <a:avLst/>
-          </a:prstGeom>
-          <a:noFill/>
-        </p:spPr>
-        <p:txBody>
-          <a:bodyPr wrap="none" rtlCol="0">
-            <a:spAutoFit/>
-          </a:bodyPr>
-          <a:lstStyle/>
-          <a:p>
-            <a:r>
-              <a:rPr lang="ru-RU" sz="5400" b="1" dirty="0">
-                <a:solidFill>
-                  <a:srgbClr val="FF0000"/>
-                </a:solidFill>
-                <a:latin typeface="Georgia" panose="02040502050405020303" pitchFamily="18" charset="0"/>
-              </a:rPr>
-              <a:t>2</a:t>
-            </a:r>
+              <a:rPr lang="ru-RU" sz="4000" dirty="0"/>
+              <a:t>Основное окно</a:t>
+            </a:r>
+          </a:p>
+        </p:txBody>
+      </p:sp>
+      <p:sp>
+        <p:nvSpPr>
+          <p:cNvPr id="14" name="Стрелка: вправо 13">
+            <a:extLst>
+              <a:ext uri="{FF2B5EF4-FFF2-40B4-BE49-F238E27FC236}">
+                <a16:creationId xmlns:a16="http://schemas.microsoft.com/office/drawing/2014/main" id="{1F30009F-9863-4057-8271-B8D28B61AEFF}"/>
+              </a:ext>
+            </a:extLst>
+          </p:cNvPr>
+          <p:cNvSpPr/>
+          <p:nvPr/>
+        </p:nvSpPr>
+        <p:spPr>
+          <a:xfrm>
+            <a:off x="5169159" y="3620278"/>
+            <a:ext cx="1231641" cy="590938"/>
+          </a:xfrm>
+          <a:prstGeom prst="rightArrow">
+            <a:avLst/>
+          </a:prstGeom>
+          <a:solidFill>
+            <a:srgbClr val="FF0000"/>
+          </a:solidFill>
+        </p:spPr>
+        <p:style>
+          <a:lnRef idx="2">
+            <a:schemeClr val="accent5">
+              <a:shade val="50000"/>
+            </a:schemeClr>
+          </a:lnRef>
+          <a:fillRef idx="1">
+            <a:schemeClr val="accent5"/>
+          </a:fillRef>
+          <a:effectRef idx="0">
+            <a:schemeClr val="accent5"/>
+          </a:effectRef>
+          <a:fontRef idx="minor">
+            <a:schemeClr val="lt1"/>
+          </a:fontRef>
+        </p:style>
+        <p:txBody>
+          <a:bodyPr rtlCol="0" anchor="ctr"/>
+          <a:lstStyle/>
+          <a:p>
+            <a:pPr algn="ctr"/>
+            <a:endParaRPr lang="ru-RU"/>
           </a:p>
         </p:txBody>
       </p:sp>
       <p:pic>
         <p:nvPicPr>
-          <p:cNvPr id="2" name="Рисунок 1">
-            <a:extLst>
-              <a:ext uri="{FF2B5EF4-FFF2-40B4-BE49-F238E27FC236}">
-                <a16:creationId xmlns:a16="http://schemas.microsoft.com/office/drawing/2014/main" id="{C21AB352-275F-4817-BBDB-E854240E7ABB}"/>
+          <p:cNvPr id="16" name="Рисунок 15">
+            <a:extLst>
+              <a:ext uri="{FF2B5EF4-FFF2-40B4-BE49-F238E27FC236}">
+                <a16:creationId xmlns:a16="http://schemas.microsoft.com/office/drawing/2014/main" id="{4B047100-0707-40D4-B971-754C6AAFA9B9}"/>
               </a:ext>
             </a:extLst>
           </p:cNvPr>
@@ -11086,100 +10997,20 @@
         </p:blipFill>
         <p:spPr>
           <a:xfrm>
-            <a:off x="2932464" y="1505840"/>
-            <a:ext cx="4678983" cy="4860748"/>
+            <a:off x="6503364" y="1588437"/>
+            <a:ext cx="4690504" cy="4860748"/>
           </a:xfrm>
           <a:prstGeom prst="rect">
             <a:avLst/>
           </a:prstGeom>
         </p:spPr>
       </p:pic>
-      <p:sp>
-        <p:nvSpPr>
-          <p:cNvPr id="8" name="TextBox 7">
-            <a:extLst>
-              <a:ext uri="{FF2B5EF4-FFF2-40B4-BE49-F238E27FC236}">
-                <a16:creationId xmlns:a16="http://schemas.microsoft.com/office/drawing/2014/main" id="{DF464202-8A1B-4E0B-A74D-DD8CB7CF382B}"/>
-              </a:ext>
-            </a:extLst>
-          </p:cNvPr>
-          <p:cNvSpPr txBox="1"/>
-          <p:nvPr/>
-        </p:nvSpPr>
-        <p:spPr>
-          <a:xfrm>
-            <a:off x="4747453" y="4890495"/>
-            <a:ext cx="524503" cy="923330"/>
-          </a:xfrm>
-          <a:prstGeom prst="rect">
-            <a:avLst/>
-          </a:prstGeom>
-          <a:noFill/>
-        </p:spPr>
-        <p:txBody>
-          <a:bodyPr wrap="none" rtlCol="0">
-            <a:spAutoFit/>
-          </a:bodyPr>
-          <a:lstStyle/>
-          <a:p>
-            <a:r>
-              <a:rPr lang="ru-RU" sz="5400" b="1" dirty="0">
-                <a:solidFill>
-                  <a:srgbClr val="FF0000"/>
-                </a:solidFill>
-                <a:latin typeface="Georgia" panose="02040502050405020303" pitchFamily="18" charset="0"/>
-              </a:rPr>
-              <a:t>1</a:t>
-            </a:r>
-          </a:p>
-        </p:txBody>
-      </p:sp>
-      <p:sp>
-        <p:nvSpPr>
-          <p:cNvPr id="9" name="TextBox 8">
-            <a:extLst>
-              <a:ext uri="{FF2B5EF4-FFF2-40B4-BE49-F238E27FC236}">
-                <a16:creationId xmlns:a16="http://schemas.microsoft.com/office/drawing/2014/main" id="{7127229C-8C27-438E-90F1-269BA427BF37}"/>
-              </a:ext>
-            </a:extLst>
-          </p:cNvPr>
-          <p:cNvSpPr txBox="1"/>
-          <p:nvPr/>
-        </p:nvSpPr>
-        <p:spPr>
-          <a:xfrm>
-            <a:off x="5341502" y="3752748"/>
-            <a:ext cx="619080" cy="923330"/>
-          </a:xfrm>
-          <a:prstGeom prst="rect">
-            <a:avLst/>
-          </a:prstGeom>
-          <a:noFill/>
-        </p:spPr>
-        <p:txBody>
-          <a:bodyPr wrap="none" rtlCol="0">
-            <a:spAutoFit/>
-          </a:bodyPr>
-          <a:lstStyle/>
-          <a:p>
-            <a:r>
-              <a:rPr lang="ru-RU" sz="5400" b="1" dirty="0">
-                <a:solidFill>
-                  <a:srgbClr val="FF0000"/>
-                </a:solidFill>
-                <a:latin typeface="Georgia" panose="02040502050405020303" pitchFamily="18" charset="0"/>
-              </a:rPr>
-              <a:t>2</a:t>
-            </a:r>
-          </a:p>
-        </p:txBody>
-      </p:sp>
       <p:pic>
         <p:nvPicPr>
-          <p:cNvPr id="10" name="Рисунок 9">
-            <a:extLst>
-              <a:ext uri="{FF2B5EF4-FFF2-40B4-BE49-F238E27FC236}">
-                <a16:creationId xmlns:a16="http://schemas.microsoft.com/office/drawing/2014/main" id="{E9C206EF-4DBB-4FF5-BCF3-C1DD78D3D074}"/>
+          <p:cNvPr id="17" name="Рисунок 16">
+            <a:extLst>
+              <a:ext uri="{FF2B5EF4-FFF2-40B4-BE49-F238E27FC236}">
+                <a16:creationId xmlns:a16="http://schemas.microsoft.com/office/drawing/2014/main" id="{4216A5BD-8579-4AD9-AA61-78FE2BFC9CD7}"/>
               </a:ext>
             </a:extLst>
           </p:cNvPr>
@@ -11196,8 +11027,228 @@
         </p:blipFill>
         <p:spPr>
           <a:xfrm>
-            <a:off x="2932464" y="1505840"/>
-            <a:ext cx="4690504" cy="4860748"/>
+            <a:off x="6508665" y="1600262"/>
+            <a:ext cx="4678983" cy="4837096"/>
+          </a:xfrm>
+          <a:prstGeom prst="rect">
+            <a:avLst/>
+          </a:prstGeom>
+        </p:spPr>
+      </p:pic>
+      <p:sp>
+        <p:nvSpPr>
+          <p:cNvPr id="18" name="Прямоугольник: скругленные углы 17">
+            <a:extLst>
+              <a:ext uri="{FF2B5EF4-FFF2-40B4-BE49-F238E27FC236}">
+                <a16:creationId xmlns:a16="http://schemas.microsoft.com/office/drawing/2014/main" id="{863E0951-4F7A-4120-917D-2AE682AF169D}"/>
+              </a:ext>
+            </a:extLst>
+          </p:cNvPr>
+          <p:cNvSpPr/>
+          <p:nvPr/>
+        </p:nvSpPr>
+        <p:spPr>
+          <a:xfrm>
+            <a:off x="3004457" y="3688702"/>
+            <a:ext cx="460310" cy="273698"/>
+          </a:xfrm>
+          <a:prstGeom prst="roundRect">
+            <a:avLst/>
+          </a:prstGeom>
+          <a:noFill/>
+          <a:ln w="38100">
+            <a:solidFill>
+              <a:srgbClr val="FF0000"/>
+            </a:solidFill>
+          </a:ln>
+        </p:spPr>
+        <p:style>
+          <a:lnRef idx="2">
+            <a:schemeClr val="accent1">
+              <a:shade val="50000"/>
+            </a:schemeClr>
+          </a:lnRef>
+          <a:fillRef idx="1">
+            <a:schemeClr val="accent1"/>
+          </a:fillRef>
+          <a:effectRef idx="0">
+            <a:schemeClr val="accent1"/>
+          </a:effectRef>
+          <a:fontRef idx="minor">
+            <a:schemeClr val="lt1"/>
+          </a:fontRef>
+        </p:style>
+        <p:txBody>
+          <a:bodyPr rtlCol="0" anchor="ctr"/>
+          <a:lstStyle/>
+          <a:p>
+            <a:pPr algn="ctr"/>
+            <a:endParaRPr lang="ru-RU"/>
+          </a:p>
+        </p:txBody>
+      </p:sp>
+      <p:sp>
+        <p:nvSpPr>
+          <p:cNvPr id="19" name="TextBox 18">
+            <a:extLst>
+              <a:ext uri="{FF2B5EF4-FFF2-40B4-BE49-F238E27FC236}">
+                <a16:creationId xmlns:a16="http://schemas.microsoft.com/office/drawing/2014/main" id="{02E6F846-8854-49F4-8565-EF7EEC001373}"/>
+              </a:ext>
+            </a:extLst>
+          </p:cNvPr>
+          <p:cNvSpPr txBox="1"/>
+          <p:nvPr/>
+        </p:nvSpPr>
+        <p:spPr>
+          <a:xfrm>
+            <a:off x="3415518" y="3515130"/>
+            <a:ext cx="360996" cy="523220"/>
+          </a:xfrm>
+          <a:prstGeom prst="rect">
+            <a:avLst/>
+          </a:prstGeom>
+          <a:noFill/>
+        </p:spPr>
+        <p:txBody>
+          <a:bodyPr wrap="none" rtlCol="0">
+            <a:spAutoFit/>
+          </a:bodyPr>
+          <a:lstStyle/>
+          <a:p>
+            <a:r>
+              <a:rPr lang="ru-RU" sz="2800" b="1" dirty="0">
+                <a:solidFill>
+                  <a:srgbClr val="FF0000"/>
+                </a:solidFill>
+                <a:latin typeface="Georgia" panose="02040502050405020303" pitchFamily="18" charset="0"/>
+              </a:rPr>
+              <a:t>1</a:t>
+            </a:r>
+          </a:p>
+        </p:txBody>
+      </p:sp>
+      <p:sp>
+        <p:nvSpPr>
+          <p:cNvPr id="20" name="Прямоугольник: скругленные углы 19">
+            <a:extLst>
+              <a:ext uri="{FF2B5EF4-FFF2-40B4-BE49-F238E27FC236}">
+                <a16:creationId xmlns:a16="http://schemas.microsoft.com/office/drawing/2014/main" id="{D7E65D4D-C881-4039-8923-B3FC21EE9BAF}"/>
+              </a:ext>
+            </a:extLst>
+          </p:cNvPr>
+          <p:cNvSpPr/>
+          <p:nvPr/>
+        </p:nvSpPr>
+        <p:spPr>
+          <a:xfrm>
+            <a:off x="2282890" y="3551852"/>
+            <a:ext cx="631138" cy="523220"/>
+          </a:xfrm>
+          <a:prstGeom prst="roundRect">
+            <a:avLst/>
+          </a:prstGeom>
+          <a:noFill/>
+          <a:ln w="38100">
+            <a:solidFill>
+              <a:srgbClr val="FF0000"/>
+            </a:solidFill>
+          </a:ln>
+        </p:spPr>
+        <p:style>
+          <a:lnRef idx="2">
+            <a:schemeClr val="accent1">
+              <a:shade val="50000"/>
+            </a:schemeClr>
+          </a:lnRef>
+          <a:fillRef idx="1">
+            <a:schemeClr val="accent1"/>
+          </a:fillRef>
+          <a:effectRef idx="0">
+            <a:schemeClr val="accent1"/>
+          </a:effectRef>
+          <a:fontRef idx="minor">
+            <a:schemeClr val="lt1"/>
+          </a:fontRef>
+        </p:style>
+        <p:txBody>
+          <a:bodyPr rtlCol="0" anchor="ctr"/>
+          <a:lstStyle/>
+          <a:p>
+            <a:pPr algn="ctr"/>
+            <a:endParaRPr lang="ru-RU"/>
+          </a:p>
+        </p:txBody>
+      </p:sp>
+      <p:sp>
+        <p:nvSpPr>
+          <p:cNvPr id="21" name="TextBox 20">
+            <a:extLst>
+              <a:ext uri="{FF2B5EF4-FFF2-40B4-BE49-F238E27FC236}">
+                <a16:creationId xmlns:a16="http://schemas.microsoft.com/office/drawing/2014/main" id="{26D2CBBC-13F1-4054-9A2D-6A989A5A9970}"/>
+              </a:ext>
+            </a:extLst>
+          </p:cNvPr>
+          <p:cNvSpPr txBox="1"/>
+          <p:nvPr/>
+        </p:nvSpPr>
+        <p:spPr>
+          <a:xfrm>
+            <a:off x="2579737" y="3389769"/>
+            <a:ext cx="409086" cy="523220"/>
+          </a:xfrm>
+          <a:prstGeom prst="rect">
+            <a:avLst/>
+          </a:prstGeom>
+          <a:noFill/>
+        </p:spPr>
+        <p:txBody>
+          <a:bodyPr wrap="none" rtlCol="0">
+            <a:spAutoFit/>
+          </a:bodyPr>
+          <a:lstStyle/>
+          <a:p>
+            <a:r>
+              <a:rPr lang="ru-RU" sz="2800" b="1" dirty="0">
+                <a:solidFill>
+                  <a:srgbClr val="FF0000"/>
+                </a:solidFill>
+                <a:latin typeface="Georgia" panose="02040502050405020303" pitchFamily="18" charset="0"/>
+              </a:rPr>
+              <a:t>2</a:t>
+            </a:r>
+          </a:p>
+        </p:txBody>
+      </p:sp>
+      <p:pic>
+        <p:nvPicPr>
+          <p:cNvPr id="4" name="Рисунок 3">
+            <a:extLst>
+              <a:ext uri="{FF2B5EF4-FFF2-40B4-BE49-F238E27FC236}">
+                <a16:creationId xmlns:a16="http://schemas.microsoft.com/office/drawing/2014/main" id="{7E1C9F1F-4FBD-43DB-B360-65523C14760B}"/>
+              </a:ext>
+            </a:extLst>
+          </p:cNvPr>
+          <p:cNvPicPr>
+            <a:picLocks noChangeAspect="1"/>
+          </p:cNvPicPr>
+          <p:nvPr/>
+        </p:nvPicPr>
+        <p:blipFill>
+          <a:blip r:embed="rId5">
+            <a:extLst>
+              <a:ext uri="{28A0092B-C50C-407E-A947-70E740481C1C}">
+                <a14:useLocalDpi xmlns:a14="http://schemas.microsoft.com/office/drawing/2010/main" val="0"/>
+              </a:ext>
+            </a:extLst>
+          </a:blip>
+          <a:stretch>
+            <a:fillRect/>
+          </a:stretch>
+        </p:blipFill>
+        <p:spPr>
+          <a:xfrm>
+            <a:off x="9633888" y="87086"/>
+            <a:ext cx="2434495" cy="2434495"/>
           </a:xfrm>
           <a:prstGeom prst="rect">
             <a:avLst/>
@@ -11207,7 +11258,7 @@
     </p:spTree>
     <p:extLst>
       <p:ext uri="{BB962C8B-B14F-4D97-AF65-F5344CB8AC3E}">
-        <p14:creationId xmlns:p14="http://schemas.microsoft.com/office/powerpoint/2010/main" val="70201235"/>
+        <p14:creationId xmlns:p14="http://schemas.microsoft.com/office/powerpoint/2010/main" val="415755188"/>
       </p:ext>
     </p:extLst>
   </p:cSld>
@@ -11234,47 +11285,12 @@
           <a:chExt cx="0" cy="0"/>
         </a:xfrm>
       </p:grpSpPr>
-      <p:sp>
-        <p:nvSpPr>
-          <p:cNvPr id="3" name="TextBox 2">
-            <a:extLst>
-              <a:ext uri="{FF2B5EF4-FFF2-40B4-BE49-F238E27FC236}">
-                <a16:creationId xmlns:a16="http://schemas.microsoft.com/office/drawing/2014/main" id="{5B842C9F-D229-4B1D-92C5-B5EE03C4553B}"/>
-              </a:ext>
-            </a:extLst>
-          </p:cNvPr>
-          <p:cNvSpPr txBox="1"/>
-          <p:nvPr/>
-        </p:nvSpPr>
-        <p:spPr>
-          <a:xfrm>
-            <a:off x="3415518" y="491412"/>
-            <a:ext cx="3712876" cy="707886"/>
-          </a:xfrm>
-          <a:prstGeom prst="rect">
-            <a:avLst/>
-          </a:prstGeom>
-          <a:noFill/>
-        </p:spPr>
-        <p:txBody>
-          <a:bodyPr wrap="none" rtlCol="0">
-            <a:spAutoFit/>
-          </a:bodyPr>
-          <a:lstStyle/>
-          <a:p>
-            <a:r>
-              <a:rPr lang="ru-RU" sz="4000" dirty="0"/>
-              <a:t>Основное окно</a:t>
-            </a:r>
-          </a:p>
-        </p:txBody>
-      </p:sp>
       <p:pic>
         <p:nvPicPr>
-          <p:cNvPr id="4" name="Рисунок 3">
-            <a:extLst>
-              <a:ext uri="{FF2B5EF4-FFF2-40B4-BE49-F238E27FC236}">
-                <a16:creationId xmlns:a16="http://schemas.microsoft.com/office/drawing/2014/main" id="{7E1C9F1F-4FBD-43DB-B360-65523C14760B}"/>
+          <p:cNvPr id="14" name="Рисунок 13">
+            <a:extLst>
+              <a:ext uri="{FF2B5EF4-FFF2-40B4-BE49-F238E27FC236}">
+                <a16:creationId xmlns:a16="http://schemas.microsoft.com/office/drawing/2014/main" id="{A71F48BF-494B-4CD9-BB1D-AA7CE0534FA2}"/>
               </a:ext>
             </a:extLst>
           </p:cNvPr>
@@ -11284,21 +11300,15 @@
           <p:nvPr/>
         </p:nvPicPr>
         <p:blipFill>
-          <a:blip r:embed="rId2">
-            <a:extLst>
-              <a:ext uri="{28A0092B-C50C-407E-A947-70E740481C1C}">
-                <a14:useLocalDpi xmlns:a14="http://schemas.microsoft.com/office/drawing/2010/main" val="0"/>
-              </a:ext>
-            </a:extLst>
-          </a:blip>
+          <a:blip r:embed="rId2"/>
           <a:stretch>
             <a:fillRect/>
           </a:stretch>
         </p:blipFill>
         <p:spPr>
           <a:xfrm>
-            <a:off x="9633888" y="87086"/>
-            <a:ext cx="2434495" cy="2434495"/>
+            <a:off x="393883" y="1576609"/>
+            <a:ext cx="4684847" cy="4860749"/>
           </a:xfrm>
           <a:prstGeom prst="rect">
             <a:avLst/>
@@ -11307,10 +11317,10 @@
       </p:pic>
       <p:sp>
         <p:nvSpPr>
-          <p:cNvPr id="6" name="TextBox 5">
-            <a:extLst>
-              <a:ext uri="{FF2B5EF4-FFF2-40B4-BE49-F238E27FC236}">
-                <a16:creationId xmlns:a16="http://schemas.microsoft.com/office/drawing/2014/main" id="{05E21954-6AF4-4465-B9E7-E8B989AB7C25}"/>
+          <p:cNvPr id="3" name="TextBox 2">
+            <a:extLst>
+              <a:ext uri="{FF2B5EF4-FFF2-40B4-BE49-F238E27FC236}">
+                <a16:creationId xmlns:a16="http://schemas.microsoft.com/office/drawing/2014/main" id="{5B842C9F-D229-4B1D-92C5-B5EE03C4553B}"/>
               </a:ext>
             </a:extLst>
           </p:cNvPr>
@@ -11319,8 +11329,8 @@
         </p:nvSpPr>
         <p:spPr>
           <a:xfrm>
-            <a:off x="4747453" y="5180332"/>
-            <a:ext cx="524503" cy="923330"/>
+            <a:off x="3415518" y="491412"/>
+            <a:ext cx="3712876" cy="707886"/>
           </a:xfrm>
           <a:prstGeom prst="rect">
             <a:avLst/>
@@ -11334,63 +11344,67 @@
           <a:lstStyle/>
           <a:p>
             <a:r>
-              <a:rPr lang="ru-RU" sz="5400" b="1" dirty="0">
-                <a:solidFill>
-                  <a:srgbClr val="FF0000"/>
-                </a:solidFill>
-                <a:latin typeface="Georgia" panose="02040502050405020303" pitchFamily="18" charset="0"/>
-              </a:rPr>
-              <a:t>1</a:t>
-            </a:r>
-          </a:p>
-        </p:txBody>
-      </p:sp>
-      <p:sp>
-        <p:nvSpPr>
-          <p:cNvPr id="7" name="TextBox 6">
-            <a:extLst>
-              <a:ext uri="{FF2B5EF4-FFF2-40B4-BE49-F238E27FC236}">
-                <a16:creationId xmlns:a16="http://schemas.microsoft.com/office/drawing/2014/main" id="{DA2FE1F6-15FC-4341-AC88-BD2305FB7203}"/>
-              </a:ext>
-            </a:extLst>
-          </p:cNvPr>
-          <p:cNvSpPr txBox="1"/>
-          <p:nvPr/>
-        </p:nvSpPr>
-        <p:spPr>
-          <a:xfrm>
-            <a:off x="4128373" y="4137944"/>
-            <a:ext cx="619080" cy="923330"/>
-          </a:xfrm>
-          <a:prstGeom prst="rect">
-            <a:avLst/>
-          </a:prstGeom>
-          <a:noFill/>
-        </p:spPr>
-        <p:txBody>
-          <a:bodyPr wrap="none" rtlCol="0">
-            <a:spAutoFit/>
-          </a:bodyPr>
-          <a:lstStyle/>
-          <a:p>
-            <a:r>
-              <a:rPr lang="ru-RU" sz="5400" b="1" dirty="0">
-                <a:solidFill>
-                  <a:srgbClr val="FF0000"/>
-                </a:solidFill>
-                <a:latin typeface="Georgia" panose="02040502050405020303" pitchFamily="18" charset="0"/>
-              </a:rPr>
-              <a:t>2</a:t>
-            </a:r>
+              <a:rPr lang="ru-RU" sz="4000" dirty="0"/>
+              <a:t>Основное окно</a:t>
+            </a:r>
+          </a:p>
+        </p:txBody>
+      </p:sp>
+      <p:sp>
+        <p:nvSpPr>
+          <p:cNvPr id="18" name="Стрелка: вправо 17">
+            <a:extLst>
+              <a:ext uri="{FF2B5EF4-FFF2-40B4-BE49-F238E27FC236}">
+                <a16:creationId xmlns:a16="http://schemas.microsoft.com/office/drawing/2014/main" id="{4AF69314-74FA-430D-A5EC-E50847B65C3A}"/>
+              </a:ext>
+            </a:extLst>
+          </p:cNvPr>
+          <p:cNvSpPr/>
+          <p:nvPr/>
+        </p:nvSpPr>
+        <p:spPr>
+          <a:xfrm>
+            <a:off x="5169159" y="3620278"/>
+            <a:ext cx="1231641" cy="590938"/>
+          </a:xfrm>
+          <a:prstGeom prst="rightArrow">
+            <a:avLst/>
+          </a:prstGeom>
+          <a:solidFill>
+            <a:srgbClr val="FF0000"/>
+          </a:solidFill>
+        </p:spPr>
+        <p:style>
+          <a:lnRef idx="2">
+            <a:schemeClr val="accent5">
+              <a:shade val="50000"/>
+            </a:schemeClr>
+          </a:lnRef>
+          <a:fillRef idx="1">
+            <a:schemeClr val="accent5"/>
+          </a:fillRef>
+          <a:effectRef idx="0">
+            <a:schemeClr val="accent5"/>
+          </a:effectRef>
+          <a:fontRef idx="minor">
+            <a:schemeClr val="lt1"/>
+          </a:fontRef>
+        </p:style>
+        <p:txBody>
+          <a:bodyPr rtlCol="0" anchor="ctr"/>
+          <a:lstStyle/>
+          <a:p>
+            <a:pPr algn="ctr"/>
+            <a:endParaRPr lang="ru-RU"/>
           </a:p>
         </p:txBody>
       </p:sp>
       <p:pic>
         <p:nvPicPr>
-          <p:cNvPr id="2" name="Рисунок 1">
-            <a:extLst>
-              <a:ext uri="{FF2B5EF4-FFF2-40B4-BE49-F238E27FC236}">
-                <a16:creationId xmlns:a16="http://schemas.microsoft.com/office/drawing/2014/main" id="{C21AB352-275F-4817-BBDB-E854240E7ABB}"/>
+          <p:cNvPr id="19" name="Рисунок 18">
+            <a:extLst>
+              <a:ext uri="{FF2B5EF4-FFF2-40B4-BE49-F238E27FC236}">
+                <a16:creationId xmlns:a16="http://schemas.microsoft.com/office/drawing/2014/main" id="{7F348349-5F4C-4F21-AECE-4E03A23DB922}"/>
               </a:ext>
             </a:extLst>
           </p:cNvPr>
@@ -11407,100 +11421,20 @@
         </p:blipFill>
         <p:spPr>
           <a:xfrm>
-            <a:off x="2932464" y="1505840"/>
-            <a:ext cx="4678983" cy="4860748"/>
+            <a:off x="6503364" y="1588437"/>
+            <a:ext cx="4690504" cy="4860748"/>
           </a:xfrm>
           <a:prstGeom prst="rect">
             <a:avLst/>
           </a:prstGeom>
         </p:spPr>
       </p:pic>
-      <p:sp>
-        <p:nvSpPr>
-          <p:cNvPr id="8" name="TextBox 7">
-            <a:extLst>
-              <a:ext uri="{FF2B5EF4-FFF2-40B4-BE49-F238E27FC236}">
-                <a16:creationId xmlns:a16="http://schemas.microsoft.com/office/drawing/2014/main" id="{DF464202-8A1B-4E0B-A74D-DD8CB7CF382B}"/>
-              </a:ext>
-            </a:extLst>
-          </p:cNvPr>
-          <p:cNvSpPr txBox="1"/>
-          <p:nvPr/>
-        </p:nvSpPr>
-        <p:spPr>
-          <a:xfrm>
-            <a:off x="4747453" y="4890495"/>
-            <a:ext cx="524503" cy="923330"/>
-          </a:xfrm>
-          <a:prstGeom prst="rect">
-            <a:avLst/>
-          </a:prstGeom>
-          <a:noFill/>
-        </p:spPr>
-        <p:txBody>
-          <a:bodyPr wrap="none" rtlCol="0">
-            <a:spAutoFit/>
-          </a:bodyPr>
-          <a:lstStyle/>
-          <a:p>
-            <a:r>
-              <a:rPr lang="ru-RU" sz="5400" b="1" dirty="0">
-                <a:solidFill>
-                  <a:srgbClr val="FF0000"/>
-                </a:solidFill>
-                <a:latin typeface="Georgia" panose="02040502050405020303" pitchFamily="18" charset="0"/>
-              </a:rPr>
-              <a:t>1</a:t>
-            </a:r>
-          </a:p>
-        </p:txBody>
-      </p:sp>
-      <p:sp>
-        <p:nvSpPr>
-          <p:cNvPr id="9" name="TextBox 8">
-            <a:extLst>
-              <a:ext uri="{FF2B5EF4-FFF2-40B4-BE49-F238E27FC236}">
-                <a16:creationId xmlns:a16="http://schemas.microsoft.com/office/drawing/2014/main" id="{7127229C-8C27-438E-90F1-269BA427BF37}"/>
-              </a:ext>
-            </a:extLst>
-          </p:cNvPr>
-          <p:cNvSpPr txBox="1"/>
-          <p:nvPr/>
-        </p:nvSpPr>
-        <p:spPr>
-          <a:xfrm>
-            <a:off x="5341502" y="3752748"/>
-            <a:ext cx="619080" cy="923330"/>
-          </a:xfrm>
-          <a:prstGeom prst="rect">
-            <a:avLst/>
-          </a:prstGeom>
-          <a:noFill/>
-        </p:spPr>
-        <p:txBody>
-          <a:bodyPr wrap="none" rtlCol="0">
-            <a:spAutoFit/>
-          </a:bodyPr>
-          <a:lstStyle/>
-          <a:p>
-            <a:r>
-              <a:rPr lang="ru-RU" sz="5400" b="1" dirty="0">
-                <a:solidFill>
-                  <a:srgbClr val="FF0000"/>
-                </a:solidFill>
-                <a:latin typeface="Georgia" panose="02040502050405020303" pitchFamily="18" charset="0"/>
-              </a:rPr>
-              <a:t>2</a:t>
-            </a:r>
-          </a:p>
-        </p:txBody>
-      </p:sp>
       <p:pic>
         <p:nvPicPr>
-          <p:cNvPr id="10" name="Рисунок 9">
-            <a:extLst>
-              <a:ext uri="{FF2B5EF4-FFF2-40B4-BE49-F238E27FC236}">
-                <a16:creationId xmlns:a16="http://schemas.microsoft.com/office/drawing/2014/main" id="{E9C206EF-4DBB-4FF5-BCF3-C1DD78D3D074}"/>
+          <p:cNvPr id="20" name="Рисунок 19">
+            <a:extLst>
+              <a:ext uri="{FF2B5EF4-FFF2-40B4-BE49-F238E27FC236}">
+                <a16:creationId xmlns:a16="http://schemas.microsoft.com/office/drawing/2014/main" id="{693DAC68-8193-412E-AF34-E01D8956D155}"/>
               </a:ext>
             </a:extLst>
           </p:cNvPr>
@@ -11517,50 +11451,72 @@
         </p:blipFill>
         <p:spPr>
           <a:xfrm>
-            <a:off x="2932464" y="1505840"/>
-            <a:ext cx="4690504" cy="4860748"/>
+            <a:off x="6508665" y="1600262"/>
+            <a:ext cx="4678983" cy="4837096"/>
           </a:xfrm>
           <a:prstGeom prst="rect">
             <a:avLst/>
           </a:prstGeom>
         </p:spPr>
       </p:pic>
-      <p:pic>
-        <p:nvPicPr>
-          <p:cNvPr id="5" name="Рисунок 4">
-            <a:extLst>
-              <a:ext uri="{FF2B5EF4-FFF2-40B4-BE49-F238E27FC236}">
-                <a16:creationId xmlns:a16="http://schemas.microsoft.com/office/drawing/2014/main" id="{734C4807-68C3-4480-9296-722CE027C4EB}"/>
-              </a:ext>
-            </a:extLst>
-          </p:cNvPr>
-          <p:cNvPicPr>
-            <a:picLocks noChangeAspect="1"/>
-          </p:cNvPicPr>
-          <p:nvPr/>
-        </p:nvPicPr>
-        <p:blipFill>
-          <a:blip r:embed="rId5"/>
-          <a:stretch>
-            <a:fillRect/>
-          </a:stretch>
-        </p:blipFill>
-        <p:spPr>
-          <a:xfrm>
-            <a:off x="2932464" y="1475991"/>
-            <a:ext cx="4685060" cy="4860749"/>
-          </a:xfrm>
-          <a:prstGeom prst="rect">
-            <a:avLst/>
-          </a:prstGeom>
-        </p:spPr>
-      </p:pic>
-      <p:sp>
-        <p:nvSpPr>
-          <p:cNvPr id="11" name="TextBox 10">
-            <a:extLst>
-              <a:ext uri="{FF2B5EF4-FFF2-40B4-BE49-F238E27FC236}">
-                <a16:creationId xmlns:a16="http://schemas.microsoft.com/office/drawing/2014/main" id="{2F02B7A5-19A5-4E9C-BD14-B8CD4081D31D}"/>
+      <p:sp>
+        <p:nvSpPr>
+          <p:cNvPr id="25" name="Прямоугольник: скругленные углы 24">
+            <a:extLst>
+              <a:ext uri="{FF2B5EF4-FFF2-40B4-BE49-F238E27FC236}">
+                <a16:creationId xmlns:a16="http://schemas.microsoft.com/office/drawing/2014/main" id="{768C5118-5AA0-42C8-93CB-4E352C48655F}"/>
+              </a:ext>
+            </a:extLst>
+          </p:cNvPr>
+          <p:cNvSpPr/>
+          <p:nvPr/>
+        </p:nvSpPr>
+        <p:spPr>
+          <a:xfrm>
+            <a:off x="2817845" y="5058182"/>
+            <a:ext cx="690466" cy="709125"/>
+          </a:xfrm>
+          <a:prstGeom prst="roundRect">
+            <a:avLst/>
+          </a:prstGeom>
+          <a:noFill/>
+          <a:ln w="38100">
+            <a:solidFill>
+              <a:srgbClr val="FF0000"/>
+            </a:solidFill>
+          </a:ln>
+        </p:spPr>
+        <p:style>
+          <a:lnRef idx="2">
+            <a:schemeClr val="accent1">
+              <a:shade val="50000"/>
+            </a:schemeClr>
+          </a:lnRef>
+          <a:fillRef idx="1">
+            <a:schemeClr val="accent1"/>
+          </a:fillRef>
+          <a:effectRef idx="0">
+            <a:schemeClr val="accent1"/>
+          </a:effectRef>
+          <a:fontRef idx="minor">
+            <a:schemeClr val="lt1"/>
+          </a:fontRef>
+        </p:style>
+        <p:txBody>
+          <a:bodyPr rtlCol="0" anchor="ctr"/>
+          <a:lstStyle/>
+          <a:p>
+            <a:pPr algn="ctr"/>
+            <a:endParaRPr lang="ru-RU"/>
+          </a:p>
+        </p:txBody>
+      </p:sp>
+      <p:sp>
+        <p:nvSpPr>
+          <p:cNvPr id="26" name="TextBox 25">
+            <a:extLst>
+              <a:ext uri="{FF2B5EF4-FFF2-40B4-BE49-F238E27FC236}">
+                <a16:creationId xmlns:a16="http://schemas.microsoft.com/office/drawing/2014/main" id="{BCB57FC2-4AAB-4826-A1A4-1CF1D7B1A779}"/>
               </a:ext>
             </a:extLst>
           </p:cNvPr>
@@ -11569,8 +11525,8 @@
         </p:nvSpPr>
         <p:spPr>
           <a:xfrm>
-            <a:off x="5907559" y="3152737"/>
-            <a:ext cx="524503" cy="923330"/>
+            <a:off x="3175733" y="5328290"/>
+            <a:ext cx="360996" cy="523220"/>
           </a:xfrm>
           <a:prstGeom prst="rect">
             <a:avLst/>
@@ -11584,7 +11540,7 @@
           <a:lstStyle/>
           <a:p>
             <a:r>
-              <a:rPr lang="ru-RU" sz="5400" b="1" dirty="0">
+              <a:rPr lang="ru-RU" sz="2800" b="1" dirty="0">
                 <a:solidFill>
                   <a:srgbClr val="FF0000"/>
                 </a:solidFill>
@@ -11597,10 +11553,62 @@
       </p:sp>
       <p:sp>
         <p:nvSpPr>
-          <p:cNvPr id="12" name="TextBox 11">
-            <a:extLst>
-              <a:ext uri="{FF2B5EF4-FFF2-40B4-BE49-F238E27FC236}">
-                <a16:creationId xmlns:a16="http://schemas.microsoft.com/office/drawing/2014/main" id="{23DD7B58-2D45-481C-8B70-944D238BA639}"/>
+          <p:cNvPr id="27" name="Прямоугольник: скругленные углы 26">
+            <a:extLst>
+              <a:ext uri="{FF2B5EF4-FFF2-40B4-BE49-F238E27FC236}">
+                <a16:creationId xmlns:a16="http://schemas.microsoft.com/office/drawing/2014/main" id="{844547D0-1F1A-4207-BC6B-354B5A14E065}"/>
+              </a:ext>
+            </a:extLst>
+          </p:cNvPr>
+          <p:cNvSpPr/>
+          <p:nvPr/>
+        </p:nvSpPr>
+        <p:spPr>
+          <a:xfrm>
+            <a:off x="3760574" y="4746171"/>
+            <a:ext cx="821095" cy="286139"/>
+          </a:xfrm>
+          <a:prstGeom prst="roundRect">
+            <a:avLst/>
+          </a:prstGeom>
+          <a:noFill/>
+          <a:ln w="38100">
+            <a:solidFill>
+              <a:srgbClr val="FF0000"/>
+            </a:solidFill>
+          </a:ln>
+        </p:spPr>
+        <p:style>
+          <a:lnRef idx="2">
+            <a:schemeClr val="accent1">
+              <a:shade val="50000"/>
+            </a:schemeClr>
+          </a:lnRef>
+          <a:fillRef idx="1">
+            <a:schemeClr val="accent1"/>
+          </a:fillRef>
+          <a:effectRef idx="0">
+            <a:schemeClr val="accent1"/>
+          </a:effectRef>
+          <a:fontRef idx="minor">
+            <a:schemeClr val="lt1"/>
+          </a:fontRef>
+        </p:style>
+        <p:txBody>
+          <a:bodyPr rtlCol="0" anchor="ctr"/>
+          <a:lstStyle/>
+          <a:p>
+            <a:pPr algn="ctr"/>
+            <a:endParaRPr lang="ru-RU"/>
+          </a:p>
+        </p:txBody>
+      </p:sp>
+      <p:sp>
+        <p:nvSpPr>
+          <p:cNvPr id="28" name="TextBox 27">
+            <a:extLst>
+              <a:ext uri="{FF2B5EF4-FFF2-40B4-BE49-F238E27FC236}">
+                <a16:creationId xmlns:a16="http://schemas.microsoft.com/office/drawing/2014/main" id="{AED4FD4F-671F-4920-B2B8-A23C8EA7E34F}"/>
               </a:ext>
             </a:extLst>
           </p:cNvPr>
@@ -11609,8 +11617,8 @@
         </p:nvSpPr>
         <p:spPr>
           <a:xfrm>
-            <a:off x="4890523" y="2736503"/>
-            <a:ext cx="619080" cy="923330"/>
+            <a:off x="4521764" y="4627630"/>
+            <a:ext cx="409086" cy="523220"/>
           </a:xfrm>
           <a:prstGeom prst="rect">
             <a:avLst/>
@@ -11624,7 +11632,7 @@
           <a:lstStyle/>
           <a:p>
             <a:r>
-              <a:rPr lang="ru-RU" sz="5400" b="1" dirty="0">
+              <a:rPr lang="ru-RU" sz="2800" b="1" dirty="0">
                 <a:solidFill>
                   <a:srgbClr val="FF0000"/>
                 </a:solidFill>
@@ -11635,10 +11643,75 @@
           </a:p>
         </p:txBody>
       </p:sp>
+      <p:pic>
+        <p:nvPicPr>
+          <p:cNvPr id="29" name="Рисунок 28">
+            <a:extLst>
+              <a:ext uri="{FF2B5EF4-FFF2-40B4-BE49-F238E27FC236}">
+                <a16:creationId xmlns:a16="http://schemas.microsoft.com/office/drawing/2014/main" id="{D9D92CE9-5754-4E5D-B99E-E7B5BB047D5E}"/>
+              </a:ext>
+            </a:extLst>
+          </p:cNvPr>
+          <p:cNvPicPr>
+            <a:picLocks noChangeAspect="1"/>
+          </p:cNvPicPr>
+          <p:nvPr/>
+        </p:nvPicPr>
+        <p:blipFill rotWithShape="1">
+          <a:blip r:embed="rId5"/>
+          <a:srcRect r="357"/>
+          <a:stretch/>
+        </p:blipFill>
+        <p:spPr>
+          <a:xfrm>
+            <a:off x="6484953" y="1588437"/>
+            <a:ext cx="4702695" cy="4889982"/>
+          </a:xfrm>
+          <a:prstGeom prst="rect">
+            <a:avLst/>
+          </a:prstGeom>
+        </p:spPr>
+      </p:pic>
+      <p:pic>
+        <p:nvPicPr>
+          <p:cNvPr id="4" name="Рисунок 3">
+            <a:extLst>
+              <a:ext uri="{FF2B5EF4-FFF2-40B4-BE49-F238E27FC236}">
+                <a16:creationId xmlns:a16="http://schemas.microsoft.com/office/drawing/2014/main" id="{7E1C9F1F-4FBD-43DB-B360-65523C14760B}"/>
+              </a:ext>
+            </a:extLst>
+          </p:cNvPr>
+          <p:cNvPicPr>
+            <a:picLocks noChangeAspect="1"/>
+          </p:cNvPicPr>
+          <p:nvPr/>
+        </p:nvPicPr>
+        <p:blipFill>
+          <a:blip r:embed="rId6">
+            <a:extLst>
+              <a:ext uri="{28A0092B-C50C-407E-A947-70E740481C1C}">
+                <a14:useLocalDpi xmlns:a14="http://schemas.microsoft.com/office/drawing/2010/main" val="0"/>
+              </a:ext>
+            </a:extLst>
+          </a:blip>
+          <a:stretch>
+            <a:fillRect/>
+          </a:stretch>
+        </p:blipFill>
+        <p:spPr>
+          <a:xfrm>
+            <a:off x="9633888" y="87086"/>
+            <a:ext cx="2434495" cy="2434495"/>
+          </a:xfrm>
+          <a:prstGeom prst="rect">
+            <a:avLst/>
+          </a:prstGeom>
+        </p:spPr>
+      </p:pic>
     </p:spTree>
     <p:extLst>
       <p:ext uri="{BB962C8B-B14F-4D97-AF65-F5344CB8AC3E}">
-        <p14:creationId xmlns:p14="http://schemas.microsoft.com/office/powerpoint/2010/main" val="415755188"/>
+        <p14:creationId xmlns:p14="http://schemas.microsoft.com/office/powerpoint/2010/main" val="365929707"/>
       </p:ext>
     </p:extLst>
   </p:cSld>
@@ -11665,6 +11738,35 @@
           <a:chExt cx="0" cy="0"/>
         </a:xfrm>
       </p:grpSpPr>
+      <p:pic>
+        <p:nvPicPr>
+          <p:cNvPr id="19" name="Рисунок 18">
+            <a:extLst>
+              <a:ext uri="{FF2B5EF4-FFF2-40B4-BE49-F238E27FC236}">
+                <a16:creationId xmlns:a16="http://schemas.microsoft.com/office/drawing/2014/main" id="{3F22505F-3126-48EB-AC5D-22DE463EA3ED}"/>
+              </a:ext>
+            </a:extLst>
+          </p:cNvPr>
+          <p:cNvPicPr>
+            <a:picLocks noChangeAspect="1"/>
+          </p:cNvPicPr>
+          <p:nvPr/>
+        </p:nvPicPr>
+        <p:blipFill rotWithShape="1">
+          <a:blip r:embed="rId2"/>
+          <a:srcRect r="357"/>
+          <a:stretch/>
+        </p:blipFill>
+        <p:spPr>
+          <a:xfrm>
+            <a:off x="2932464" y="1505840"/>
+            <a:ext cx="4702695" cy="4889982"/>
+          </a:xfrm>
+          <a:prstGeom prst="rect">
+            <a:avLst/>
+          </a:prstGeom>
+        </p:spPr>
+      </p:pic>
       <p:sp>
         <p:nvSpPr>
           <p:cNvPr id="3" name="TextBox 2">
@@ -11715,7 +11817,7 @@
           <p:nvPr/>
         </p:nvPicPr>
         <p:blipFill>
-          <a:blip r:embed="rId2">
+          <a:blip r:embed="rId3">
             <a:extLst>
               <a:ext uri="{28A0092B-C50C-407E-A947-70E740481C1C}">
                 <a14:useLocalDpi xmlns:a14="http://schemas.microsoft.com/office/drawing/2010/main" val="0"/>
@@ -11738,368 +11840,60 @@
       </p:pic>
       <p:sp>
         <p:nvSpPr>
-          <p:cNvPr id="6" name="TextBox 5">
-            <a:extLst>
-              <a:ext uri="{FF2B5EF4-FFF2-40B4-BE49-F238E27FC236}">
-                <a16:creationId xmlns:a16="http://schemas.microsoft.com/office/drawing/2014/main" id="{05E21954-6AF4-4465-B9E7-E8B989AB7C25}"/>
-              </a:ext>
-            </a:extLst>
-          </p:cNvPr>
-          <p:cNvSpPr txBox="1"/>
-          <p:nvPr/>
-        </p:nvSpPr>
-        <p:spPr>
-          <a:xfrm>
-            <a:off x="4747453" y="5180332"/>
-            <a:ext cx="524503" cy="923330"/>
-          </a:xfrm>
-          <a:prstGeom prst="rect">
+          <p:cNvPr id="20" name="Прямоугольник: скругленные углы 19">
+            <a:extLst>
+              <a:ext uri="{FF2B5EF4-FFF2-40B4-BE49-F238E27FC236}">
+                <a16:creationId xmlns:a16="http://schemas.microsoft.com/office/drawing/2014/main" id="{36911B2E-8AF7-4A12-BF9B-769E9BB2C305}"/>
+              </a:ext>
+            </a:extLst>
+          </p:cNvPr>
+          <p:cNvSpPr/>
+          <p:nvPr/>
+        </p:nvSpPr>
+        <p:spPr>
+          <a:xfrm>
+            <a:off x="4780721" y="4696408"/>
+            <a:ext cx="821095" cy="286139"/>
+          </a:xfrm>
+          <a:prstGeom prst="roundRect">
             <a:avLst/>
           </a:prstGeom>
           <a:noFill/>
-        </p:spPr>
-        <p:txBody>
-          <a:bodyPr wrap="none" rtlCol="0">
-            <a:spAutoFit/>
-          </a:bodyPr>
-          <a:lstStyle/>
-          <a:p>
-            <a:r>
-              <a:rPr lang="ru-RU" sz="5400" b="1" dirty="0">
-                <a:solidFill>
-                  <a:srgbClr val="FF0000"/>
-                </a:solidFill>
-                <a:latin typeface="Georgia" panose="02040502050405020303" pitchFamily="18" charset="0"/>
-              </a:rPr>
-              <a:t>1</a:t>
-            </a:r>
-          </a:p>
-        </p:txBody>
-      </p:sp>
-      <p:sp>
-        <p:nvSpPr>
-          <p:cNvPr id="7" name="TextBox 6">
-            <a:extLst>
-              <a:ext uri="{FF2B5EF4-FFF2-40B4-BE49-F238E27FC236}">
-                <a16:creationId xmlns:a16="http://schemas.microsoft.com/office/drawing/2014/main" id="{DA2FE1F6-15FC-4341-AC88-BD2305FB7203}"/>
-              </a:ext>
-            </a:extLst>
-          </p:cNvPr>
-          <p:cNvSpPr txBox="1"/>
-          <p:nvPr/>
-        </p:nvSpPr>
-        <p:spPr>
-          <a:xfrm>
-            <a:off x="4128373" y="4137944"/>
-            <a:ext cx="619080" cy="923330"/>
-          </a:xfrm>
-          <a:prstGeom prst="rect">
-            <a:avLst/>
-          </a:prstGeom>
-          <a:noFill/>
-        </p:spPr>
-        <p:txBody>
-          <a:bodyPr wrap="none" rtlCol="0">
-            <a:spAutoFit/>
-          </a:bodyPr>
-          <a:lstStyle/>
-          <a:p>
-            <a:r>
-              <a:rPr lang="ru-RU" sz="5400" b="1" dirty="0">
-                <a:solidFill>
-                  <a:srgbClr val="FF0000"/>
-                </a:solidFill>
-                <a:latin typeface="Georgia" panose="02040502050405020303" pitchFamily="18" charset="0"/>
-              </a:rPr>
-              <a:t>2</a:t>
-            </a:r>
-          </a:p>
-        </p:txBody>
-      </p:sp>
-      <p:pic>
-        <p:nvPicPr>
-          <p:cNvPr id="2" name="Рисунок 1">
-            <a:extLst>
-              <a:ext uri="{FF2B5EF4-FFF2-40B4-BE49-F238E27FC236}">
-                <a16:creationId xmlns:a16="http://schemas.microsoft.com/office/drawing/2014/main" id="{C21AB352-275F-4817-BBDB-E854240E7ABB}"/>
-              </a:ext>
-            </a:extLst>
-          </p:cNvPr>
-          <p:cNvPicPr>
-            <a:picLocks noChangeAspect="1"/>
-          </p:cNvPicPr>
-          <p:nvPr/>
-        </p:nvPicPr>
-        <p:blipFill>
-          <a:blip r:embed="rId3"/>
-          <a:stretch>
-            <a:fillRect/>
-          </a:stretch>
-        </p:blipFill>
-        <p:spPr>
-          <a:xfrm>
-            <a:off x="2932464" y="1505840"/>
-            <a:ext cx="4678983" cy="4860748"/>
-          </a:xfrm>
-          <a:prstGeom prst="rect">
-            <a:avLst/>
-          </a:prstGeom>
-        </p:spPr>
-      </p:pic>
-      <p:sp>
-        <p:nvSpPr>
-          <p:cNvPr id="8" name="TextBox 7">
-            <a:extLst>
-              <a:ext uri="{FF2B5EF4-FFF2-40B4-BE49-F238E27FC236}">
-                <a16:creationId xmlns:a16="http://schemas.microsoft.com/office/drawing/2014/main" id="{DF464202-8A1B-4E0B-A74D-DD8CB7CF382B}"/>
-              </a:ext>
-            </a:extLst>
-          </p:cNvPr>
-          <p:cNvSpPr txBox="1"/>
-          <p:nvPr/>
-        </p:nvSpPr>
-        <p:spPr>
-          <a:xfrm>
-            <a:off x="4747453" y="4890495"/>
-            <a:ext cx="524503" cy="923330"/>
-          </a:xfrm>
-          <a:prstGeom prst="rect">
-            <a:avLst/>
-          </a:prstGeom>
-          <a:noFill/>
-        </p:spPr>
-        <p:txBody>
-          <a:bodyPr wrap="none" rtlCol="0">
-            <a:spAutoFit/>
-          </a:bodyPr>
-          <a:lstStyle/>
-          <a:p>
-            <a:r>
-              <a:rPr lang="ru-RU" sz="5400" b="1" dirty="0">
-                <a:solidFill>
-                  <a:srgbClr val="FF0000"/>
-                </a:solidFill>
-                <a:latin typeface="Georgia" panose="02040502050405020303" pitchFamily="18" charset="0"/>
-              </a:rPr>
-              <a:t>1</a:t>
-            </a:r>
-          </a:p>
-        </p:txBody>
-      </p:sp>
-      <p:sp>
-        <p:nvSpPr>
-          <p:cNvPr id="9" name="TextBox 8">
-            <a:extLst>
-              <a:ext uri="{FF2B5EF4-FFF2-40B4-BE49-F238E27FC236}">
-                <a16:creationId xmlns:a16="http://schemas.microsoft.com/office/drawing/2014/main" id="{7127229C-8C27-438E-90F1-269BA427BF37}"/>
-              </a:ext>
-            </a:extLst>
-          </p:cNvPr>
-          <p:cNvSpPr txBox="1"/>
-          <p:nvPr/>
-        </p:nvSpPr>
-        <p:spPr>
-          <a:xfrm>
-            <a:off x="5341502" y="3752748"/>
-            <a:ext cx="619080" cy="923330"/>
-          </a:xfrm>
-          <a:prstGeom prst="rect">
-            <a:avLst/>
-          </a:prstGeom>
-          <a:noFill/>
-        </p:spPr>
-        <p:txBody>
-          <a:bodyPr wrap="none" rtlCol="0">
-            <a:spAutoFit/>
-          </a:bodyPr>
-          <a:lstStyle/>
-          <a:p>
-            <a:r>
-              <a:rPr lang="ru-RU" sz="5400" b="1" dirty="0">
-                <a:solidFill>
-                  <a:srgbClr val="FF0000"/>
-                </a:solidFill>
-                <a:latin typeface="Georgia" panose="02040502050405020303" pitchFamily="18" charset="0"/>
-              </a:rPr>
-              <a:t>2</a:t>
-            </a:r>
-          </a:p>
-        </p:txBody>
-      </p:sp>
-      <p:pic>
-        <p:nvPicPr>
-          <p:cNvPr id="10" name="Рисунок 9">
-            <a:extLst>
-              <a:ext uri="{FF2B5EF4-FFF2-40B4-BE49-F238E27FC236}">
-                <a16:creationId xmlns:a16="http://schemas.microsoft.com/office/drawing/2014/main" id="{E9C206EF-4DBB-4FF5-BCF3-C1DD78D3D074}"/>
-              </a:ext>
-            </a:extLst>
-          </p:cNvPr>
-          <p:cNvPicPr>
-            <a:picLocks noChangeAspect="1"/>
-          </p:cNvPicPr>
-          <p:nvPr/>
-        </p:nvPicPr>
-        <p:blipFill>
-          <a:blip r:embed="rId4"/>
-          <a:stretch>
-            <a:fillRect/>
-          </a:stretch>
-        </p:blipFill>
-        <p:spPr>
-          <a:xfrm>
-            <a:off x="2932464" y="1505840"/>
-            <a:ext cx="4690504" cy="4860748"/>
-          </a:xfrm>
-          <a:prstGeom prst="rect">
-            <a:avLst/>
-          </a:prstGeom>
-        </p:spPr>
-      </p:pic>
-      <p:pic>
-        <p:nvPicPr>
-          <p:cNvPr id="5" name="Рисунок 4">
-            <a:extLst>
-              <a:ext uri="{FF2B5EF4-FFF2-40B4-BE49-F238E27FC236}">
-                <a16:creationId xmlns:a16="http://schemas.microsoft.com/office/drawing/2014/main" id="{734C4807-68C3-4480-9296-722CE027C4EB}"/>
-              </a:ext>
-            </a:extLst>
-          </p:cNvPr>
-          <p:cNvPicPr>
-            <a:picLocks noChangeAspect="1"/>
-          </p:cNvPicPr>
-          <p:nvPr/>
-        </p:nvPicPr>
-        <p:blipFill>
-          <a:blip r:embed="rId5"/>
-          <a:stretch>
-            <a:fillRect/>
-          </a:stretch>
-        </p:blipFill>
-        <p:spPr>
-          <a:xfrm>
-            <a:off x="2932464" y="1475991"/>
-            <a:ext cx="4685060" cy="4860749"/>
-          </a:xfrm>
-          <a:prstGeom prst="rect">
-            <a:avLst/>
-          </a:prstGeom>
-        </p:spPr>
-      </p:pic>
-      <p:sp>
-        <p:nvSpPr>
-          <p:cNvPr id="11" name="TextBox 10">
-            <a:extLst>
-              <a:ext uri="{FF2B5EF4-FFF2-40B4-BE49-F238E27FC236}">
-                <a16:creationId xmlns:a16="http://schemas.microsoft.com/office/drawing/2014/main" id="{2F02B7A5-19A5-4E9C-BD14-B8CD4081D31D}"/>
-              </a:ext>
-            </a:extLst>
-          </p:cNvPr>
-          <p:cNvSpPr txBox="1"/>
-          <p:nvPr/>
-        </p:nvSpPr>
-        <p:spPr>
-          <a:xfrm>
-            <a:off x="5907559" y="3152737"/>
-            <a:ext cx="524503" cy="923330"/>
-          </a:xfrm>
-          <a:prstGeom prst="rect">
-            <a:avLst/>
-          </a:prstGeom>
-          <a:noFill/>
-        </p:spPr>
-        <p:txBody>
-          <a:bodyPr wrap="none" rtlCol="0">
-            <a:spAutoFit/>
-          </a:bodyPr>
-          <a:lstStyle/>
-          <a:p>
-            <a:r>
-              <a:rPr lang="ru-RU" sz="5400" b="1" dirty="0">
-                <a:solidFill>
-                  <a:srgbClr val="FF0000"/>
-                </a:solidFill>
-                <a:latin typeface="Georgia" panose="02040502050405020303" pitchFamily="18" charset="0"/>
-              </a:rPr>
-              <a:t>1</a:t>
-            </a:r>
-          </a:p>
-        </p:txBody>
-      </p:sp>
-      <p:sp>
-        <p:nvSpPr>
-          <p:cNvPr id="12" name="TextBox 11">
-            <a:extLst>
-              <a:ext uri="{FF2B5EF4-FFF2-40B4-BE49-F238E27FC236}">
-                <a16:creationId xmlns:a16="http://schemas.microsoft.com/office/drawing/2014/main" id="{23DD7B58-2D45-481C-8B70-944D238BA639}"/>
-              </a:ext>
-            </a:extLst>
-          </p:cNvPr>
-          <p:cNvSpPr txBox="1"/>
-          <p:nvPr/>
-        </p:nvSpPr>
-        <p:spPr>
-          <a:xfrm>
-            <a:off x="4890523" y="2736503"/>
-            <a:ext cx="619080" cy="923330"/>
-          </a:xfrm>
-          <a:prstGeom prst="rect">
-            <a:avLst/>
-          </a:prstGeom>
-          <a:noFill/>
-        </p:spPr>
-        <p:txBody>
-          <a:bodyPr wrap="none" rtlCol="0">
-            <a:spAutoFit/>
-          </a:bodyPr>
-          <a:lstStyle/>
-          <a:p>
-            <a:r>
-              <a:rPr lang="ru-RU" sz="5400" b="1" dirty="0">
-                <a:solidFill>
-                  <a:srgbClr val="FF0000"/>
-                </a:solidFill>
-                <a:latin typeface="Georgia" panose="02040502050405020303" pitchFamily="18" charset="0"/>
-              </a:rPr>
-              <a:t>2</a:t>
-            </a:r>
-          </a:p>
-        </p:txBody>
-      </p:sp>
-      <p:pic>
-        <p:nvPicPr>
-          <p:cNvPr id="13" name="Рисунок 12">
-            <a:extLst>
-              <a:ext uri="{FF2B5EF4-FFF2-40B4-BE49-F238E27FC236}">
-                <a16:creationId xmlns:a16="http://schemas.microsoft.com/office/drawing/2014/main" id="{7B6F2F7B-FEA1-40F6-BF99-3A67C13809BD}"/>
-              </a:ext>
-            </a:extLst>
-          </p:cNvPr>
-          <p:cNvPicPr>
-            <a:picLocks noChangeAspect="1"/>
-          </p:cNvPicPr>
-          <p:nvPr/>
-        </p:nvPicPr>
-        <p:blipFill>
-          <a:blip r:embed="rId6"/>
-          <a:stretch>
-            <a:fillRect/>
-          </a:stretch>
-        </p:blipFill>
-        <p:spPr>
-          <a:xfrm>
-            <a:off x="2932464" y="1499645"/>
-            <a:ext cx="4678983" cy="4837096"/>
-          </a:xfrm>
-          <a:prstGeom prst="rect">
-            <a:avLst/>
-          </a:prstGeom>
-        </p:spPr>
-      </p:pic>
+          <a:ln w="38100">
+            <a:solidFill>
+              <a:srgbClr val="FF0000"/>
+            </a:solidFill>
+          </a:ln>
+        </p:spPr>
+        <p:style>
+          <a:lnRef idx="2">
+            <a:schemeClr val="accent1">
+              <a:shade val="50000"/>
+            </a:schemeClr>
+          </a:lnRef>
+          <a:fillRef idx="1">
+            <a:schemeClr val="accent1"/>
+          </a:fillRef>
+          <a:effectRef idx="0">
+            <a:schemeClr val="accent1"/>
+          </a:effectRef>
+          <a:fontRef idx="minor">
+            <a:schemeClr val="lt1"/>
+          </a:fontRef>
+        </p:style>
+        <p:txBody>
+          <a:bodyPr rtlCol="0" anchor="ctr"/>
+          <a:lstStyle/>
+          <a:p>
+            <a:pPr algn="ctr"/>
+            <a:endParaRPr lang="ru-RU"/>
+          </a:p>
+        </p:txBody>
+      </p:sp>
     </p:spTree>
     <p:extLst>
       <p:ext uri="{BB962C8B-B14F-4D97-AF65-F5344CB8AC3E}">
-        <p14:creationId xmlns:p14="http://schemas.microsoft.com/office/powerpoint/2010/main" val="2060969495"/>
+        <p14:creationId xmlns:p14="http://schemas.microsoft.com/office/powerpoint/2010/main" val="1797524192"/>
       </p:ext>
     </p:extLst>
   </p:cSld>
@@ -12112,6 +11906,17 @@
 <file path=ppt/slides/slide9.xml><?xml version="1.0" encoding="utf-8"?>
 <p:sld xmlns:a="http://schemas.openxmlformats.org/drawingml/2006/main" xmlns:r="http://schemas.openxmlformats.org/officeDocument/2006/relationships" xmlns:p="http://schemas.openxmlformats.org/presentationml/2006/main">
   <p:cSld>
+    <p:bg>
+      <p:bgPr>
+        <a:solidFill>
+          <a:schemeClr val="accent2">
+            <a:lumMod val="20000"/>
+            <a:lumOff val="80000"/>
+          </a:schemeClr>
+        </a:solidFill>
+        <a:effectLst/>
+      </p:bgPr>
+    </p:bg>
     <p:spTree>
       <p:nvGrpSpPr>
         <p:cNvPr id="1" name=""/>
@@ -12141,7 +11946,7 @@
         <p:spPr>
           <a:xfrm>
             <a:off x="3415518" y="491412"/>
-            <a:ext cx="3712876" cy="707886"/>
+            <a:ext cx="4121641" cy="707886"/>
           </a:xfrm>
           <a:prstGeom prst="rect">
             <a:avLst/>
@@ -12156,7 +11961,7 @@
           <a:p>
             <a:r>
               <a:rPr lang="ru-RU" sz="4000" dirty="0"/>
-              <a:t>Основное окно</a:t>
+              <a:t>Окно черепашки</a:t>
             </a:r>
           </a:p>
         </p:txBody>
@@ -12176,7 +11981,7 @@
           <p:nvPr/>
         </p:nvPicPr>
         <p:blipFill>
-          <a:blip r:embed="rId2">
+          <a:blip r:embed="rId3">
             <a:extLst>
               <a:ext uri="{28A0092B-C50C-407E-A947-70E740481C1C}">
                 <a14:useLocalDpi xmlns:a14="http://schemas.microsoft.com/office/drawing/2010/main" val="0"/>
@@ -12197,202 +12002,12 @@
           </a:prstGeom>
         </p:spPr>
       </p:pic>
-      <p:sp>
-        <p:nvSpPr>
-          <p:cNvPr id="6" name="TextBox 5">
-            <a:extLst>
-              <a:ext uri="{FF2B5EF4-FFF2-40B4-BE49-F238E27FC236}">
-                <a16:creationId xmlns:a16="http://schemas.microsoft.com/office/drawing/2014/main" id="{05E21954-6AF4-4465-B9E7-E8B989AB7C25}"/>
-              </a:ext>
-            </a:extLst>
-          </p:cNvPr>
-          <p:cNvSpPr txBox="1"/>
-          <p:nvPr/>
-        </p:nvSpPr>
-        <p:spPr>
-          <a:xfrm>
-            <a:off x="4747453" y="5180332"/>
-            <a:ext cx="524503" cy="923330"/>
-          </a:xfrm>
-          <a:prstGeom prst="rect">
-            <a:avLst/>
-          </a:prstGeom>
-          <a:noFill/>
-        </p:spPr>
-        <p:txBody>
-          <a:bodyPr wrap="none" rtlCol="0">
-            <a:spAutoFit/>
-          </a:bodyPr>
-          <a:lstStyle/>
-          <a:p>
-            <a:r>
-              <a:rPr lang="ru-RU" sz="5400" b="1" dirty="0">
-                <a:solidFill>
-                  <a:srgbClr val="FF0000"/>
-                </a:solidFill>
-                <a:latin typeface="Georgia" panose="02040502050405020303" pitchFamily="18" charset="0"/>
-              </a:rPr>
-              <a:t>1</a:t>
-            </a:r>
-          </a:p>
-        </p:txBody>
-      </p:sp>
-      <p:sp>
-        <p:nvSpPr>
-          <p:cNvPr id="7" name="TextBox 6">
-            <a:extLst>
-              <a:ext uri="{FF2B5EF4-FFF2-40B4-BE49-F238E27FC236}">
-                <a16:creationId xmlns:a16="http://schemas.microsoft.com/office/drawing/2014/main" id="{DA2FE1F6-15FC-4341-AC88-BD2305FB7203}"/>
-              </a:ext>
-            </a:extLst>
-          </p:cNvPr>
-          <p:cNvSpPr txBox="1"/>
-          <p:nvPr/>
-        </p:nvSpPr>
-        <p:spPr>
-          <a:xfrm>
-            <a:off x="4128373" y="4137944"/>
-            <a:ext cx="619080" cy="923330"/>
-          </a:xfrm>
-          <a:prstGeom prst="rect">
-            <a:avLst/>
-          </a:prstGeom>
-          <a:noFill/>
-        </p:spPr>
-        <p:txBody>
-          <a:bodyPr wrap="none" rtlCol="0">
-            <a:spAutoFit/>
-          </a:bodyPr>
-          <a:lstStyle/>
-          <a:p>
-            <a:r>
-              <a:rPr lang="ru-RU" sz="5400" b="1" dirty="0">
-                <a:solidFill>
-                  <a:srgbClr val="FF0000"/>
-                </a:solidFill>
-                <a:latin typeface="Georgia" panose="02040502050405020303" pitchFamily="18" charset="0"/>
-              </a:rPr>
-              <a:t>2</a:t>
-            </a:r>
-          </a:p>
-        </p:txBody>
-      </p:sp>
       <p:pic>
         <p:nvPicPr>
-          <p:cNvPr id="2" name="Рисунок 1">
-            <a:extLst>
-              <a:ext uri="{FF2B5EF4-FFF2-40B4-BE49-F238E27FC236}">
-                <a16:creationId xmlns:a16="http://schemas.microsoft.com/office/drawing/2014/main" id="{C21AB352-275F-4817-BBDB-E854240E7ABB}"/>
-              </a:ext>
-            </a:extLst>
-          </p:cNvPr>
-          <p:cNvPicPr>
-            <a:picLocks noChangeAspect="1"/>
-          </p:cNvPicPr>
-          <p:nvPr/>
-        </p:nvPicPr>
-        <p:blipFill>
-          <a:blip r:embed="rId3"/>
-          <a:stretch>
-            <a:fillRect/>
-          </a:stretch>
-        </p:blipFill>
-        <p:spPr>
-          <a:xfrm>
-            <a:off x="2932464" y="1505840"/>
-            <a:ext cx="4678983" cy="4860748"/>
-          </a:xfrm>
-          <a:prstGeom prst="rect">
-            <a:avLst/>
-          </a:prstGeom>
-        </p:spPr>
-      </p:pic>
-      <p:sp>
-        <p:nvSpPr>
-          <p:cNvPr id="8" name="TextBox 7">
-            <a:extLst>
-              <a:ext uri="{FF2B5EF4-FFF2-40B4-BE49-F238E27FC236}">
-                <a16:creationId xmlns:a16="http://schemas.microsoft.com/office/drawing/2014/main" id="{DF464202-8A1B-4E0B-A74D-DD8CB7CF382B}"/>
-              </a:ext>
-            </a:extLst>
-          </p:cNvPr>
-          <p:cNvSpPr txBox="1"/>
-          <p:nvPr/>
-        </p:nvSpPr>
-        <p:spPr>
-          <a:xfrm>
-            <a:off x="4747453" y="4890495"/>
-            <a:ext cx="524503" cy="923330"/>
-          </a:xfrm>
-          <a:prstGeom prst="rect">
-            <a:avLst/>
-          </a:prstGeom>
-          <a:noFill/>
-        </p:spPr>
-        <p:txBody>
-          <a:bodyPr wrap="none" rtlCol="0">
-            <a:spAutoFit/>
-          </a:bodyPr>
-          <a:lstStyle/>
-          <a:p>
-            <a:r>
-              <a:rPr lang="ru-RU" sz="5400" b="1" dirty="0">
-                <a:solidFill>
-                  <a:srgbClr val="FF0000"/>
-                </a:solidFill>
-                <a:latin typeface="Georgia" panose="02040502050405020303" pitchFamily="18" charset="0"/>
-              </a:rPr>
-              <a:t>1</a:t>
-            </a:r>
-          </a:p>
-        </p:txBody>
-      </p:sp>
-      <p:sp>
-        <p:nvSpPr>
-          <p:cNvPr id="9" name="TextBox 8">
-            <a:extLst>
-              <a:ext uri="{FF2B5EF4-FFF2-40B4-BE49-F238E27FC236}">
-                <a16:creationId xmlns:a16="http://schemas.microsoft.com/office/drawing/2014/main" id="{7127229C-8C27-438E-90F1-269BA427BF37}"/>
-              </a:ext>
-            </a:extLst>
-          </p:cNvPr>
-          <p:cNvSpPr txBox="1"/>
-          <p:nvPr/>
-        </p:nvSpPr>
-        <p:spPr>
-          <a:xfrm>
-            <a:off x="5341502" y="3752748"/>
-            <a:ext cx="619080" cy="923330"/>
-          </a:xfrm>
-          <a:prstGeom prst="rect">
-            <a:avLst/>
-          </a:prstGeom>
-          <a:noFill/>
-        </p:spPr>
-        <p:txBody>
-          <a:bodyPr wrap="none" rtlCol="0">
-            <a:spAutoFit/>
-          </a:bodyPr>
-          <a:lstStyle/>
-          <a:p>
-            <a:r>
-              <a:rPr lang="ru-RU" sz="5400" b="1" dirty="0">
-                <a:solidFill>
-                  <a:srgbClr val="FF0000"/>
-                </a:solidFill>
-                <a:latin typeface="Georgia" panose="02040502050405020303" pitchFamily="18" charset="0"/>
-              </a:rPr>
-              <a:t>2</a:t>
-            </a:r>
-          </a:p>
-        </p:txBody>
-      </p:sp>
-      <p:pic>
-        <p:nvPicPr>
-          <p:cNvPr id="10" name="Рисунок 9">
-            <a:extLst>
-              <a:ext uri="{FF2B5EF4-FFF2-40B4-BE49-F238E27FC236}">
-                <a16:creationId xmlns:a16="http://schemas.microsoft.com/office/drawing/2014/main" id="{E9C206EF-4DBB-4FF5-BCF3-C1DD78D3D074}"/>
+          <p:cNvPr id="18" name="Рисунок 17">
+            <a:extLst>
+              <a:ext uri="{FF2B5EF4-FFF2-40B4-BE49-F238E27FC236}">
+                <a16:creationId xmlns:a16="http://schemas.microsoft.com/office/drawing/2014/main" id="{729303C0-8207-458A-B44E-F95912825417}"/>
               </a:ext>
             </a:extLst>
           </p:cNvPr>
@@ -12409,268 +12024,18 @@
         </p:blipFill>
         <p:spPr>
           <a:xfrm>
-            <a:off x="2932464" y="1505840"/>
-            <a:ext cx="4690504" cy="4860748"/>
+            <a:off x="2532324" y="1331622"/>
+            <a:ext cx="5896329" cy="5103390"/>
           </a:xfrm>
           <a:prstGeom prst="rect">
             <a:avLst/>
           </a:prstGeom>
         </p:spPr>
       </p:pic>
-      <p:pic>
-        <p:nvPicPr>
-          <p:cNvPr id="5" name="Рисунок 4">
-            <a:extLst>
-              <a:ext uri="{FF2B5EF4-FFF2-40B4-BE49-F238E27FC236}">
-                <a16:creationId xmlns:a16="http://schemas.microsoft.com/office/drawing/2014/main" id="{734C4807-68C3-4480-9296-722CE027C4EB}"/>
-              </a:ext>
-            </a:extLst>
-          </p:cNvPr>
-          <p:cNvPicPr>
-            <a:picLocks noChangeAspect="1"/>
-          </p:cNvPicPr>
-          <p:nvPr/>
-        </p:nvPicPr>
-        <p:blipFill>
-          <a:blip r:embed="rId5"/>
-          <a:stretch>
-            <a:fillRect/>
-          </a:stretch>
-        </p:blipFill>
-        <p:spPr>
-          <a:xfrm>
-            <a:off x="2932464" y="1475991"/>
-            <a:ext cx="4685060" cy="4860749"/>
-          </a:xfrm>
-          <a:prstGeom prst="rect">
-            <a:avLst/>
-          </a:prstGeom>
-        </p:spPr>
-      </p:pic>
-      <p:sp>
-        <p:nvSpPr>
-          <p:cNvPr id="11" name="TextBox 10">
-            <a:extLst>
-              <a:ext uri="{FF2B5EF4-FFF2-40B4-BE49-F238E27FC236}">
-                <a16:creationId xmlns:a16="http://schemas.microsoft.com/office/drawing/2014/main" id="{2F02B7A5-19A5-4E9C-BD14-B8CD4081D31D}"/>
-              </a:ext>
-            </a:extLst>
-          </p:cNvPr>
-          <p:cNvSpPr txBox="1"/>
-          <p:nvPr/>
-        </p:nvSpPr>
-        <p:spPr>
-          <a:xfrm>
-            <a:off x="5907559" y="3152737"/>
-            <a:ext cx="524503" cy="923330"/>
-          </a:xfrm>
-          <a:prstGeom prst="rect">
-            <a:avLst/>
-          </a:prstGeom>
-          <a:noFill/>
-        </p:spPr>
-        <p:txBody>
-          <a:bodyPr wrap="none" rtlCol="0">
-            <a:spAutoFit/>
-          </a:bodyPr>
-          <a:lstStyle/>
-          <a:p>
-            <a:r>
-              <a:rPr lang="ru-RU" sz="5400" b="1" dirty="0">
-                <a:solidFill>
-                  <a:srgbClr val="FF0000"/>
-                </a:solidFill>
-                <a:latin typeface="Georgia" panose="02040502050405020303" pitchFamily="18" charset="0"/>
-              </a:rPr>
-              <a:t>1</a:t>
-            </a:r>
-          </a:p>
-        </p:txBody>
-      </p:sp>
-      <p:sp>
-        <p:nvSpPr>
-          <p:cNvPr id="12" name="TextBox 11">
-            <a:extLst>
-              <a:ext uri="{FF2B5EF4-FFF2-40B4-BE49-F238E27FC236}">
-                <a16:creationId xmlns:a16="http://schemas.microsoft.com/office/drawing/2014/main" id="{23DD7B58-2D45-481C-8B70-944D238BA639}"/>
-              </a:ext>
-            </a:extLst>
-          </p:cNvPr>
-          <p:cNvSpPr txBox="1"/>
-          <p:nvPr/>
-        </p:nvSpPr>
-        <p:spPr>
-          <a:xfrm>
-            <a:off x="4890523" y="2736503"/>
-            <a:ext cx="619080" cy="923330"/>
-          </a:xfrm>
-          <a:prstGeom prst="rect">
-            <a:avLst/>
-          </a:prstGeom>
-          <a:noFill/>
-        </p:spPr>
-        <p:txBody>
-          <a:bodyPr wrap="none" rtlCol="0">
-            <a:spAutoFit/>
-          </a:bodyPr>
-          <a:lstStyle/>
-          <a:p>
-            <a:r>
-              <a:rPr lang="ru-RU" sz="5400" b="1" dirty="0">
-                <a:solidFill>
-                  <a:srgbClr val="FF0000"/>
-                </a:solidFill>
-                <a:latin typeface="Georgia" panose="02040502050405020303" pitchFamily="18" charset="0"/>
-              </a:rPr>
-              <a:t>2</a:t>
-            </a:r>
-          </a:p>
-        </p:txBody>
-      </p:sp>
-      <p:pic>
-        <p:nvPicPr>
-          <p:cNvPr id="13" name="Рисунок 12">
-            <a:extLst>
-              <a:ext uri="{FF2B5EF4-FFF2-40B4-BE49-F238E27FC236}">
-                <a16:creationId xmlns:a16="http://schemas.microsoft.com/office/drawing/2014/main" id="{7B6F2F7B-FEA1-40F6-BF99-3A67C13809BD}"/>
-              </a:ext>
-            </a:extLst>
-          </p:cNvPr>
-          <p:cNvPicPr>
-            <a:picLocks noChangeAspect="1"/>
-          </p:cNvPicPr>
-          <p:nvPr/>
-        </p:nvPicPr>
-        <p:blipFill>
-          <a:blip r:embed="rId6"/>
-          <a:stretch>
-            <a:fillRect/>
-          </a:stretch>
-        </p:blipFill>
-        <p:spPr>
-          <a:xfrm>
-            <a:off x="2932464" y="1499645"/>
-            <a:ext cx="4678983" cy="4837096"/>
-          </a:xfrm>
-          <a:prstGeom prst="rect">
-            <a:avLst/>
-          </a:prstGeom>
-        </p:spPr>
-      </p:pic>
-      <p:pic>
-        <p:nvPicPr>
-          <p:cNvPr id="14" name="Рисунок 13">
-            <a:extLst>
-              <a:ext uri="{FF2B5EF4-FFF2-40B4-BE49-F238E27FC236}">
-                <a16:creationId xmlns:a16="http://schemas.microsoft.com/office/drawing/2014/main" id="{A71F48BF-494B-4CD9-BB1D-AA7CE0534FA2}"/>
-              </a:ext>
-            </a:extLst>
-          </p:cNvPr>
-          <p:cNvPicPr>
-            <a:picLocks noChangeAspect="1"/>
-          </p:cNvPicPr>
-          <p:nvPr/>
-        </p:nvPicPr>
-        <p:blipFill>
-          <a:blip r:embed="rId7"/>
-          <a:stretch>
-            <a:fillRect/>
-          </a:stretch>
-        </p:blipFill>
-        <p:spPr>
-          <a:xfrm>
-            <a:off x="2932464" y="1505848"/>
-            <a:ext cx="4684847" cy="4860749"/>
-          </a:xfrm>
-          <a:prstGeom prst="rect">
-            <a:avLst/>
-          </a:prstGeom>
-        </p:spPr>
-      </p:pic>
-      <p:sp>
-        <p:nvSpPr>
-          <p:cNvPr id="15" name="TextBox 14">
-            <a:extLst>
-              <a:ext uri="{FF2B5EF4-FFF2-40B4-BE49-F238E27FC236}">
-                <a16:creationId xmlns:a16="http://schemas.microsoft.com/office/drawing/2014/main" id="{E6F07ADA-550C-409C-B1B3-A335A5704BBC}"/>
-              </a:ext>
-            </a:extLst>
-          </p:cNvPr>
-          <p:cNvSpPr txBox="1"/>
-          <p:nvPr/>
-        </p:nvSpPr>
-        <p:spPr>
-          <a:xfrm>
-            <a:off x="5436079" y="5306722"/>
-            <a:ext cx="524503" cy="923330"/>
-          </a:xfrm>
-          <a:prstGeom prst="rect">
-            <a:avLst/>
-          </a:prstGeom>
-          <a:noFill/>
-        </p:spPr>
-        <p:txBody>
-          <a:bodyPr wrap="none" rtlCol="0">
-            <a:spAutoFit/>
-          </a:bodyPr>
-          <a:lstStyle/>
-          <a:p>
-            <a:r>
-              <a:rPr lang="ru-RU" sz="5400" b="1" dirty="0">
-                <a:solidFill>
-                  <a:srgbClr val="FF0000"/>
-                </a:solidFill>
-                <a:latin typeface="Georgia" panose="02040502050405020303" pitchFamily="18" charset="0"/>
-              </a:rPr>
-              <a:t>1</a:t>
-            </a:r>
-          </a:p>
-        </p:txBody>
-      </p:sp>
-      <p:sp>
-        <p:nvSpPr>
-          <p:cNvPr id="16" name="TextBox 15">
-            <a:extLst>
-              <a:ext uri="{FF2B5EF4-FFF2-40B4-BE49-F238E27FC236}">
-                <a16:creationId xmlns:a16="http://schemas.microsoft.com/office/drawing/2014/main" id="{EFDFF5BB-F210-4F2C-B2E2-8E95599ADAC6}"/>
-              </a:ext>
-            </a:extLst>
-          </p:cNvPr>
-          <p:cNvSpPr txBox="1"/>
-          <p:nvPr/>
-        </p:nvSpPr>
-        <p:spPr>
-          <a:xfrm>
-            <a:off x="7005882" y="4214413"/>
-            <a:ext cx="619080" cy="923330"/>
-          </a:xfrm>
-          <a:prstGeom prst="rect">
-            <a:avLst/>
-          </a:prstGeom>
-          <a:noFill/>
-        </p:spPr>
-        <p:txBody>
-          <a:bodyPr wrap="none" rtlCol="0">
-            <a:spAutoFit/>
-          </a:bodyPr>
-          <a:lstStyle/>
-          <a:p>
-            <a:r>
-              <a:rPr lang="ru-RU" sz="5400" b="1" dirty="0">
-                <a:solidFill>
-                  <a:srgbClr val="FF0000"/>
-                </a:solidFill>
-                <a:latin typeface="Georgia" panose="02040502050405020303" pitchFamily="18" charset="0"/>
-              </a:rPr>
-              <a:t>2</a:t>
-            </a:r>
-          </a:p>
-        </p:txBody>
-      </p:sp>
     </p:spTree>
     <p:extLst>
       <p:ext uri="{BB962C8B-B14F-4D97-AF65-F5344CB8AC3E}">
-        <p14:creationId xmlns:p14="http://schemas.microsoft.com/office/powerpoint/2010/main" val="365929707"/>
+        <p14:creationId xmlns:p14="http://schemas.microsoft.com/office/powerpoint/2010/main" val="3336101287"/>
       </p:ext>
     </p:extLst>
   </p:cSld>
